--- a/aws_sra_examples/solutions/iam/iam_access_analyzer/documentation/iam-access-analyzer.pptx
+++ b/aws_sra_examples/solutions/iam/iam_access_analyzer/documentation/iam-access-analyzer.pptx
@@ -197,7 +197,7 @@
           <a:p>
             <a:fld id="{FD8D84E3-00BA-4A46-8256-7E527D8B4480}" type="datetimeFigureOut">
               <a:rPr lang="en-US" smtClean="0"/>
-              <a:t>11/16/21</a:t>
+              <a:t>3/7/22</a:t>
             </a:fld>
             <a:endParaRPr lang="en-US"/>
           </a:p>
@@ -695,7 +695,7 @@
           <a:p>
             <a:fld id="{9FE185F7-9B28-9F45-9F43-9CB5A0B99390}" type="datetimeFigureOut">
               <a:rPr lang="en-US" smtClean="0"/>
-              <a:t>11/16/21</a:t>
+              <a:t>3/7/22</a:t>
             </a:fld>
             <a:endParaRPr lang="en-US"/>
           </a:p>
@@ -893,7 +893,7 @@
           <a:p>
             <a:fld id="{9FE185F7-9B28-9F45-9F43-9CB5A0B99390}" type="datetimeFigureOut">
               <a:rPr lang="en-US" smtClean="0"/>
-              <a:t>11/16/21</a:t>
+              <a:t>3/7/22</a:t>
             </a:fld>
             <a:endParaRPr lang="en-US"/>
           </a:p>
@@ -1101,7 +1101,7 @@
           <a:p>
             <a:fld id="{9FE185F7-9B28-9F45-9F43-9CB5A0B99390}" type="datetimeFigureOut">
               <a:rPr lang="en-US" smtClean="0"/>
-              <a:t>11/16/21</a:t>
+              <a:t>3/7/22</a:t>
             </a:fld>
             <a:endParaRPr lang="en-US"/>
           </a:p>
@@ -1299,7 +1299,7 @@
           <a:p>
             <a:fld id="{9FE185F7-9B28-9F45-9F43-9CB5A0B99390}" type="datetimeFigureOut">
               <a:rPr lang="en-US" smtClean="0"/>
-              <a:t>11/16/21</a:t>
+              <a:t>3/7/22</a:t>
             </a:fld>
             <a:endParaRPr lang="en-US"/>
           </a:p>
@@ -1574,7 +1574,7 @@
           <a:p>
             <a:fld id="{9FE185F7-9B28-9F45-9F43-9CB5A0B99390}" type="datetimeFigureOut">
               <a:rPr lang="en-US" smtClean="0"/>
-              <a:t>11/16/21</a:t>
+              <a:t>3/7/22</a:t>
             </a:fld>
             <a:endParaRPr lang="en-US"/>
           </a:p>
@@ -1839,7 +1839,7 @@
           <a:p>
             <a:fld id="{9FE185F7-9B28-9F45-9F43-9CB5A0B99390}" type="datetimeFigureOut">
               <a:rPr lang="en-US" smtClean="0"/>
-              <a:t>11/16/21</a:t>
+              <a:t>3/7/22</a:t>
             </a:fld>
             <a:endParaRPr lang="en-US"/>
           </a:p>
@@ -2251,7 +2251,7 @@
           <a:p>
             <a:fld id="{9FE185F7-9B28-9F45-9F43-9CB5A0B99390}" type="datetimeFigureOut">
               <a:rPr lang="en-US" smtClean="0"/>
-              <a:t>11/16/21</a:t>
+              <a:t>3/7/22</a:t>
             </a:fld>
             <a:endParaRPr lang="en-US"/>
           </a:p>
@@ -2392,7 +2392,7 @@
           <a:p>
             <a:fld id="{9FE185F7-9B28-9F45-9F43-9CB5A0B99390}" type="datetimeFigureOut">
               <a:rPr lang="en-US" smtClean="0"/>
-              <a:t>11/16/21</a:t>
+              <a:t>3/7/22</a:t>
             </a:fld>
             <a:endParaRPr lang="en-US"/>
           </a:p>
@@ -2505,7 +2505,7 @@
           <a:p>
             <a:fld id="{9FE185F7-9B28-9F45-9F43-9CB5A0B99390}" type="datetimeFigureOut">
               <a:rPr lang="en-US" smtClean="0"/>
-              <a:t>11/16/21</a:t>
+              <a:t>3/7/22</a:t>
             </a:fld>
             <a:endParaRPr lang="en-US"/>
           </a:p>
@@ -2816,7 +2816,7 @@
           <a:p>
             <a:fld id="{9FE185F7-9B28-9F45-9F43-9CB5A0B99390}" type="datetimeFigureOut">
               <a:rPr lang="en-US" smtClean="0"/>
-              <a:t>11/16/21</a:t>
+              <a:t>3/7/22</a:t>
             </a:fld>
             <a:endParaRPr lang="en-US"/>
           </a:p>
@@ -3104,7 +3104,7 @@
           <a:p>
             <a:fld id="{9FE185F7-9B28-9F45-9F43-9CB5A0B99390}" type="datetimeFigureOut">
               <a:rPr lang="en-US" smtClean="0"/>
-              <a:t>11/16/21</a:t>
+              <a:t>3/7/22</a:t>
             </a:fld>
             <a:endParaRPr lang="en-US"/>
           </a:p>
@@ -3345,7 +3345,7 @@
           <a:p>
             <a:fld id="{9FE185F7-9B28-9F45-9F43-9CB5A0B99390}" type="datetimeFigureOut">
               <a:rPr lang="en-US" smtClean="0"/>
-              <a:t>11/16/21</a:t>
+              <a:t>3/7/22</a:t>
             </a:fld>
             <a:endParaRPr lang="en-US"/>
           </a:p>
@@ -3748,6 +3748,17 @@
 <file path=ppt/slides/slide1.xml><?xml version="1.0" encoding="utf-8"?>
 <p:sld xmlns:a="http://schemas.openxmlformats.org/drawingml/2006/main" xmlns:r="http://schemas.openxmlformats.org/officeDocument/2006/relationships" xmlns:p="http://schemas.openxmlformats.org/presentationml/2006/main">
   <p:cSld>
+    <p:bg>
+      <p:bgPr>
+        <a:solidFill>
+          <a:schemeClr val="tx1">
+            <a:lumMod val="65000"/>
+            <a:lumOff val="35000"/>
+          </a:schemeClr>
+        </a:solidFill>
+        <a:effectLst/>
+      </p:bgPr>
+    </p:bg>
     <p:spTree>
       <p:nvGrpSpPr>
         <p:cNvPr id="1" name=""/>
@@ -3776,8 +3787,8 @@
         </p:nvSpPr>
         <p:spPr>
           <a:xfrm>
-            <a:off x="678235" y="245353"/>
-            <a:ext cx="10431726" cy="6502919"/>
+            <a:off x="1325530" y="331180"/>
+            <a:ext cx="9540939" cy="6069620"/>
           </a:xfrm>
           <a:prstGeom prst="rect">
             <a:avLst/>
@@ -3935,8 +3946,8 @@
         </p:nvSpPr>
         <p:spPr>
           <a:xfrm>
-            <a:off x="2779378" y="515307"/>
-            <a:ext cx="6428535" cy="2985951"/>
+            <a:off x="3706858" y="663814"/>
+            <a:ext cx="4719295" cy="2601671"/>
           </a:xfrm>
           <a:prstGeom prst="rect">
             <a:avLst/>
@@ -3986,19 +3997,6 @@
               <a:t>Organization Management Account</a:t>
             </a:r>
           </a:p>
-          <a:p>
-            <a:pPr algn="ctr"/>
-            <a:r>
-              <a:rPr lang="en-US" sz="1400" dirty="0">
-                <a:solidFill>
-                  <a:schemeClr val="tx1"/>
-                </a:solidFill>
-                <a:latin typeface="Arial" panose="020B0604020202020204" pitchFamily="34" charset="0"/>
-                <a:cs typeface="Arial" panose="020B0604020202020204" pitchFamily="34" charset="0"/>
-              </a:rPr>
-              <a:t>OU: management</a:t>
-            </a:r>
-          </a:p>
         </p:txBody>
       </p:sp>
       <p:pic>
@@ -4029,7 +4027,7 @@
         </p:blipFill>
         <p:spPr>
           <a:xfrm>
-            <a:off x="678234" y="245353"/>
+            <a:off x="1325529" y="331179"/>
             <a:ext cx="330200" cy="330200"/>
           </a:xfrm>
           <a:prstGeom prst="rect">
@@ -4051,8 +4049,8 @@
         </p:nvSpPr>
         <p:spPr>
           <a:xfrm>
-            <a:off x="838660" y="3616101"/>
-            <a:ext cx="5962306" cy="2996546"/>
+            <a:off x="1485954" y="3373039"/>
+            <a:ext cx="5537212" cy="2885183"/>
           </a:xfrm>
           <a:prstGeom prst="rect">
             <a:avLst/>
@@ -4105,14 +4103,14 @@
           <a:p>
             <a:pPr algn="ctr"/>
             <a:r>
-              <a:rPr lang="en-US" sz="1400" dirty="0">
+              <a:rPr lang="en-US" sz="1200" dirty="0">
                 <a:solidFill>
                   <a:schemeClr val="tx1"/>
                 </a:solidFill>
                 <a:latin typeface="Arial" panose="020B0604020202020204" pitchFamily="34" charset="0"/>
                 <a:cs typeface="Arial" panose="020B0604020202020204" pitchFamily="34" charset="0"/>
               </a:rPr>
-              <a:t>OU: Core</a:t>
+              <a:t>OU: Security</a:t>
             </a:r>
           </a:p>
         </p:txBody>
@@ -4131,8 +4129,8 @@
         </p:nvSpPr>
         <p:spPr>
           <a:xfrm>
-            <a:off x="6893405" y="3616101"/>
-            <a:ext cx="4072820" cy="3004005"/>
+            <a:off x="7158863" y="3373039"/>
+            <a:ext cx="3546832" cy="2885183"/>
           </a:xfrm>
           <a:prstGeom prst="rect">
             <a:avLst/>
@@ -4211,7 +4209,7 @@
         </p:nvSpPr>
         <p:spPr>
           <a:xfrm>
-            <a:off x="2976569" y="2413557"/>
+            <a:off x="3855070" y="2155437"/>
             <a:ext cx="1307240" cy="430887"/>
           </a:xfrm>
           <a:prstGeom prst="rect">
@@ -4264,8 +4262,8 @@
         </p:blipFill>
         <p:spPr>
           <a:xfrm>
-            <a:off x="3352611" y="1825163"/>
-            <a:ext cx="555156" cy="555156"/>
+            <a:off x="4280090" y="1709572"/>
+            <a:ext cx="457200" cy="457200"/>
           </a:xfrm>
           <a:prstGeom prst="rect">
             <a:avLst/>
@@ -4286,8 +4284,8 @@
         </p:nvSpPr>
         <p:spPr>
           <a:xfrm>
-            <a:off x="4583959" y="1059108"/>
-            <a:ext cx="3906999" cy="2372158"/>
+            <a:off x="3855071" y="1075985"/>
+            <a:ext cx="4447898" cy="2049905"/>
           </a:xfrm>
           <a:prstGeom prst="rect">
             <a:avLst/>
@@ -4317,7 +4315,7 @@
           </a:fontRef>
         </p:style>
         <p:txBody>
-          <a:bodyPr rot="0" spcFirstLastPara="0" vertOverflow="overflow" horzOverflow="overflow" vert="horz" wrap="square" lIns="91440" tIns="91440" rIns="91440" bIns="45720" numCol="1" spcCol="0" rtlCol="0" fromWordArt="0" anchor="t" anchorCtr="0" forceAA="0" compatLnSpc="1">
+          <a:bodyPr rot="0" spcFirstLastPara="0" vertOverflow="overflow" horzOverflow="overflow" vert="horz" wrap="square" lIns="91440" tIns="0" rIns="91440" bIns="45720" numCol="1" spcCol="0" rtlCol="0" fromWordArt="0" anchor="t" anchorCtr="0" forceAA="0" compatLnSpc="1">
             <a:prstTxWarp prst="textNoShape">
               <a:avLst/>
             </a:prstTxWarp>
@@ -4325,77 +4323,34 @@
           </a:bodyPr>
           <a:lstStyle/>
           <a:p>
-            <a:pPr algn="ctr"/>
-            <a:endParaRPr lang="en-US" sz="1400" dirty="0">
-              <a:solidFill>
-                <a:srgbClr val="5A6B86"/>
-              </a:solidFill>
-              <a:latin typeface="Arial" panose="020B0604020202020204" pitchFamily="34" charset="0"/>
-              <a:cs typeface="Arial" panose="020B0604020202020204" pitchFamily="34" charset="0"/>
-            </a:endParaRPr>
-          </a:p>
-        </p:txBody>
-      </p:sp>
-      <p:cxnSp>
-        <p:nvCxnSpPr>
-          <p:cNvPr id="154" name="Straight Arrow Connector 153">
-            <a:extLst>
-              <a:ext uri="{FF2B5EF4-FFF2-40B4-BE49-F238E27FC236}">
-                <a16:creationId xmlns:a16="http://schemas.microsoft.com/office/drawing/2014/main" id="{0FBB0361-D6B4-2F47-A0BE-F9DF0B40739C}"/>
-              </a:ext>
-            </a:extLst>
-          </p:cNvPr>
-          <p:cNvCxnSpPr>
-            <a:cxnSpLocks/>
-          </p:cNvCxnSpPr>
+            <a:r>
+              <a:rPr lang="en-US" sz="1100" b="1" dirty="0">
+                <a:solidFill>
+                  <a:schemeClr val="tx1"/>
+                </a:solidFill>
+                <a:latin typeface="Arial" panose="020B0604020202020204" pitchFamily="34" charset="0"/>
+                <a:cs typeface="Arial" panose="020B0604020202020204" pitchFamily="34" charset="0"/>
+              </a:rPr>
+              <a:t>Home-region</a:t>
+            </a:r>
+          </a:p>
+        </p:txBody>
+      </p:sp>
+      <p:sp>
+        <p:nvSpPr>
+          <p:cNvPr id="193" name="TextBox 192">
+            <a:extLst>
+              <a:ext uri="{FF2B5EF4-FFF2-40B4-BE49-F238E27FC236}">
+                <a16:creationId xmlns:a16="http://schemas.microsoft.com/office/drawing/2014/main" id="{04BAA3FC-2945-F644-9D2A-644DBD513EB6}"/>
+              </a:ext>
+            </a:extLst>
+          </p:cNvPr>
+          <p:cNvSpPr txBox="1"/>
           <p:nvPr/>
-        </p:nvCxnSpPr>
+        </p:nvSpPr>
         <p:spPr>
           <a:xfrm>
-            <a:off x="3995169" y="2104749"/>
-            <a:ext cx="345470" cy="0"/>
-          </a:xfrm>
-          <a:prstGeom prst="straightConnector1">
-            <a:avLst/>
-          </a:prstGeom>
-          <a:ln w="12700">
-            <a:solidFill>
-              <a:srgbClr val="545B64"/>
-            </a:solidFill>
-            <a:headEnd type="none" w="med" len="sm"/>
-            <a:tailEnd type="arrow" w="med" len="sm"/>
-          </a:ln>
-        </p:spPr>
-        <p:style>
-          <a:lnRef idx="1">
-            <a:schemeClr val="accent1"/>
-          </a:lnRef>
-          <a:fillRef idx="0">
-            <a:schemeClr val="accent1"/>
-          </a:fillRef>
-          <a:effectRef idx="0">
-            <a:schemeClr val="accent1"/>
-          </a:effectRef>
-          <a:fontRef idx="minor">
-            <a:schemeClr val="tx1"/>
-          </a:fontRef>
-        </p:style>
-      </p:cxnSp>
-      <p:sp>
-        <p:nvSpPr>
-          <p:cNvPr id="193" name="TextBox 192">
-            <a:extLst>
-              <a:ext uri="{FF2B5EF4-FFF2-40B4-BE49-F238E27FC236}">
-                <a16:creationId xmlns:a16="http://schemas.microsoft.com/office/drawing/2014/main" id="{04BAA3FC-2945-F644-9D2A-644DBD513EB6}"/>
-              </a:ext>
-            </a:extLst>
-          </p:cNvPr>
-          <p:cNvSpPr txBox="1"/>
-          <p:nvPr/>
-        </p:nvSpPr>
-        <p:spPr>
-          <a:xfrm>
-            <a:off x="848286" y="5503149"/>
+            <a:off x="1638076" y="5182445"/>
             <a:ext cx="1295915" cy="430887"/>
           </a:xfrm>
           <a:prstGeom prst="rect">
@@ -4448,8 +4403,8 @@
         </p:blipFill>
         <p:spPr>
           <a:xfrm>
-            <a:off x="1180635" y="4923678"/>
-            <a:ext cx="555156" cy="555156"/>
+            <a:off x="2059038" y="4725245"/>
+            <a:ext cx="457200" cy="457200"/>
           </a:xfrm>
           <a:prstGeom prst="rect">
             <a:avLst/>
@@ -4470,8 +4425,8 @@
         </p:nvSpPr>
         <p:spPr>
           <a:xfrm>
-            <a:off x="2242270" y="4145389"/>
-            <a:ext cx="4349455" cy="2372158"/>
+            <a:off x="1655727" y="3902327"/>
+            <a:ext cx="5215247" cy="2210109"/>
           </a:xfrm>
           <a:prstGeom prst="rect">
             <a:avLst/>
@@ -4501,7 +4456,7 @@
           </a:fontRef>
         </p:style>
         <p:txBody>
-          <a:bodyPr rot="0" spcFirstLastPara="0" vertOverflow="overflow" horzOverflow="overflow" vert="horz" wrap="square" lIns="91440" tIns="91440" rIns="91440" bIns="45720" numCol="1" spcCol="0" rtlCol="0" fromWordArt="0" anchor="t" anchorCtr="0" forceAA="0" compatLnSpc="1">
+          <a:bodyPr rot="0" spcFirstLastPara="0" vertOverflow="overflow" horzOverflow="overflow" vert="horz" wrap="square" lIns="91440" tIns="0" rIns="91440" bIns="45720" numCol="1" spcCol="0" rtlCol="0" fromWordArt="0" anchor="t" anchorCtr="0" forceAA="0" compatLnSpc="1">
             <a:prstTxWarp prst="textNoShape">
               <a:avLst/>
             </a:prstTxWarp>
@@ -4509,131 +4464,25 @@
           </a:bodyPr>
           <a:lstStyle/>
           <a:p>
-            <a:pPr algn="ctr"/>
-            <a:endParaRPr lang="en-US" sz="1400" dirty="0">
-              <a:solidFill>
-                <a:srgbClr val="5A6B86"/>
-              </a:solidFill>
-              <a:latin typeface="Arial" panose="020B0604020202020204" pitchFamily="34" charset="0"/>
-              <a:cs typeface="Arial" panose="020B0604020202020204" pitchFamily="34" charset="0"/>
-            </a:endParaRPr>
-          </a:p>
-        </p:txBody>
-      </p:sp>
-      <p:cxnSp>
-        <p:nvCxnSpPr>
-          <p:cNvPr id="196" name="Straight Arrow Connector 195">
-            <a:extLst>
-              <a:ext uri="{FF2B5EF4-FFF2-40B4-BE49-F238E27FC236}">
-                <a16:creationId xmlns:a16="http://schemas.microsoft.com/office/drawing/2014/main" id="{608E574B-049F-DD43-AF4F-C396CC8C7873}"/>
-              </a:ext>
-            </a:extLst>
-          </p:cNvPr>
-          <p:cNvCxnSpPr>
-            <a:cxnSpLocks/>
-          </p:cNvCxnSpPr>
-          <p:nvPr/>
-        </p:nvCxnSpPr>
-        <p:spPr>
-          <a:xfrm>
-            <a:off x="1791664" y="5201256"/>
-            <a:ext cx="331884" cy="0"/>
-          </a:xfrm>
-          <a:prstGeom prst="straightConnector1">
-            <a:avLst/>
-          </a:prstGeom>
-          <a:ln w="12700">
-            <a:solidFill>
-              <a:srgbClr val="545B64"/>
-            </a:solidFill>
-            <a:headEnd type="none" w="med" len="sm"/>
-            <a:tailEnd type="arrow" w="med" len="sm"/>
-          </a:ln>
-        </p:spPr>
-        <p:style>
-          <a:lnRef idx="1">
-            <a:schemeClr val="accent1"/>
-          </a:lnRef>
-          <a:fillRef idx="0">
-            <a:schemeClr val="accent1"/>
-          </a:fillRef>
-          <a:effectRef idx="0">
-            <a:schemeClr val="accent1"/>
-          </a:effectRef>
-          <a:fontRef idx="minor">
-            <a:schemeClr val="tx1"/>
-          </a:fontRef>
-        </p:style>
-      </p:cxnSp>
-      <p:sp>
-        <p:nvSpPr>
-          <p:cNvPr id="214" name="Rectangle 213">
-            <a:extLst>
-              <a:ext uri="{FF2B5EF4-FFF2-40B4-BE49-F238E27FC236}">
-                <a16:creationId xmlns:a16="http://schemas.microsoft.com/office/drawing/2014/main" id="{06761242-ECE5-1642-8F32-8372B25D2776}"/>
-              </a:ext>
-            </a:extLst>
-          </p:cNvPr>
-          <p:cNvSpPr/>
-          <p:nvPr/>
-        </p:nvSpPr>
-        <p:spPr>
-          <a:xfrm>
-            <a:off x="8644255" y="4375573"/>
-            <a:ext cx="1789940" cy="1920482"/>
-          </a:xfrm>
-          <a:prstGeom prst="rect">
-            <a:avLst/>
-          </a:prstGeom>
-          <a:noFill/>
-          <a:ln w="12700">
-            <a:solidFill>
-              <a:schemeClr val="tx1"/>
-            </a:solidFill>
-            <a:prstDash val="dash"/>
-          </a:ln>
-        </p:spPr>
-        <p:style>
-          <a:lnRef idx="2">
-            <a:schemeClr val="accent1">
-              <a:shade val="50000"/>
-            </a:schemeClr>
-          </a:lnRef>
-          <a:fillRef idx="1">
-            <a:schemeClr val="accent1"/>
-          </a:fillRef>
-          <a:effectRef idx="0">
-            <a:schemeClr val="accent1"/>
-          </a:effectRef>
-          <a:fontRef idx="minor">
-            <a:schemeClr val="lt1"/>
-          </a:fontRef>
-        </p:style>
-        <p:txBody>
-          <a:bodyPr rot="0" spcFirstLastPara="0" vertOverflow="overflow" horzOverflow="overflow" vert="horz" wrap="square" lIns="91440" tIns="91440" rIns="91440" bIns="45720" numCol="1" spcCol="0" rtlCol="0" fromWordArt="0" anchor="t" anchorCtr="0" forceAA="0" compatLnSpc="1">
-            <a:noAutofit/>
-          </a:bodyPr>
-          <a:lstStyle/>
-          <a:p>
-            <a:r>
-              <a:rPr lang="en-US" sz="1100" dirty="0">
+            <a:r>
+              <a:rPr lang="en-US" sz="1200" b="1" dirty="0">
                 <a:solidFill>
                   <a:schemeClr val="tx1"/>
                 </a:solidFill>
                 <a:latin typeface="Arial" panose="020B0604020202020204" pitchFamily="34" charset="0"/>
                 <a:cs typeface="Arial" panose="020B0604020202020204" pitchFamily="34" charset="0"/>
               </a:rPr>
-              <a:t>region-1</a:t>
-            </a:r>
-          </a:p>
-        </p:txBody>
-      </p:sp>
-      <p:sp>
-        <p:nvSpPr>
-          <p:cNvPr id="217" name="Rectangle 216">
-            <a:extLst>
-              <a:ext uri="{FF2B5EF4-FFF2-40B4-BE49-F238E27FC236}">
-                <a16:creationId xmlns:a16="http://schemas.microsoft.com/office/drawing/2014/main" id="{F2669857-055F-9249-BD81-EA41A2C36BC1}"/>
+              <a:t>Home-region</a:t>
+            </a:r>
+          </a:p>
+        </p:txBody>
+      </p:sp>
+      <p:sp>
+        <p:nvSpPr>
+          <p:cNvPr id="226" name="Oval 225">
+            <a:extLst>
+              <a:ext uri="{FF2B5EF4-FFF2-40B4-BE49-F238E27FC236}">
+                <a16:creationId xmlns:a16="http://schemas.microsoft.com/office/drawing/2014/main" id="{B075B0CF-8F6A-3947-BD02-50EB6DA85CEE}"/>
               </a:ext>
             </a:extLst>
           </p:cNvPr>
@@ -4642,133 +4491,7 @@
         </p:nvSpPr>
         <p:spPr>
           <a:xfrm>
-            <a:off x="8796655" y="4692563"/>
-            <a:ext cx="1637540" cy="1603492"/>
-          </a:xfrm>
-          <a:prstGeom prst="rect">
-            <a:avLst/>
-          </a:prstGeom>
-          <a:noFill/>
-          <a:ln w="12700">
-            <a:solidFill>
-              <a:schemeClr val="tx1"/>
-            </a:solidFill>
-            <a:prstDash val="dash"/>
-          </a:ln>
-        </p:spPr>
-        <p:style>
-          <a:lnRef idx="2">
-            <a:schemeClr val="accent1">
-              <a:shade val="50000"/>
-            </a:schemeClr>
-          </a:lnRef>
-          <a:fillRef idx="1">
-            <a:schemeClr val="accent1"/>
-          </a:fillRef>
-          <a:effectRef idx="0">
-            <a:schemeClr val="accent1"/>
-          </a:effectRef>
-          <a:fontRef idx="minor">
-            <a:schemeClr val="lt1"/>
-          </a:fontRef>
-        </p:style>
-        <p:txBody>
-          <a:bodyPr rot="0" spcFirstLastPara="0" vertOverflow="overflow" horzOverflow="overflow" vert="horz" wrap="square" lIns="91440" tIns="91440" rIns="91440" bIns="45720" numCol="1" spcCol="0" rtlCol="0" fromWordArt="0" anchor="t" anchorCtr="0" forceAA="0" compatLnSpc="1">
-            <a:noAutofit/>
-          </a:bodyPr>
-          <a:lstStyle/>
-          <a:p>
-            <a:r>
-              <a:rPr lang="en-US" sz="1100" dirty="0">
-                <a:solidFill>
-                  <a:schemeClr val="tx1"/>
-                </a:solidFill>
-                <a:latin typeface="Arial" panose="020B0604020202020204" pitchFamily="34" charset="0"/>
-                <a:cs typeface="Arial" panose="020B0604020202020204" pitchFamily="34" charset="0"/>
-              </a:rPr>
-              <a:t>region-2</a:t>
-            </a:r>
-          </a:p>
-        </p:txBody>
-      </p:sp>
-      <p:sp>
-        <p:nvSpPr>
-          <p:cNvPr id="218" name="Rectangle 217">
-            <a:extLst>
-              <a:ext uri="{FF2B5EF4-FFF2-40B4-BE49-F238E27FC236}">
-                <a16:creationId xmlns:a16="http://schemas.microsoft.com/office/drawing/2014/main" id="{AF6BC02D-93DE-2346-BBA6-FF8509345613}"/>
-              </a:ext>
-            </a:extLst>
-          </p:cNvPr>
-          <p:cNvSpPr/>
-          <p:nvPr/>
-        </p:nvSpPr>
-        <p:spPr>
-          <a:xfrm>
-            <a:off x="8932924" y="5017558"/>
-            <a:ext cx="1501271" cy="1278497"/>
-          </a:xfrm>
-          <a:prstGeom prst="rect">
-            <a:avLst/>
-          </a:prstGeom>
-          <a:noFill/>
-          <a:ln w="12700">
-            <a:solidFill>
-              <a:schemeClr val="tx1"/>
-            </a:solidFill>
-            <a:prstDash val="dash"/>
-          </a:ln>
-        </p:spPr>
-        <p:style>
-          <a:lnRef idx="2">
-            <a:schemeClr val="accent1">
-              <a:shade val="50000"/>
-            </a:schemeClr>
-          </a:lnRef>
-          <a:fillRef idx="1">
-            <a:schemeClr val="accent1"/>
-          </a:fillRef>
-          <a:effectRef idx="0">
-            <a:schemeClr val="accent1"/>
-          </a:effectRef>
-          <a:fontRef idx="minor">
-            <a:schemeClr val="lt1"/>
-          </a:fontRef>
-        </p:style>
-        <p:txBody>
-          <a:bodyPr rot="0" spcFirstLastPara="0" vertOverflow="overflow" horzOverflow="overflow" vert="horz" wrap="square" lIns="91440" tIns="91440" rIns="91440" bIns="45720" numCol="1" spcCol="0" rtlCol="0" fromWordArt="0" anchor="t" anchorCtr="0" forceAA="0" compatLnSpc="1">
-            <a:noAutofit/>
-          </a:bodyPr>
-          <a:lstStyle/>
-          <a:p>
-            <a:r>
-              <a:rPr lang="en-US" sz="1100" dirty="0">
-                <a:solidFill>
-                  <a:schemeClr val="tx1"/>
-                </a:solidFill>
-                <a:latin typeface="Arial" panose="020B0604020202020204" pitchFamily="34" charset="0"/>
-                <a:cs typeface="Arial" panose="020B0604020202020204" pitchFamily="34" charset="0"/>
-              </a:rPr>
-              <a:t>region-n</a:t>
-            </a:r>
-          </a:p>
-        </p:txBody>
-      </p:sp>
-      <p:sp>
-        <p:nvSpPr>
-          <p:cNvPr id="226" name="Oval 225">
-            <a:extLst>
-              <a:ext uri="{FF2B5EF4-FFF2-40B4-BE49-F238E27FC236}">
-                <a16:creationId xmlns:a16="http://schemas.microsoft.com/office/drawing/2014/main" id="{B075B0CF-8F6A-3947-BD02-50EB6DA85CEE}"/>
-              </a:ext>
-            </a:extLst>
-          </p:cNvPr>
-          <p:cNvSpPr/>
-          <p:nvPr/>
-        </p:nvSpPr>
-        <p:spPr>
-          <a:xfrm>
-            <a:off x="2811069" y="542739"/>
+            <a:off x="3728352" y="687760"/>
             <a:ext cx="253435" cy="212902"/>
           </a:xfrm>
           <a:prstGeom prst="ellipse">
@@ -4828,7 +4551,7 @@
         </p:nvSpPr>
         <p:spPr>
           <a:xfrm>
-            <a:off x="3353267" y="1831868"/>
+            <a:off x="4280746" y="1716277"/>
             <a:ext cx="253435" cy="212902"/>
           </a:xfrm>
           <a:prstGeom prst="ellipse">
@@ -4888,7 +4611,7 @@
         </p:nvSpPr>
         <p:spPr>
           <a:xfrm>
-            <a:off x="867542" y="3647008"/>
+            <a:off x="1514835" y="3403946"/>
             <a:ext cx="253435" cy="212902"/>
           </a:xfrm>
           <a:prstGeom prst="ellipse">
@@ -4948,7 +4671,7 @@
         </p:nvSpPr>
         <p:spPr>
           <a:xfrm>
-            <a:off x="6941816" y="3658627"/>
+            <a:off x="7207274" y="3415565"/>
             <a:ext cx="253435" cy="212902"/>
           </a:xfrm>
           <a:prstGeom prst="ellipse">
@@ -5008,7 +4731,7 @@
         </p:nvSpPr>
         <p:spPr>
           <a:xfrm>
-            <a:off x="1195861" y="4932185"/>
+            <a:off x="2074264" y="4733752"/>
             <a:ext cx="253435" cy="212902"/>
           </a:xfrm>
           <a:prstGeom prst="ellipse">
@@ -5056,242 +4779,151 @@
       </p:sp>
       <p:sp>
         <p:nvSpPr>
-          <p:cNvPr id="93" name="TextBox 30">
-            <a:extLst>
-              <a:ext uri="{FF2B5EF4-FFF2-40B4-BE49-F238E27FC236}">
-                <a16:creationId xmlns:a16="http://schemas.microsoft.com/office/drawing/2014/main" id="{26243B8C-1311-834B-8378-8DE5FB946FB8}"/>
-              </a:ext>
-            </a:extLst>
-          </p:cNvPr>
-          <p:cNvSpPr txBox="1">
-            <a:spLocks noChangeArrowheads="1"/>
-          </p:cNvSpPr>
+          <p:cNvPr id="107" name="Rectangle 106">
+            <a:extLst>
+              <a:ext uri="{FF2B5EF4-FFF2-40B4-BE49-F238E27FC236}">
+                <a16:creationId xmlns:a16="http://schemas.microsoft.com/office/drawing/2014/main" id="{F987F7DF-6CB9-144D-9E1D-1E6008DD66FB}"/>
+              </a:ext>
+            </a:extLst>
+          </p:cNvPr>
+          <p:cNvSpPr/>
           <p:nvPr/>
         </p:nvSpPr>
-        <p:spPr bwMode="auto">
+        <p:spPr>
           <a:xfrm>
-            <a:off x="8896369" y="5749151"/>
-            <a:ext cx="1554162" cy="600164"/>
+            <a:off x="7331781" y="3916070"/>
+            <a:ext cx="3213141" cy="2196366"/>
           </a:xfrm>
           <a:prstGeom prst="rect">
             <a:avLst/>
           </a:prstGeom>
           <a:noFill/>
-          <a:ln>
-            <a:noFill/>
+          <a:ln w="12700">
+            <a:solidFill>
+              <a:schemeClr val="tx1"/>
+            </a:solidFill>
+            <a:prstDash val="dash"/>
           </a:ln>
-          <a:extLst>
-            <a:ext uri="{909E8E84-426E-40DD-AFC4-6F175D3DCCD1}">
-              <a14:hiddenFill xmlns:a14="http://schemas.microsoft.com/office/drawing/2010/main">
-                <a:solidFill>
-                  <a:srgbClr val="FFFFFF"/>
-                </a:solidFill>
-              </a14:hiddenFill>
-            </a:ext>
-            <a:ext uri="{91240B29-F687-4F45-9708-019B960494DF}">
-              <a14:hiddenLine xmlns:a14="http://schemas.microsoft.com/office/drawing/2010/main" w="9525">
-                <a:solidFill>
-                  <a:srgbClr val="000000"/>
-                </a:solidFill>
-                <a:miter lim="800000"/>
-                <a:headEnd/>
-                <a:tailEnd/>
-              </a14:hiddenLine>
-            </a:ext>
-          </a:extLst>
         </p:spPr>
-        <p:txBody>
-          <a:bodyPr wrap="square">
+        <p:style>
+          <a:lnRef idx="2">
+            <a:schemeClr val="accent1">
+              <a:shade val="50000"/>
+            </a:schemeClr>
+          </a:lnRef>
+          <a:fillRef idx="1">
+            <a:schemeClr val="accent1"/>
+          </a:fillRef>
+          <a:effectRef idx="0">
+            <a:schemeClr val="accent1"/>
+          </a:effectRef>
+          <a:fontRef idx="minor">
+            <a:schemeClr val="lt1"/>
+          </a:fontRef>
+        </p:style>
+        <p:txBody>
+          <a:bodyPr rot="0" spcFirstLastPara="0" vertOverflow="overflow" horzOverflow="overflow" vert="horz" wrap="square" lIns="91440" tIns="0" rIns="91440" bIns="45720" numCol="1" spcCol="0" rtlCol="0" fromWordArt="0" anchor="t" anchorCtr="0" forceAA="0" compatLnSpc="1">
+            <a:prstTxWarp prst="textNoShape">
+              <a:avLst/>
+            </a:prstTxWarp>
+            <a:noAutofit/>
+          </a:bodyPr>
+          <a:lstStyle/>
+          <a:p>
+            <a:r>
+              <a:rPr lang="en-US" sz="1100" b="1" dirty="0">
+                <a:solidFill>
+                  <a:schemeClr val="tx1"/>
+                </a:solidFill>
+                <a:latin typeface="Arial" panose="020B0604020202020204" pitchFamily="34" charset="0"/>
+                <a:cs typeface="Arial" panose="020B0604020202020204" pitchFamily="34" charset="0"/>
+              </a:rPr>
+              <a:t>Home-region</a:t>
+            </a:r>
+          </a:p>
+        </p:txBody>
+      </p:sp>
+      <p:sp>
+        <p:nvSpPr>
+          <p:cNvPr id="108" name="TextBox 107">
+            <a:extLst>
+              <a:ext uri="{FF2B5EF4-FFF2-40B4-BE49-F238E27FC236}">
+                <a16:creationId xmlns:a16="http://schemas.microsoft.com/office/drawing/2014/main" id="{B5BD843E-4A99-344F-B2BC-AB0E5E2CB733}"/>
+              </a:ext>
+            </a:extLst>
+          </p:cNvPr>
+          <p:cNvSpPr txBox="1"/>
+          <p:nvPr/>
+        </p:nvSpPr>
+        <p:spPr>
+          <a:xfrm>
+            <a:off x="7276917" y="5176837"/>
+            <a:ext cx="1288498" cy="430887"/>
+          </a:xfrm>
+          <a:prstGeom prst="rect">
+            <a:avLst/>
+          </a:prstGeom>
+          <a:noFill/>
+        </p:spPr>
+        <p:txBody>
+          <a:bodyPr wrap="square" rtlCol="0">
             <a:spAutoFit/>
           </a:bodyPr>
-          <a:lstStyle>
-            <a:lvl1pPr>
-              <a:defRPr>
-                <a:solidFill>
-                  <a:schemeClr val="tx1"/>
-                </a:solidFill>
-                <a:latin typeface="Calibri" panose="020F0502020204030204" pitchFamily="34" charset="0"/>
-              </a:defRPr>
-            </a:lvl1pPr>
-            <a:lvl2pPr marL="742950" indent="-285750">
-              <a:defRPr>
-                <a:solidFill>
-                  <a:schemeClr val="tx1"/>
-                </a:solidFill>
-                <a:latin typeface="Calibri" panose="020F0502020204030204" pitchFamily="34" charset="0"/>
-              </a:defRPr>
-            </a:lvl2pPr>
-            <a:lvl3pPr marL="1143000" indent="-228600">
-              <a:defRPr>
-                <a:solidFill>
-                  <a:schemeClr val="tx1"/>
-                </a:solidFill>
-                <a:latin typeface="Calibri" panose="020F0502020204030204" pitchFamily="34" charset="0"/>
-              </a:defRPr>
-            </a:lvl3pPr>
-            <a:lvl4pPr marL="1600200" indent="-228600">
-              <a:defRPr>
-                <a:solidFill>
-                  <a:schemeClr val="tx1"/>
-                </a:solidFill>
-                <a:latin typeface="Calibri" panose="020F0502020204030204" pitchFamily="34" charset="0"/>
-              </a:defRPr>
-            </a:lvl4pPr>
-            <a:lvl5pPr marL="2057400" indent="-228600">
-              <a:defRPr>
-                <a:solidFill>
-                  <a:schemeClr val="tx1"/>
-                </a:solidFill>
-                <a:latin typeface="Calibri" panose="020F0502020204030204" pitchFamily="34" charset="0"/>
-              </a:defRPr>
-            </a:lvl5pPr>
-            <a:lvl6pPr marL="2514600" indent="-228600" eaLnBrk="0" fontAlgn="base" hangingPunct="0">
-              <a:spcBef>
-                <a:spcPct val="0"/>
-              </a:spcBef>
-              <a:spcAft>
-                <a:spcPct val="0"/>
-              </a:spcAft>
-              <a:defRPr>
-                <a:solidFill>
-                  <a:schemeClr val="tx1"/>
-                </a:solidFill>
-                <a:latin typeface="Calibri" panose="020F0502020204030204" pitchFamily="34" charset="0"/>
-              </a:defRPr>
-            </a:lvl6pPr>
-            <a:lvl7pPr marL="2971800" indent="-228600" eaLnBrk="0" fontAlgn="base" hangingPunct="0">
-              <a:spcBef>
-                <a:spcPct val="0"/>
-              </a:spcBef>
-              <a:spcAft>
-                <a:spcPct val="0"/>
-              </a:spcAft>
-              <a:defRPr>
-                <a:solidFill>
-                  <a:schemeClr val="tx1"/>
-                </a:solidFill>
-                <a:latin typeface="Calibri" panose="020F0502020204030204" pitchFamily="34" charset="0"/>
-              </a:defRPr>
-            </a:lvl7pPr>
-            <a:lvl8pPr marL="3429000" indent="-228600" eaLnBrk="0" fontAlgn="base" hangingPunct="0">
-              <a:spcBef>
-                <a:spcPct val="0"/>
-              </a:spcBef>
-              <a:spcAft>
-                <a:spcPct val="0"/>
-              </a:spcAft>
-              <a:defRPr>
-                <a:solidFill>
-                  <a:schemeClr val="tx1"/>
-                </a:solidFill>
-                <a:latin typeface="Calibri" panose="020F0502020204030204" pitchFamily="34" charset="0"/>
-              </a:defRPr>
-            </a:lvl8pPr>
-            <a:lvl9pPr marL="3886200" indent="-228600" eaLnBrk="0" fontAlgn="base" hangingPunct="0">
-              <a:spcBef>
-                <a:spcPct val="0"/>
-              </a:spcBef>
-              <a:spcAft>
-                <a:spcPct val="0"/>
-              </a:spcAft>
-              <a:defRPr>
-                <a:solidFill>
-                  <a:schemeClr val="tx1"/>
-                </a:solidFill>
-                <a:latin typeface="Calibri" panose="020F0502020204030204" pitchFamily="34" charset="0"/>
-              </a:defRPr>
-            </a:lvl9pPr>
-          </a:lstStyle>
-          <a:p>
-            <a:pPr algn="ctr" eaLnBrk="1" hangingPunct="1"/>
-            <a:r>
-              <a:rPr lang="en-US" altLang="en-US" sz="1100" dirty="0">
+          <a:lstStyle/>
+          <a:p>
+            <a:pPr algn="ctr"/>
+            <a:r>
+              <a:rPr lang="en-US" sz="1100" dirty="0">
                 <a:latin typeface="Arial" panose="020B0604020202020204" pitchFamily="34" charset="0"/>
-                <a:ea typeface="Amazon Ember" panose="020B0603020204020204" pitchFamily="34" charset="0"/>
                 <a:cs typeface="Arial" panose="020B0604020202020204" pitchFamily="34" charset="0"/>
               </a:rPr>
-              <a:t>Account</a:t>
-            </a:r>
-          </a:p>
-          <a:p>
-            <a:pPr algn="ctr" eaLnBrk="1" hangingPunct="1"/>
-            <a:r>
-              <a:rPr lang="en-US" altLang="en-US" sz="1100" dirty="0">
-                <a:latin typeface="Arial" panose="020B0604020202020204" pitchFamily="34" charset="0"/>
-                <a:ea typeface="Amazon Ember" panose="020B0603020204020204" pitchFamily="34" charset="0"/>
-                <a:cs typeface="Arial" panose="020B0604020202020204" pitchFamily="34" charset="0"/>
-              </a:rPr>
-              <a:t>AWS IAM Access Analyzer</a:t>
+              <a:t>AWS CloudFormation</a:t>
             </a:r>
           </a:p>
         </p:txBody>
       </p:sp>
       <p:pic>
         <p:nvPicPr>
-          <p:cNvPr id="94" name="Graphic 51">
-            <a:extLst>
-              <a:ext uri="{FF2B5EF4-FFF2-40B4-BE49-F238E27FC236}">
-                <a16:creationId xmlns:a16="http://schemas.microsoft.com/office/drawing/2014/main" id="{D4FEA4BC-A75A-9F4B-A3BE-A069D2248945}"/>
+          <p:cNvPr id="109" name="Graphic 108">
+            <a:extLst>
+              <a:ext uri="{FF2B5EF4-FFF2-40B4-BE49-F238E27FC236}">
+                <a16:creationId xmlns:a16="http://schemas.microsoft.com/office/drawing/2014/main" id="{A640C55B-F6FD-3640-965F-605AEAB778BE}"/>
               </a:ext>
             </a:extLst>
           </p:cNvPr>
           <p:cNvPicPr>
-            <a:picLocks noChangeAspect="1" noChangeArrowheads="1"/>
+            <a:picLocks noChangeAspect="1"/>
           </p:cNvPicPr>
           <p:nvPr/>
         </p:nvPicPr>
         <p:blipFill>
-          <a:blip r:embed="rId7">
-            <a:extLst>
-              <a:ext uri="{28A0092B-C50C-407E-A947-70E740481C1C}">
-                <a14:useLocalDpi xmlns:a14="http://schemas.microsoft.com/office/drawing/2010/main" val="0"/>
+          <a:blip r:embed="rId5">
+            <a:extLst>
+              <a:ext uri="{96DAC541-7B7A-43D3-8B79-37D633B846F1}">
+                <asvg:svgBlip xmlns:asvg="http://schemas.microsoft.com/office/drawing/2016/SVG/main" r:embed="rId6"/>
               </a:ext>
             </a:extLst>
           </a:blip>
-          <a:srcRect/>
           <a:stretch>
             <a:fillRect/>
           </a:stretch>
         </p:blipFill>
-        <p:spPr bwMode="auto">
+        <p:spPr>
           <a:xfrm>
-            <a:off x="9411052" y="5345211"/>
+            <a:off x="7669397" y="4721178"/>
             <a:ext cx="457200" cy="457200"/>
           </a:xfrm>
           <a:prstGeom prst="rect">
             <a:avLst/>
           </a:prstGeom>
-          <a:noFill/>
-          <a:ln>
-            <a:noFill/>
-          </a:ln>
-          <a:extLst>
-            <a:ext uri="{909E8E84-426E-40DD-AFC4-6F175D3DCCD1}">
-              <a14:hiddenFill xmlns:a14="http://schemas.microsoft.com/office/drawing/2010/main">
-                <a:solidFill>
-                  <a:srgbClr val="FFFFFF"/>
-                </a:solidFill>
-              </a14:hiddenFill>
-            </a:ext>
-            <a:ext uri="{91240B29-F687-4F45-9708-019B960494DF}">
-              <a14:hiddenLine xmlns:a14="http://schemas.microsoft.com/office/drawing/2010/main" w="9525">
-                <a:solidFill>
-                  <a:srgbClr val="000000"/>
-                </a:solidFill>
-                <a:miter lim="800000"/>
-                <a:headEnd/>
-                <a:tailEnd/>
-              </a14:hiddenLine>
-            </a:ext>
-          </a:extLst>
         </p:spPr>
       </p:pic>
       <p:sp>
         <p:nvSpPr>
-          <p:cNvPr id="90" name="Oval 89">
-            <a:extLst>
-              <a:ext uri="{FF2B5EF4-FFF2-40B4-BE49-F238E27FC236}">
-                <a16:creationId xmlns:a16="http://schemas.microsoft.com/office/drawing/2014/main" id="{9E632F0A-53C5-0B4E-96BD-D10C16583EAC}"/>
+          <p:cNvPr id="111" name="Oval 110">
+            <a:extLst>
+              <a:ext uri="{FF2B5EF4-FFF2-40B4-BE49-F238E27FC236}">
+                <a16:creationId xmlns:a16="http://schemas.microsoft.com/office/drawing/2014/main" id="{FB20F0D1-0CBE-9546-BAA5-F1447A9E8B2F}"/>
               </a:ext>
             </a:extLst>
           </p:cNvPr>
@@ -5300,7 +4932,7 @@
         </p:nvSpPr>
         <p:spPr>
           <a:xfrm>
-            <a:off x="9129901" y="5449066"/>
+            <a:off x="7684623" y="4729685"/>
             <a:ext cx="253435" cy="212902"/>
           </a:xfrm>
           <a:prstGeom prst="ellipse">
@@ -5341,17 +4973,17 @@
                 <a:latin typeface="Arial" panose="020B0604020202020204" pitchFamily="34" charset="0"/>
                 <a:cs typeface="Arial" panose="020B0604020202020204" pitchFamily="34" charset="0"/>
               </a:rPr>
-              <a:t>3.2</a:t>
-            </a:r>
-          </a:p>
-        </p:txBody>
-      </p:sp>
-      <p:sp>
-        <p:nvSpPr>
-          <p:cNvPr id="95" name="Rectangle 94">
-            <a:extLst>
-              <a:ext uri="{FF2B5EF4-FFF2-40B4-BE49-F238E27FC236}">
-                <a16:creationId xmlns:a16="http://schemas.microsoft.com/office/drawing/2014/main" id="{62C94321-3419-E24D-B50E-2C5F435F89B7}"/>
+              <a:t>3.1</a:t>
+            </a:r>
+          </a:p>
+        </p:txBody>
+      </p:sp>
+      <p:sp>
+        <p:nvSpPr>
+          <p:cNvPr id="112" name="Rectangle 111">
+            <a:extLst>
+              <a:ext uri="{FF2B5EF4-FFF2-40B4-BE49-F238E27FC236}">
+                <a16:creationId xmlns:a16="http://schemas.microsoft.com/office/drawing/2014/main" id="{D270ECED-DD9C-3E4B-928B-E56EB7B6C956}"/>
               </a:ext>
             </a:extLst>
           </p:cNvPr>
@@ -5360,8 +4992,8 @@
         </p:nvSpPr>
         <p:spPr>
           <a:xfrm>
-            <a:off x="4510239" y="4379772"/>
-            <a:ext cx="1789940" cy="1920482"/>
+            <a:off x="6351699" y="1268200"/>
+            <a:ext cx="1789940" cy="1750079"/>
           </a:xfrm>
           <a:prstGeom prst="rect">
             <a:avLst/>
@@ -5391,13 +5023,13 @@
           </a:fontRef>
         </p:style>
         <p:txBody>
-          <a:bodyPr rot="0" spcFirstLastPara="0" vertOverflow="overflow" horzOverflow="overflow" vert="horz" wrap="square" lIns="91440" tIns="91440" rIns="91440" bIns="45720" numCol="1" spcCol="0" rtlCol="0" fromWordArt="0" anchor="t" anchorCtr="0" forceAA="0" compatLnSpc="1">
+          <a:bodyPr rot="0" spcFirstLastPara="0" vertOverflow="overflow" horzOverflow="overflow" vert="horz" wrap="square" lIns="91440" tIns="0" rIns="91440" bIns="45720" numCol="1" spcCol="0" rtlCol="0" fromWordArt="0" anchor="t" anchorCtr="0" forceAA="0" compatLnSpc="1">
             <a:noAutofit/>
           </a:bodyPr>
           <a:lstStyle/>
           <a:p>
             <a:r>
-              <a:rPr lang="en-US" sz="1100" dirty="0">
+              <a:rPr lang="en-US" sz="1100" b="1" dirty="0">
                 <a:solidFill>
                   <a:schemeClr val="tx1"/>
                 </a:solidFill>
@@ -5411,10 +5043,10 @@
       </p:sp>
       <p:sp>
         <p:nvSpPr>
-          <p:cNvPr id="96" name="Rectangle 95">
-            <a:extLst>
-              <a:ext uri="{FF2B5EF4-FFF2-40B4-BE49-F238E27FC236}">
-                <a16:creationId xmlns:a16="http://schemas.microsoft.com/office/drawing/2014/main" id="{A7402098-A2BC-1944-B08D-3837D5B604CD}"/>
+          <p:cNvPr id="113" name="Rectangle 112">
+            <a:extLst>
+              <a:ext uri="{FF2B5EF4-FFF2-40B4-BE49-F238E27FC236}">
+                <a16:creationId xmlns:a16="http://schemas.microsoft.com/office/drawing/2014/main" id="{5DC19F45-439B-C44B-AC97-AD82BECF5620}"/>
               </a:ext>
             </a:extLst>
           </p:cNvPr>
@@ -5423,8 +5055,8 @@
         </p:nvSpPr>
         <p:spPr>
           <a:xfrm>
-            <a:off x="4662639" y="4696762"/>
-            <a:ext cx="1637540" cy="1603492"/>
+            <a:off x="6504099" y="1503992"/>
+            <a:ext cx="1637540" cy="1514288"/>
           </a:xfrm>
           <a:prstGeom prst="rect">
             <a:avLst/>
@@ -5454,13 +5086,13 @@
           </a:fontRef>
         </p:style>
         <p:txBody>
-          <a:bodyPr rot="0" spcFirstLastPara="0" vertOverflow="overflow" horzOverflow="overflow" vert="horz" wrap="square" lIns="91440" tIns="91440" rIns="91440" bIns="45720" numCol="1" spcCol="0" rtlCol="0" fromWordArt="0" anchor="t" anchorCtr="0" forceAA="0" compatLnSpc="1">
+          <a:bodyPr rot="0" spcFirstLastPara="0" vertOverflow="overflow" horzOverflow="overflow" vert="horz" wrap="square" lIns="91440" tIns="0" rIns="91440" bIns="45720" numCol="1" spcCol="0" rtlCol="0" fromWordArt="0" anchor="t" anchorCtr="0" forceAA="0" compatLnSpc="1">
             <a:noAutofit/>
           </a:bodyPr>
           <a:lstStyle/>
           <a:p>
             <a:r>
-              <a:rPr lang="en-US" sz="1100" dirty="0">
+              <a:rPr lang="en-US" sz="1100" b="1" dirty="0">
                 <a:solidFill>
                   <a:schemeClr val="tx1"/>
                 </a:solidFill>
@@ -5474,10 +5106,10 @@
       </p:sp>
       <p:sp>
         <p:nvSpPr>
-          <p:cNvPr id="97" name="Rectangle 96">
-            <a:extLst>
-              <a:ext uri="{FF2B5EF4-FFF2-40B4-BE49-F238E27FC236}">
-                <a16:creationId xmlns:a16="http://schemas.microsoft.com/office/drawing/2014/main" id="{43996A47-2C92-D64A-B2E4-A0DAE9848D14}"/>
+          <p:cNvPr id="114" name="Rectangle 113">
+            <a:extLst>
+              <a:ext uri="{FF2B5EF4-FFF2-40B4-BE49-F238E27FC236}">
+                <a16:creationId xmlns:a16="http://schemas.microsoft.com/office/drawing/2014/main" id="{6E25A730-7E27-1A42-953F-B0FF827FC342}"/>
               </a:ext>
             </a:extLst>
           </p:cNvPr>
@@ -5486,7 +5118,7 @@
         </p:nvSpPr>
         <p:spPr>
           <a:xfrm>
-            <a:off x="4798908" y="5021757"/>
+            <a:off x="6640368" y="1739783"/>
             <a:ext cx="1501271" cy="1278497"/>
           </a:xfrm>
           <a:prstGeom prst="rect">
@@ -5517,13 +5149,13 @@
           </a:fontRef>
         </p:style>
         <p:txBody>
-          <a:bodyPr rot="0" spcFirstLastPara="0" vertOverflow="overflow" horzOverflow="overflow" vert="horz" wrap="square" lIns="91440" tIns="91440" rIns="91440" bIns="45720" numCol="1" spcCol="0" rtlCol="0" fromWordArt="0" anchor="t" anchorCtr="0" forceAA="0" compatLnSpc="1">
+          <a:bodyPr rot="0" spcFirstLastPara="0" vertOverflow="overflow" horzOverflow="overflow" vert="horz" wrap="square" lIns="91440" tIns="0" rIns="91440" bIns="45720" numCol="1" spcCol="0" rtlCol="0" fromWordArt="0" anchor="t" anchorCtr="0" forceAA="0" compatLnSpc="1">
             <a:noAutofit/>
           </a:bodyPr>
           <a:lstStyle/>
           <a:p>
             <a:r>
-              <a:rPr lang="en-US" sz="1100" dirty="0">
+              <a:rPr lang="en-US" sz="1100" b="1" dirty="0">
                 <a:solidFill>
                   <a:schemeClr val="tx1"/>
                 </a:solidFill>
@@ -5537,10 +5169,10 @@
       </p:sp>
       <p:sp>
         <p:nvSpPr>
-          <p:cNvPr id="98" name="TextBox 30">
-            <a:extLst>
-              <a:ext uri="{FF2B5EF4-FFF2-40B4-BE49-F238E27FC236}">
-                <a16:creationId xmlns:a16="http://schemas.microsoft.com/office/drawing/2014/main" id="{EF59A6F1-5873-3F47-A36E-259C03B115B5}"/>
+          <p:cNvPr id="115" name="TextBox 30">
+            <a:extLst>
+              <a:ext uri="{FF2B5EF4-FFF2-40B4-BE49-F238E27FC236}">
+                <a16:creationId xmlns:a16="http://schemas.microsoft.com/office/drawing/2014/main" id="{6D12F8CB-3624-E440-9C06-563A163E9209}"/>
               </a:ext>
             </a:extLst>
           </p:cNvPr>
@@ -5551,8 +5183,8 @@
         </p:nvSpPr>
         <p:spPr bwMode="auto">
           <a:xfrm>
-            <a:off x="4762353" y="5753350"/>
-            <a:ext cx="1554162" cy="600164"/>
+            <a:off x="6603813" y="2471376"/>
+            <a:ext cx="1554162" cy="430887"/>
           </a:xfrm>
           <a:prstGeom prst="rect">
             <a:avLst/>
@@ -5691,7 +5323,7 @@
                 <a:ea typeface="Amazon Ember" panose="020B0603020204020204" pitchFamily="34" charset="0"/>
                 <a:cs typeface="Arial" panose="020B0604020202020204" pitchFamily="34" charset="0"/>
               </a:rPr>
-              <a:t>Organization</a:t>
+              <a:t>Account</a:t>
             </a:r>
           </a:p>
           <a:p>
@@ -5702,17 +5334,17 @@
                 <a:ea typeface="Amazon Ember" panose="020B0603020204020204" pitchFamily="34" charset="0"/>
                 <a:cs typeface="Arial" panose="020B0604020202020204" pitchFamily="34" charset="0"/>
               </a:rPr>
-              <a:t>AWS IAM Access Analyzer</a:t>
+              <a:t>Access Analyzer</a:t>
             </a:r>
           </a:p>
         </p:txBody>
       </p:sp>
       <p:pic>
         <p:nvPicPr>
-          <p:cNvPr id="99" name="Graphic 51">
-            <a:extLst>
-              <a:ext uri="{FF2B5EF4-FFF2-40B4-BE49-F238E27FC236}">
-                <a16:creationId xmlns:a16="http://schemas.microsoft.com/office/drawing/2014/main" id="{9A2FD694-B989-8E46-AB32-3B768B2A80DC}"/>
+          <p:cNvPr id="116" name="Graphic 51">
+            <a:extLst>
+              <a:ext uri="{FF2B5EF4-FFF2-40B4-BE49-F238E27FC236}">
+                <a16:creationId xmlns:a16="http://schemas.microsoft.com/office/drawing/2014/main" id="{5FEF8C89-A8A4-164D-B650-41763908E834}"/>
               </a:ext>
             </a:extLst>
           </p:cNvPr>
@@ -5736,7 +5368,7 @@
         </p:blipFill>
         <p:spPr bwMode="auto">
           <a:xfrm>
-            <a:off x="5277036" y="5349410"/>
+            <a:off x="7118496" y="2067436"/>
             <a:ext cx="457200" cy="457200"/>
           </a:xfrm>
           <a:prstGeom prst="rect">
@@ -5767,12 +5399,233 @@
           </a:extLst>
         </p:spPr>
       </p:pic>
-      <p:sp>
-        <p:nvSpPr>
-          <p:cNvPr id="100" name="Oval 99">
-            <a:extLst>
-              <a:ext uri="{FF2B5EF4-FFF2-40B4-BE49-F238E27FC236}">
-                <a16:creationId xmlns:a16="http://schemas.microsoft.com/office/drawing/2014/main" id="{60A2E43C-E1CE-3A4A-A284-32DFFAE7CD9A}"/>
+      <p:pic>
+        <p:nvPicPr>
+          <p:cNvPr id="118" name="Graphic 6">
+            <a:extLst>
+              <a:ext uri="{FF2B5EF4-FFF2-40B4-BE49-F238E27FC236}">
+                <a16:creationId xmlns:a16="http://schemas.microsoft.com/office/drawing/2014/main" id="{FDBCA8AC-DC2F-784F-9466-E7A91146666A}"/>
+              </a:ext>
+            </a:extLst>
+          </p:cNvPr>
+          <p:cNvPicPr>
+            <a:picLocks noChangeAspect="1" noChangeArrowheads="1"/>
+          </p:cNvPicPr>
+          <p:nvPr/>
+        </p:nvPicPr>
+        <p:blipFill>
+          <a:blip r:embed="rId8">
+            <a:extLst>
+              <a:ext uri="{28A0092B-C50C-407E-A947-70E740481C1C}">
+                <a14:useLocalDpi xmlns:a14="http://schemas.microsoft.com/office/drawing/2010/main" val="0"/>
+              </a:ext>
+            </a:extLst>
+          </a:blip>
+          <a:srcRect/>
+          <a:stretch>
+            <a:fillRect/>
+          </a:stretch>
+        </p:blipFill>
+        <p:spPr bwMode="auto">
+          <a:xfrm>
+            <a:off x="5497787" y="1716277"/>
+            <a:ext cx="457200" cy="457200"/>
+          </a:xfrm>
+          <a:prstGeom prst="rect">
+            <a:avLst/>
+          </a:prstGeom>
+          <a:noFill/>
+          <a:ln>
+            <a:noFill/>
+          </a:ln>
+          <a:extLst>
+            <a:ext uri="{909E8E84-426E-40DD-AFC4-6F175D3DCCD1}">
+              <a14:hiddenFill xmlns:a14="http://schemas.microsoft.com/office/drawing/2010/main">
+                <a:solidFill>
+                  <a:srgbClr val="FFFFFF"/>
+                </a:solidFill>
+              </a14:hiddenFill>
+            </a:ext>
+            <a:ext uri="{91240B29-F687-4F45-9708-019B960494DF}">
+              <a14:hiddenLine xmlns:a14="http://schemas.microsoft.com/office/drawing/2010/main" w="9525">
+                <a:solidFill>
+                  <a:srgbClr val="000000"/>
+                </a:solidFill>
+                <a:miter lim="800000"/>
+                <a:headEnd/>
+                <a:tailEnd/>
+              </a14:hiddenLine>
+            </a:ext>
+          </a:extLst>
+        </p:spPr>
+      </p:pic>
+      <p:sp>
+        <p:nvSpPr>
+          <p:cNvPr id="119" name="TextBox 9">
+            <a:extLst>
+              <a:ext uri="{FF2B5EF4-FFF2-40B4-BE49-F238E27FC236}">
+                <a16:creationId xmlns:a16="http://schemas.microsoft.com/office/drawing/2014/main" id="{03F35A8E-F973-C640-8117-70E1E19809C6}"/>
+              </a:ext>
+            </a:extLst>
+          </p:cNvPr>
+          <p:cNvSpPr txBox="1">
+            <a:spLocks noChangeArrowheads="1"/>
+          </p:cNvSpPr>
+          <p:nvPr/>
+        </p:nvSpPr>
+        <p:spPr bwMode="auto">
+          <a:xfrm>
+            <a:off x="5053206" y="2169238"/>
+            <a:ext cx="1346361" cy="430887"/>
+          </a:xfrm>
+          <a:prstGeom prst="rect">
+            <a:avLst/>
+          </a:prstGeom>
+          <a:noFill/>
+          <a:ln>
+            <a:noFill/>
+          </a:ln>
+          <a:extLst>
+            <a:ext uri="{909E8E84-426E-40DD-AFC4-6F175D3DCCD1}">
+              <a14:hiddenFill xmlns:a14="http://schemas.microsoft.com/office/drawing/2010/main">
+                <a:solidFill>
+                  <a:srgbClr val="FFFFFF"/>
+                </a:solidFill>
+              </a14:hiddenFill>
+            </a:ext>
+            <a:ext uri="{91240B29-F687-4F45-9708-019B960494DF}">
+              <a14:hiddenLine xmlns:a14="http://schemas.microsoft.com/office/drawing/2010/main" w="9525">
+                <a:solidFill>
+                  <a:srgbClr val="000000"/>
+                </a:solidFill>
+                <a:miter lim="800000"/>
+                <a:headEnd/>
+                <a:tailEnd/>
+              </a14:hiddenLine>
+            </a:ext>
+          </a:extLst>
+        </p:spPr>
+        <p:txBody>
+          <a:bodyPr wrap="square">
+            <a:spAutoFit/>
+          </a:bodyPr>
+          <a:lstStyle>
+            <a:lvl1pPr>
+              <a:defRPr>
+                <a:solidFill>
+                  <a:schemeClr val="tx1"/>
+                </a:solidFill>
+                <a:latin typeface="Calibri" panose="020F0502020204030204" pitchFamily="34" charset="0"/>
+              </a:defRPr>
+            </a:lvl1pPr>
+            <a:lvl2pPr marL="742950" indent="-285750">
+              <a:defRPr>
+                <a:solidFill>
+                  <a:schemeClr val="tx1"/>
+                </a:solidFill>
+                <a:latin typeface="Calibri" panose="020F0502020204030204" pitchFamily="34" charset="0"/>
+              </a:defRPr>
+            </a:lvl2pPr>
+            <a:lvl3pPr marL="1143000" indent="-228600">
+              <a:defRPr>
+                <a:solidFill>
+                  <a:schemeClr val="tx1"/>
+                </a:solidFill>
+                <a:latin typeface="Calibri" panose="020F0502020204030204" pitchFamily="34" charset="0"/>
+              </a:defRPr>
+            </a:lvl3pPr>
+            <a:lvl4pPr marL="1600200" indent="-228600">
+              <a:defRPr>
+                <a:solidFill>
+                  <a:schemeClr val="tx1"/>
+                </a:solidFill>
+                <a:latin typeface="Calibri" panose="020F0502020204030204" pitchFamily="34" charset="0"/>
+              </a:defRPr>
+            </a:lvl4pPr>
+            <a:lvl5pPr marL="2057400" indent="-228600">
+              <a:defRPr>
+                <a:solidFill>
+                  <a:schemeClr val="tx1"/>
+                </a:solidFill>
+                <a:latin typeface="Calibri" panose="020F0502020204030204" pitchFamily="34" charset="0"/>
+              </a:defRPr>
+            </a:lvl5pPr>
+            <a:lvl6pPr marL="2514600" indent="-228600" eaLnBrk="0" fontAlgn="base" hangingPunct="0">
+              <a:spcBef>
+                <a:spcPct val="0"/>
+              </a:spcBef>
+              <a:spcAft>
+                <a:spcPct val="0"/>
+              </a:spcAft>
+              <a:defRPr>
+                <a:solidFill>
+                  <a:schemeClr val="tx1"/>
+                </a:solidFill>
+                <a:latin typeface="Calibri" panose="020F0502020204030204" pitchFamily="34" charset="0"/>
+              </a:defRPr>
+            </a:lvl6pPr>
+            <a:lvl7pPr marL="2971800" indent="-228600" eaLnBrk="0" fontAlgn="base" hangingPunct="0">
+              <a:spcBef>
+                <a:spcPct val="0"/>
+              </a:spcBef>
+              <a:spcAft>
+                <a:spcPct val="0"/>
+              </a:spcAft>
+              <a:defRPr>
+                <a:solidFill>
+                  <a:schemeClr val="tx1"/>
+                </a:solidFill>
+                <a:latin typeface="Calibri" panose="020F0502020204030204" pitchFamily="34" charset="0"/>
+              </a:defRPr>
+            </a:lvl7pPr>
+            <a:lvl8pPr marL="3429000" indent="-228600" eaLnBrk="0" fontAlgn="base" hangingPunct="0">
+              <a:spcBef>
+                <a:spcPct val="0"/>
+              </a:spcBef>
+              <a:spcAft>
+                <a:spcPct val="0"/>
+              </a:spcAft>
+              <a:defRPr>
+                <a:solidFill>
+                  <a:schemeClr val="tx1"/>
+                </a:solidFill>
+                <a:latin typeface="Calibri" panose="020F0502020204030204" pitchFamily="34" charset="0"/>
+              </a:defRPr>
+            </a:lvl8pPr>
+            <a:lvl9pPr marL="3886200" indent="-228600" eaLnBrk="0" fontAlgn="base" hangingPunct="0">
+              <a:spcBef>
+                <a:spcPct val="0"/>
+              </a:spcBef>
+              <a:spcAft>
+                <a:spcPct val="0"/>
+              </a:spcAft>
+              <a:defRPr>
+                <a:solidFill>
+                  <a:schemeClr val="tx1"/>
+                </a:solidFill>
+                <a:latin typeface="Calibri" panose="020F0502020204030204" pitchFamily="34" charset="0"/>
+              </a:defRPr>
+            </a:lvl9pPr>
+          </a:lstStyle>
+          <a:p>
+            <a:pPr algn="ctr" eaLnBrk="1" hangingPunct="1"/>
+            <a:r>
+              <a:rPr lang="en-US" altLang="en-US" sz="1100" dirty="0">
+                <a:latin typeface="Arial" panose="020B0604020202020204" pitchFamily="34" charset="0"/>
+                <a:ea typeface="Amazon Ember" panose="020B0603020204020204" pitchFamily="34" charset="0"/>
+                <a:cs typeface="Arial" panose="020B0604020202020204" pitchFamily="34" charset="0"/>
+              </a:rPr>
+              <a:t>AWS Organizations</a:t>
+            </a:r>
+          </a:p>
+        </p:txBody>
+      </p:sp>
+      <p:sp>
+        <p:nvSpPr>
+          <p:cNvPr id="117" name="Oval 116">
+            <a:extLst>
+              <a:ext uri="{FF2B5EF4-FFF2-40B4-BE49-F238E27FC236}">
+                <a16:creationId xmlns:a16="http://schemas.microsoft.com/office/drawing/2014/main" id="{15590E27-F70B-5645-9001-28E789346685}"/>
               </a:ext>
             </a:extLst>
           </p:cNvPr>
@@ -5781,7 +5634,7 @@
         </p:nvSpPr>
         <p:spPr>
           <a:xfrm>
-            <a:off x="4995885" y="5453265"/>
+            <a:off x="5501397" y="1716058"/>
             <a:ext cx="253435" cy="212902"/>
           </a:xfrm>
           <a:prstGeom prst="ellipse">
@@ -5822,17 +5675,17 @@
                 <a:latin typeface="Arial" panose="020B0604020202020204" pitchFamily="34" charset="0"/>
                 <a:cs typeface="Arial" panose="020B0604020202020204" pitchFamily="34" charset="0"/>
               </a:rPr>
-              <a:t>2.2</a:t>
-            </a:r>
-          </a:p>
-        </p:txBody>
-      </p:sp>
-      <p:sp>
-        <p:nvSpPr>
-          <p:cNvPr id="101" name="Rectangle 100">
-            <a:extLst>
-              <a:ext uri="{FF2B5EF4-FFF2-40B4-BE49-F238E27FC236}">
-                <a16:creationId xmlns:a16="http://schemas.microsoft.com/office/drawing/2014/main" id="{C4CAE013-952C-674A-BF12-E9BF048D940F}"/>
+              <a:t>1.2</a:t>
+            </a:r>
+          </a:p>
+        </p:txBody>
+      </p:sp>
+      <p:sp>
+        <p:nvSpPr>
+          <p:cNvPr id="120" name="Oval 119">
+            <a:extLst>
+              <a:ext uri="{FF2B5EF4-FFF2-40B4-BE49-F238E27FC236}">
+                <a16:creationId xmlns:a16="http://schemas.microsoft.com/office/drawing/2014/main" id="{DD8FAA04-777E-EE44-9B90-88E0FAB6EFB8}"/>
               </a:ext>
             </a:extLst>
           </p:cNvPr>
@@ -5841,428 +5694,7 @@
         </p:nvSpPr>
         <p:spPr>
           <a:xfrm>
-            <a:off x="2527264" y="4375573"/>
-            <a:ext cx="1789940" cy="1920482"/>
-          </a:xfrm>
-          <a:prstGeom prst="rect">
-            <a:avLst/>
-          </a:prstGeom>
-          <a:noFill/>
-          <a:ln w="12700">
-            <a:solidFill>
-              <a:schemeClr val="tx1"/>
-            </a:solidFill>
-            <a:prstDash val="dash"/>
-          </a:ln>
-        </p:spPr>
-        <p:style>
-          <a:lnRef idx="2">
-            <a:schemeClr val="accent1">
-              <a:shade val="50000"/>
-            </a:schemeClr>
-          </a:lnRef>
-          <a:fillRef idx="1">
-            <a:schemeClr val="accent1"/>
-          </a:fillRef>
-          <a:effectRef idx="0">
-            <a:schemeClr val="accent1"/>
-          </a:effectRef>
-          <a:fontRef idx="minor">
-            <a:schemeClr val="lt1"/>
-          </a:fontRef>
-        </p:style>
-        <p:txBody>
-          <a:bodyPr rot="0" spcFirstLastPara="0" vertOverflow="overflow" horzOverflow="overflow" vert="horz" wrap="square" lIns="91440" tIns="91440" rIns="91440" bIns="45720" numCol="1" spcCol="0" rtlCol="0" fromWordArt="0" anchor="t" anchorCtr="0" forceAA="0" compatLnSpc="1">
-            <a:noAutofit/>
-          </a:bodyPr>
-          <a:lstStyle/>
-          <a:p>
-            <a:r>
-              <a:rPr lang="en-US" sz="1100" dirty="0">
-                <a:solidFill>
-                  <a:schemeClr val="tx1"/>
-                </a:solidFill>
-                <a:latin typeface="Arial" panose="020B0604020202020204" pitchFamily="34" charset="0"/>
-                <a:cs typeface="Arial" panose="020B0604020202020204" pitchFamily="34" charset="0"/>
-              </a:rPr>
-              <a:t>region-1</a:t>
-            </a:r>
-          </a:p>
-        </p:txBody>
-      </p:sp>
-      <p:sp>
-        <p:nvSpPr>
-          <p:cNvPr id="102" name="Rectangle 101">
-            <a:extLst>
-              <a:ext uri="{FF2B5EF4-FFF2-40B4-BE49-F238E27FC236}">
-                <a16:creationId xmlns:a16="http://schemas.microsoft.com/office/drawing/2014/main" id="{6BC576A2-216E-0C48-863A-0E7474D26F43}"/>
-              </a:ext>
-            </a:extLst>
-          </p:cNvPr>
-          <p:cNvSpPr/>
-          <p:nvPr/>
-        </p:nvSpPr>
-        <p:spPr>
-          <a:xfrm>
-            <a:off x="2679664" y="4692563"/>
-            <a:ext cx="1637540" cy="1603492"/>
-          </a:xfrm>
-          <a:prstGeom prst="rect">
-            <a:avLst/>
-          </a:prstGeom>
-          <a:noFill/>
-          <a:ln w="12700">
-            <a:solidFill>
-              <a:schemeClr val="tx1"/>
-            </a:solidFill>
-            <a:prstDash val="dash"/>
-          </a:ln>
-        </p:spPr>
-        <p:style>
-          <a:lnRef idx="2">
-            <a:schemeClr val="accent1">
-              <a:shade val="50000"/>
-            </a:schemeClr>
-          </a:lnRef>
-          <a:fillRef idx="1">
-            <a:schemeClr val="accent1"/>
-          </a:fillRef>
-          <a:effectRef idx="0">
-            <a:schemeClr val="accent1"/>
-          </a:effectRef>
-          <a:fontRef idx="minor">
-            <a:schemeClr val="lt1"/>
-          </a:fontRef>
-        </p:style>
-        <p:txBody>
-          <a:bodyPr rot="0" spcFirstLastPara="0" vertOverflow="overflow" horzOverflow="overflow" vert="horz" wrap="square" lIns="91440" tIns="91440" rIns="91440" bIns="45720" numCol="1" spcCol="0" rtlCol="0" fromWordArt="0" anchor="t" anchorCtr="0" forceAA="0" compatLnSpc="1">
-            <a:noAutofit/>
-          </a:bodyPr>
-          <a:lstStyle/>
-          <a:p>
-            <a:r>
-              <a:rPr lang="en-US" sz="1100" dirty="0">
-                <a:solidFill>
-                  <a:schemeClr val="tx1"/>
-                </a:solidFill>
-                <a:latin typeface="Arial" panose="020B0604020202020204" pitchFamily="34" charset="0"/>
-                <a:cs typeface="Arial" panose="020B0604020202020204" pitchFamily="34" charset="0"/>
-              </a:rPr>
-              <a:t>region-2</a:t>
-            </a:r>
-          </a:p>
-        </p:txBody>
-      </p:sp>
-      <p:sp>
-        <p:nvSpPr>
-          <p:cNvPr id="103" name="Rectangle 102">
-            <a:extLst>
-              <a:ext uri="{FF2B5EF4-FFF2-40B4-BE49-F238E27FC236}">
-                <a16:creationId xmlns:a16="http://schemas.microsoft.com/office/drawing/2014/main" id="{5F409D1C-6AE0-5C45-B4B6-A078F70CBDB7}"/>
-              </a:ext>
-            </a:extLst>
-          </p:cNvPr>
-          <p:cNvSpPr/>
-          <p:nvPr/>
-        </p:nvSpPr>
-        <p:spPr>
-          <a:xfrm>
-            <a:off x="2815933" y="5017558"/>
-            <a:ext cx="1501271" cy="1278497"/>
-          </a:xfrm>
-          <a:prstGeom prst="rect">
-            <a:avLst/>
-          </a:prstGeom>
-          <a:noFill/>
-          <a:ln w="12700">
-            <a:solidFill>
-              <a:schemeClr val="tx1"/>
-            </a:solidFill>
-            <a:prstDash val="dash"/>
-          </a:ln>
-        </p:spPr>
-        <p:style>
-          <a:lnRef idx="2">
-            <a:schemeClr val="accent1">
-              <a:shade val="50000"/>
-            </a:schemeClr>
-          </a:lnRef>
-          <a:fillRef idx="1">
-            <a:schemeClr val="accent1"/>
-          </a:fillRef>
-          <a:effectRef idx="0">
-            <a:schemeClr val="accent1"/>
-          </a:effectRef>
-          <a:fontRef idx="minor">
-            <a:schemeClr val="lt1"/>
-          </a:fontRef>
-        </p:style>
-        <p:txBody>
-          <a:bodyPr rot="0" spcFirstLastPara="0" vertOverflow="overflow" horzOverflow="overflow" vert="horz" wrap="square" lIns="91440" tIns="91440" rIns="91440" bIns="45720" numCol="1" spcCol="0" rtlCol="0" fromWordArt="0" anchor="t" anchorCtr="0" forceAA="0" compatLnSpc="1">
-            <a:noAutofit/>
-          </a:bodyPr>
-          <a:lstStyle/>
-          <a:p>
-            <a:r>
-              <a:rPr lang="en-US" sz="1100" dirty="0">
-                <a:solidFill>
-                  <a:schemeClr val="tx1"/>
-                </a:solidFill>
-                <a:latin typeface="Arial" panose="020B0604020202020204" pitchFamily="34" charset="0"/>
-                <a:cs typeface="Arial" panose="020B0604020202020204" pitchFamily="34" charset="0"/>
-              </a:rPr>
-              <a:t>region-n</a:t>
-            </a:r>
-          </a:p>
-        </p:txBody>
-      </p:sp>
-      <p:sp>
-        <p:nvSpPr>
-          <p:cNvPr id="104" name="TextBox 30">
-            <a:extLst>
-              <a:ext uri="{FF2B5EF4-FFF2-40B4-BE49-F238E27FC236}">
-                <a16:creationId xmlns:a16="http://schemas.microsoft.com/office/drawing/2014/main" id="{BE34CBC5-BE31-5448-8298-AB6DC34F3BDB}"/>
-              </a:ext>
-            </a:extLst>
-          </p:cNvPr>
-          <p:cNvSpPr txBox="1">
-            <a:spLocks noChangeArrowheads="1"/>
-          </p:cNvSpPr>
-          <p:nvPr/>
-        </p:nvSpPr>
-        <p:spPr bwMode="auto">
-          <a:xfrm>
-            <a:off x="2779378" y="5749151"/>
-            <a:ext cx="1554162" cy="600164"/>
-          </a:xfrm>
-          <a:prstGeom prst="rect">
-            <a:avLst/>
-          </a:prstGeom>
-          <a:noFill/>
-          <a:ln>
-            <a:noFill/>
-          </a:ln>
-          <a:extLst>
-            <a:ext uri="{909E8E84-426E-40DD-AFC4-6F175D3DCCD1}">
-              <a14:hiddenFill xmlns:a14="http://schemas.microsoft.com/office/drawing/2010/main">
-                <a:solidFill>
-                  <a:srgbClr val="FFFFFF"/>
-                </a:solidFill>
-              </a14:hiddenFill>
-            </a:ext>
-            <a:ext uri="{91240B29-F687-4F45-9708-019B960494DF}">
-              <a14:hiddenLine xmlns:a14="http://schemas.microsoft.com/office/drawing/2010/main" w="9525">
-                <a:solidFill>
-                  <a:srgbClr val="000000"/>
-                </a:solidFill>
-                <a:miter lim="800000"/>
-                <a:headEnd/>
-                <a:tailEnd/>
-              </a14:hiddenLine>
-            </a:ext>
-          </a:extLst>
-        </p:spPr>
-        <p:txBody>
-          <a:bodyPr wrap="square">
-            <a:spAutoFit/>
-          </a:bodyPr>
-          <a:lstStyle>
-            <a:lvl1pPr>
-              <a:defRPr>
-                <a:solidFill>
-                  <a:schemeClr val="tx1"/>
-                </a:solidFill>
-                <a:latin typeface="Calibri" panose="020F0502020204030204" pitchFamily="34" charset="0"/>
-              </a:defRPr>
-            </a:lvl1pPr>
-            <a:lvl2pPr marL="742950" indent="-285750">
-              <a:defRPr>
-                <a:solidFill>
-                  <a:schemeClr val="tx1"/>
-                </a:solidFill>
-                <a:latin typeface="Calibri" panose="020F0502020204030204" pitchFamily="34" charset="0"/>
-              </a:defRPr>
-            </a:lvl2pPr>
-            <a:lvl3pPr marL="1143000" indent="-228600">
-              <a:defRPr>
-                <a:solidFill>
-                  <a:schemeClr val="tx1"/>
-                </a:solidFill>
-                <a:latin typeface="Calibri" panose="020F0502020204030204" pitchFamily="34" charset="0"/>
-              </a:defRPr>
-            </a:lvl3pPr>
-            <a:lvl4pPr marL="1600200" indent="-228600">
-              <a:defRPr>
-                <a:solidFill>
-                  <a:schemeClr val="tx1"/>
-                </a:solidFill>
-                <a:latin typeface="Calibri" panose="020F0502020204030204" pitchFamily="34" charset="0"/>
-              </a:defRPr>
-            </a:lvl4pPr>
-            <a:lvl5pPr marL="2057400" indent="-228600">
-              <a:defRPr>
-                <a:solidFill>
-                  <a:schemeClr val="tx1"/>
-                </a:solidFill>
-                <a:latin typeface="Calibri" panose="020F0502020204030204" pitchFamily="34" charset="0"/>
-              </a:defRPr>
-            </a:lvl5pPr>
-            <a:lvl6pPr marL="2514600" indent="-228600" eaLnBrk="0" fontAlgn="base" hangingPunct="0">
-              <a:spcBef>
-                <a:spcPct val="0"/>
-              </a:spcBef>
-              <a:spcAft>
-                <a:spcPct val="0"/>
-              </a:spcAft>
-              <a:defRPr>
-                <a:solidFill>
-                  <a:schemeClr val="tx1"/>
-                </a:solidFill>
-                <a:latin typeface="Calibri" panose="020F0502020204030204" pitchFamily="34" charset="0"/>
-              </a:defRPr>
-            </a:lvl6pPr>
-            <a:lvl7pPr marL="2971800" indent="-228600" eaLnBrk="0" fontAlgn="base" hangingPunct="0">
-              <a:spcBef>
-                <a:spcPct val="0"/>
-              </a:spcBef>
-              <a:spcAft>
-                <a:spcPct val="0"/>
-              </a:spcAft>
-              <a:defRPr>
-                <a:solidFill>
-                  <a:schemeClr val="tx1"/>
-                </a:solidFill>
-                <a:latin typeface="Calibri" panose="020F0502020204030204" pitchFamily="34" charset="0"/>
-              </a:defRPr>
-            </a:lvl7pPr>
-            <a:lvl8pPr marL="3429000" indent="-228600" eaLnBrk="0" fontAlgn="base" hangingPunct="0">
-              <a:spcBef>
-                <a:spcPct val="0"/>
-              </a:spcBef>
-              <a:spcAft>
-                <a:spcPct val="0"/>
-              </a:spcAft>
-              <a:defRPr>
-                <a:solidFill>
-                  <a:schemeClr val="tx1"/>
-                </a:solidFill>
-                <a:latin typeface="Calibri" panose="020F0502020204030204" pitchFamily="34" charset="0"/>
-              </a:defRPr>
-            </a:lvl8pPr>
-            <a:lvl9pPr marL="3886200" indent="-228600" eaLnBrk="0" fontAlgn="base" hangingPunct="0">
-              <a:spcBef>
-                <a:spcPct val="0"/>
-              </a:spcBef>
-              <a:spcAft>
-                <a:spcPct val="0"/>
-              </a:spcAft>
-              <a:defRPr>
-                <a:solidFill>
-                  <a:schemeClr val="tx1"/>
-                </a:solidFill>
-                <a:latin typeface="Calibri" panose="020F0502020204030204" pitchFamily="34" charset="0"/>
-              </a:defRPr>
-            </a:lvl9pPr>
-          </a:lstStyle>
-          <a:p>
-            <a:pPr algn="ctr" eaLnBrk="1" hangingPunct="1"/>
-            <a:r>
-              <a:rPr lang="en-US" altLang="en-US" sz="1100" dirty="0">
-                <a:latin typeface="Arial" panose="020B0604020202020204" pitchFamily="34" charset="0"/>
-                <a:ea typeface="Amazon Ember" panose="020B0603020204020204" pitchFamily="34" charset="0"/>
-                <a:cs typeface="Arial" panose="020B0604020202020204" pitchFamily="34" charset="0"/>
-              </a:rPr>
-              <a:t>Account</a:t>
-            </a:r>
-          </a:p>
-          <a:p>
-            <a:pPr algn="ctr" eaLnBrk="1" hangingPunct="1"/>
-            <a:r>
-              <a:rPr lang="en-US" altLang="en-US" sz="1100" dirty="0">
-                <a:latin typeface="Arial" panose="020B0604020202020204" pitchFamily="34" charset="0"/>
-                <a:ea typeface="Amazon Ember" panose="020B0603020204020204" pitchFamily="34" charset="0"/>
-                <a:cs typeface="Arial" panose="020B0604020202020204" pitchFamily="34" charset="0"/>
-              </a:rPr>
-              <a:t>AWS IAM Access Analyzer</a:t>
-            </a:r>
-          </a:p>
-        </p:txBody>
-      </p:sp>
-      <p:pic>
-        <p:nvPicPr>
-          <p:cNvPr id="105" name="Graphic 51">
-            <a:extLst>
-              <a:ext uri="{FF2B5EF4-FFF2-40B4-BE49-F238E27FC236}">
-                <a16:creationId xmlns:a16="http://schemas.microsoft.com/office/drawing/2014/main" id="{313B349D-231B-BC47-83DA-20255158B04A}"/>
-              </a:ext>
-            </a:extLst>
-          </p:cNvPr>
-          <p:cNvPicPr>
-            <a:picLocks noChangeAspect="1" noChangeArrowheads="1"/>
-          </p:cNvPicPr>
-          <p:nvPr/>
-        </p:nvPicPr>
-        <p:blipFill>
-          <a:blip r:embed="rId7">
-            <a:extLst>
-              <a:ext uri="{28A0092B-C50C-407E-A947-70E740481C1C}">
-                <a14:useLocalDpi xmlns:a14="http://schemas.microsoft.com/office/drawing/2010/main" val="0"/>
-              </a:ext>
-            </a:extLst>
-          </a:blip>
-          <a:srcRect/>
-          <a:stretch>
-            <a:fillRect/>
-          </a:stretch>
-        </p:blipFill>
-        <p:spPr bwMode="auto">
-          <a:xfrm>
-            <a:off x="3294061" y="5345211"/>
-            <a:ext cx="457200" cy="457200"/>
-          </a:xfrm>
-          <a:prstGeom prst="rect">
-            <a:avLst/>
-          </a:prstGeom>
-          <a:noFill/>
-          <a:ln>
-            <a:noFill/>
-          </a:ln>
-          <a:extLst>
-            <a:ext uri="{909E8E84-426E-40DD-AFC4-6F175D3DCCD1}">
-              <a14:hiddenFill xmlns:a14="http://schemas.microsoft.com/office/drawing/2010/main">
-                <a:solidFill>
-                  <a:srgbClr val="FFFFFF"/>
-                </a:solidFill>
-              </a14:hiddenFill>
-            </a:ext>
-            <a:ext uri="{91240B29-F687-4F45-9708-019B960494DF}">
-              <a14:hiddenLine xmlns:a14="http://schemas.microsoft.com/office/drawing/2010/main" w="9525">
-                <a:solidFill>
-                  <a:srgbClr val="000000"/>
-                </a:solidFill>
-                <a:miter lim="800000"/>
-                <a:headEnd/>
-                <a:tailEnd/>
-              </a14:hiddenLine>
-            </a:ext>
-          </a:extLst>
-        </p:spPr>
-      </p:pic>
-      <p:sp>
-        <p:nvSpPr>
-          <p:cNvPr id="106" name="Oval 105">
-            <a:extLst>
-              <a:ext uri="{FF2B5EF4-FFF2-40B4-BE49-F238E27FC236}">
-                <a16:creationId xmlns:a16="http://schemas.microsoft.com/office/drawing/2014/main" id="{FA36A335-BE95-1147-9BF4-2D60354C7F74}"/>
-              </a:ext>
-            </a:extLst>
-          </p:cNvPr>
-          <p:cNvSpPr/>
-          <p:nvPr/>
-        </p:nvSpPr>
-        <p:spPr>
-          <a:xfrm>
-            <a:off x="3012910" y="5449066"/>
+            <a:off x="6841704" y="2205214"/>
             <a:ext cx="253435" cy="212902"/>
           </a:xfrm>
           <a:prstGeom prst="ellipse">
@@ -6303,17 +5735,17 @@
                 <a:latin typeface="Arial" panose="020B0604020202020204" pitchFamily="34" charset="0"/>
                 <a:cs typeface="Arial" panose="020B0604020202020204" pitchFamily="34" charset="0"/>
               </a:rPr>
-              <a:t>2.2</a:t>
-            </a:r>
-          </a:p>
-        </p:txBody>
-      </p:sp>
-      <p:sp>
-        <p:nvSpPr>
-          <p:cNvPr id="107" name="Rectangle 106">
-            <a:extLst>
-              <a:ext uri="{FF2B5EF4-FFF2-40B4-BE49-F238E27FC236}">
-                <a16:creationId xmlns:a16="http://schemas.microsoft.com/office/drawing/2014/main" id="{F987F7DF-6CB9-144D-9E1D-1E6008DD66FB}"/>
+              <a:t>1.3</a:t>
+            </a:r>
+          </a:p>
+        </p:txBody>
+      </p:sp>
+      <p:sp>
+        <p:nvSpPr>
+          <p:cNvPr id="58" name="Rectangle 57">
+            <a:extLst>
+              <a:ext uri="{FF2B5EF4-FFF2-40B4-BE49-F238E27FC236}">
+                <a16:creationId xmlns:a16="http://schemas.microsoft.com/office/drawing/2014/main" id="{B2FAAFC8-62D5-9A45-859F-58E2740580AB}"/>
               </a:ext>
             </a:extLst>
           </p:cNvPr>
@@ -6322,8 +5754,8 @@
         </p:nvSpPr>
         <p:spPr>
           <a:xfrm>
-            <a:off x="8318461" y="4159132"/>
-            <a:ext cx="2406913" cy="2372158"/>
+            <a:off x="2900409" y="4216709"/>
+            <a:ext cx="1789940" cy="1750079"/>
           </a:xfrm>
           <a:prstGeom prst="rect">
             <a:avLst/>
@@ -6353,151 +5785,93 @@
           </a:fontRef>
         </p:style>
         <p:txBody>
-          <a:bodyPr rot="0" spcFirstLastPara="0" vertOverflow="overflow" horzOverflow="overflow" vert="horz" wrap="square" lIns="91440" tIns="91440" rIns="91440" bIns="45720" numCol="1" spcCol="0" rtlCol="0" fromWordArt="0" anchor="t" anchorCtr="0" forceAA="0" compatLnSpc="1">
-            <a:prstTxWarp prst="textNoShape">
-              <a:avLst/>
-            </a:prstTxWarp>
+          <a:bodyPr rot="0" spcFirstLastPara="0" vertOverflow="overflow" horzOverflow="overflow" vert="horz" wrap="square" lIns="91440" tIns="0" rIns="91440" bIns="45720" numCol="1" spcCol="0" rtlCol="0" fromWordArt="0" anchor="t" anchorCtr="0" forceAA="0" compatLnSpc="1">
             <a:noAutofit/>
           </a:bodyPr>
           <a:lstStyle/>
           <a:p>
-            <a:pPr algn="ctr"/>
-            <a:endParaRPr lang="en-US" sz="1400" dirty="0">
-              <a:solidFill>
-                <a:srgbClr val="5A6B86"/>
-              </a:solidFill>
-              <a:latin typeface="Arial" panose="020B0604020202020204" pitchFamily="34" charset="0"/>
-              <a:cs typeface="Arial" panose="020B0604020202020204" pitchFamily="34" charset="0"/>
-            </a:endParaRPr>
-          </a:p>
-        </p:txBody>
-      </p:sp>
-      <p:sp>
-        <p:nvSpPr>
-          <p:cNvPr id="108" name="TextBox 107">
-            <a:extLst>
-              <a:ext uri="{FF2B5EF4-FFF2-40B4-BE49-F238E27FC236}">
-                <a16:creationId xmlns:a16="http://schemas.microsoft.com/office/drawing/2014/main" id="{B5BD843E-4A99-344F-B2BC-AB0E5E2CB733}"/>
-              </a:ext>
-            </a:extLst>
-          </p:cNvPr>
-          <p:cNvSpPr txBox="1"/>
+            <a:r>
+              <a:rPr lang="en-US" sz="1100" b="1" dirty="0">
+                <a:solidFill>
+                  <a:schemeClr val="tx1"/>
+                </a:solidFill>
+                <a:latin typeface="Arial" panose="020B0604020202020204" pitchFamily="34" charset="0"/>
+                <a:cs typeface="Arial" panose="020B0604020202020204" pitchFamily="34" charset="0"/>
+              </a:rPr>
+              <a:t>region-1</a:t>
+            </a:r>
+          </a:p>
+        </p:txBody>
+      </p:sp>
+      <p:sp>
+        <p:nvSpPr>
+          <p:cNvPr id="59" name="Rectangle 58">
+            <a:extLst>
+              <a:ext uri="{FF2B5EF4-FFF2-40B4-BE49-F238E27FC236}">
+                <a16:creationId xmlns:a16="http://schemas.microsoft.com/office/drawing/2014/main" id="{798F097D-7825-3245-90D0-DB8AB7F20F36}"/>
+              </a:ext>
+            </a:extLst>
+          </p:cNvPr>
+          <p:cNvSpPr/>
           <p:nvPr/>
         </p:nvSpPr>
         <p:spPr>
           <a:xfrm>
-            <a:off x="6905762" y="5569451"/>
-            <a:ext cx="1288498" cy="430887"/>
+            <a:off x="3052809" y="4452501"/>
+            <a:ext cx="1637540" cy="1514288"/>
           </a:xfrm>
           <a:prstGeom prst="rect">
             <a:avLst/>
           </a:prstGeom>
           <a:noFill/>
-        </p:spPr>
-        <p:txBody>
-          <a:bodyPr wrap="square" rtlCol="0">
-            <a:spAutoFit/>
-          </a:bodyPr>
-          <a:lstStyle/>
-          <a:p>
-            <a:pPr algn="ctr"/>
-            <a:r>
-              <a:rPr lang="en-US" sz="1100" dirty="0">
-                <a:latin typeface="Arial" panose="020B0604020202020204" pitchFamily="34" charset="0"/>
-                <a:cs typeface="Arial" panose="020B0604020202020204" pitchFamily="34" charset="0"/>
-              </a:rPr>
-              <a:t>AWS CloudFormation</a:t>
-            </a:r>
-          </a:p>
-        </p:txBody>
-      </p:sp>
-      <p:pic>
-        <p:nvPicPr>
-          <p:cNvPr id="109" name="Graphic 108">
-            <a:extLst>
-              <a:ext uri="{FF2B5EF4-FFF2-40B4-BE49-F238E27FC236}">
-                <a16:creationId xmlns:a16="http://schemas.microsoft.com/office/drawing/2014/main" id="{A640C55B-F6FD-3640-965F-605AEAB778BE}"/>
-              </a:ext>
-            </a:extLst>
-          </p:cNvPr>
-          <p:cNvPicPr>
-            <a:picLocks noChangeAspect="1"/>
-          </p:cNvPicPr>
-          <p:nvPr/>
-        </p:nvPicPr>
-        <p:blipFill>
-          <a:blip r:embed="rId5">
-            <a:extLst>
-              <a:ext uri="{96DAC541-7B7A-43D3-8B79-37D633B846F1}">
-                <asvg:svgBlip xmlns:asvg="http://schemas.microsoft.com/office/drawing/2016/SVG/main" r:embed="rId6"/>
-              </a:ext>
-            </a:extLst>
-          </a:blip>
-          <a:stretch>
-            <a:fillRect/>
-          </a:stretch>
-        </p:blipFill>
-        <p:spPr>
-          <a:xfrm>
-            <a:off x="7238111" y="4989980"/>
-            <a:ext cx="555156" cy="555156"/>
-          </a:xfrm>
-          <a:prstGeom prst="rect">
-            <a:avLst/>
-          </a:prstGeom>
-        </p:spPr>
-      </p:pic>
-      <p:cxnSp>
-        <p:nvCxnSpPr>
-          <p:cNvPr id="110" name="Straight Arrow Connector 109">
-            <a:extLst>
-              <a:ext uri="{FF2B5EF4-FFF2-40B4-BE49-F238E27FC236}">
-                <a16:creationId xmlns:a16="http://schemas.microsoft.com/office/drawing/2014/main" id="{377059EB-E29F-C249-B380-CEA428F1D049}"/>
-              </a:ext>
-            </a:extLst>
-          </p:cNvPr>
-          <p:cNvCxnSpPr>
-            <a:cxnSpLocks/>
-          </p:cNvCxnSpPr>
-          <p:nvPr/>
-        </p:nvCxnSpPr>
-        <p:spPr>
-          <a:xfrm>
-            <a:off x="7849140" y="5267558"/>
-            <a:ext cx="325246" cy="0"/>
-          </a:xfrm>
-          <a:prstGeom prst="straightConnector1">
-            <a:avLst/>
-          </a:prstGeom>
           <a:ln w="12700">
             <a:solidFill>
-              <a:srgbClr val="545B64"/>
+              <a:schemeClr val="tx1"/>
             </a:solidFill>
-            <a:headEnd type="none" w="med" len="sm"/>
-            <a:tailEnd type="arrow" w="med" len="sm"/>
+            <a:prstDash val="dash"/>
           </a:ln>
         </p:spPr>
         <p:style>
-          <a:lnRef idx="1">
-            <a:schemeClr val="accent1"/>
+          <a:lnRef idx="2">
+            <a:schemeClr val="accent1">
+              <a:shade val="50000"/>
+            </a:schemeClr>
           </a:lnRef>
-          <a:fillRef idx="0">
+          <a:fillRef idx="1">
             <a:schemeClr val="accent1"/>
           </a:fillRef>
           <a:effectRef idx="0">
             <a:schemeClr val="accent1"/>
           </a:effectRef>
           <a:fontRef idx="minor">
-            <a:schemeClr val="tx1"/>
+            <a:schemeClr val="lt1"/>
           </a:fontRef>
         </p:style>
-      </p:cxnSp>
-      <p:sp>
-        <p:nvSpPr>
-          <p:cNvPr id="111" name="Oval 110">
-            <a:extLst>
-              <a:ext uri="{FF2B5EF4-FFF2-40B4-BE49-F238E27FC236}">
-                <a16:creationId xmlns:a16="http://schemas.microsoft.com/office/drawing/2014/main" id="{FB20F0D1-0CBE-9546-BAA5-F1447A9E8B2F}"/>
+        <p:txBody>
+          <a:bodyPr rot="0" spcFirstLastPara="0" vertOverflow="overflow" horzOverflow="overflow" vert="horz" wrap="square" lIns="91440" tIns="0" rIns="91440" bIns="45720" numCol="1" spcCol="0" rtlCol="0" fromWordArt="0" anchor="t" anchorCtr="0" forceAA="0" compatLnSpc="1">
+            <a:noAutofit/>
+          </a:bodyPr>
+          <a:lstStyle/>
+          <a:p>
+            <a:r>
+              <a:rPr lang="en-US" sz="1100" b="1" dirty="0">
+                <a:solidFill>
+                  <a:schemeClr val="tx1"/>
+                </a:solidFill>
+                <a:latin typeface="Arial" panose="020B0604020202020204" pitchFamily="34" charset="0"/>
+                <a:cs typeface="Arial" panose="020B0604020202020204" pitchFamily="34" charset="0"/>
+              </a:rPr>
+              <a:t>region-2</a:t>
+            </a:r>
+          </a:p>
+        </p:txBody>
+      </p:sp>
+      <p:sp>
+        <p:nvSpPr>
+          <p:cNvPr id="60" name="Rectangle 59">
+            <a:extLst>
+              <a:ext uri="{FF2B5EF4-FFF2-40B4-BE49-F238E27FC236}">
+                <a16:creationId xmlns:a16="http://schemas.microsoft.com/office/drawing/2014/main" id="{9122753D-3D5B-7246-9844-3E3DBF659243}"/>
               </a:ext>
             </a:extLst>
           </p:cNvPr>
@@ -6506,7 +5880,302 @@
         </p:nvSpPr>
         <p:spPr>
           <a:xfrm>
-            <a:off x="7253337" y="4998487"/>
+            <a:off x="3189078" y="4688292"/>
+            <a:ext cx="1501271" cy="1278497"/>
+          </a:xfrm>
+          <a:prstGeom prst="rect">
+            <a:avLst/>
+          </a:prstGeom>
+          <a:noFill/>
+          <a:ln w="12700">
+            <a:solidFill>
+              <a:schemeClr val="tx1"/>
+            </a:solidFill>
+            <a:prstDash val="dash"/>
+          </a:ln>
+        </p:spPr>
+        <p:style>
+          <a:lnRef idx="2">
+            <a:schemeClr val="accent1">
+              <a:shade val="50000"/>
+            </a:schemeClr>
+          </a:lnRef>
+          <a:fillRef idx="1">
+            <a:schemeClr val="accent1"/>
+          </a:fillRef>
+          <a:effectRef idx="0">
+            <a:schemeClr val="accent1"/>
+          </a:effectRef>
+          <a:fontRef idx="minor">
+            <a:schemeClr val="lt1"/>
+          </a:fontRef>
+        </p:style>
+        <p:txBody>
+          <a:bodyPr rot="0" spcFirstLastPara="0" vertOverflow="overflow" horzOverflow="overflow" vert="horz" wrap="square" lIns="91440" tIns="0" rIns="91440" bIns="45720" numCol="1" spcCol="0" rtlCol="0" fromWordArt="0" anchor="t" anchorCtr="0" forceAA="0" compatLnSpc="1">
+            <a:noAutofit/>
+          </a:bodyPr>
+          <a:lstStyle/>
+          <a:p>
+            <a:r>
+              <a:rPr lang="en-US" sz="1100" b="1" dirty="0">
+                <a:solidFill>
+                  <a:schemeClr val="tx1"/>
+                </a:solidFill>
+                <a:latin typeface="Arial" panose="020B0604020202020204" pitchFamily="34" charset="0"/>
+                <a:cs typeface="Arial" panose="020B0604020202020204" pitchFamily="34" charset="0"/>
+              </a:rPr>
+              <a:t>region-n</a:t>
+            </a:r>
+          </a:p>
+        </p:txBody>
+      </p:sp>
+      <p:sp>
+        <p:nvSpPr>
+          <p:cNvPr id="61" name="TextBox 30">
+            <a:extLst>
+              <a:ext uri="{FF2B5EF4-FFF2-40B4-BE49-F238E27FC236}">
+                <a16:creationId xmlns:a16="http://schemas.microsoft.com/office/drawing/2014/main" id="{422E484E-9214-744E-ACD6-86B0FEBBD92B}"/>
+              </a:ext>
+            </a:extLst>
+          </p:cNvPr>
+          <p:cNvSpPr txBox="1">
+            <a:spLocks noChangeArrowheads="1"/>
+          </p:cNvSpPr>
+          <p:nvPr/>
+        </p:nvSpPr>
+        <p:spPr bwMode="auto">
+          <a:xfrm>
+            <a:off x="3152523" y="5419885"/>
+            <a:ext cx="1554162" cy="430887"/>
+          </a:xfrm>
+          <a:prstGeom prst="rect">
+            <a:avLst/>
+          </a:prstGeom>
+          <a:noFill/>
+          <a:ln>
+            <a:noFill/>
+          </a:ln>
+          <a:extLst>
+            <a:ext uri="{909E8E84-426E-40DD-AFC4-6F175D3DCCD1}">
+              <a14:hiddenFill xmlns:a14="http://schemas.microsoft.com/office/drawing/2010/main">
+                <a:solidFill>
+                  <a:srgbClr val="FFFFFF"/>
+                </a:solidFill>
+              </a14:hiddenFill>
+            </a:ext>
+            <a:ext uri="{91240B29-F687-4F45-9708-019B960494DF}">
+              <a14:hiddenLine xmlns:a14="http://schemas.microsoft.com/office/drawing/2010/main" w="9525">
+                <a:solidFill>
+                  <a:srgbClr val="000000"/>
+                </a:solidFill>
+                <a:miter lim="800000"/>
+                <a:headEnd/>
+                <a:tailEnd/>
+              </a14:hiddenLine>
+            </a:ext>
+          </a:extLst>
+        </p:spPr>
+        <p:txBody>
+          <a:bodyPr wrap="square">
+            <a:spAutoFit/>
+          </a:bodyPr>
+          <a:lstStyle>
+            <a:lvl1pPr>
+              <a:defRPr>
+                <a:solidFill>
+                  <a:schemeClr val="tx1"/>
+                </a:solidFill>
+                <a:latin typeface="Calibri" panose="020F0502020204030204" pitchFamily="34" charset="0"/>
+              </a:defRPr>
+            </a:lvl1pPr>
+            <a:lvl2pPr marL="742950" indent="-285750">
+              <a:defRPr>
+                <a:solidFill>
+                  <a:schemeClr val="tx1"/>
+                </a:solidFill>
+                <a:latin typeface="Calibri" panose="020F0502020204030204" pitchFamily="34" charset="0"/>
+              </a:defRPr>
+            </a:lvl2pPr>
+            <a:lvl3pPr marL="1143000" indent="-228600">
+              <a:defRPr>
+                <a:solidFill>
+                  <a:schemeClr val="tx1"/>
+                </a:solidFill>
+                <a:latin typeface="Calibri" panose="020F0502020204030204" pitchFamily="34" charset="0"/>
+              </a:defRPr>
+            </a:lvl3pPr>
+            <a:lvl4pPr marL="1600200" indent="-228600">
+              <a:defRPr>
+                <a:solidFill>
+                  <a:schemeClr val="tx1"/>
+                </a:solidFill>
+                <a:latin typeface="Calibri" panose="020F0502020204030204" pitchFamily="34" charset="0"/>
+              </a:defRPr>
+            </a:lvl4pPr>
+            <a:lvl5pPr marL="2057400" indent="-228600">
+              <a:defRPr>
+                <a:solidFill>
+                  <a:schemeClr val="tx1"/>
+                </a:solidFill>
+                <a:latin typeface="Calibri" panose="020F0502020204030204" pitchFamily="34" charset="0"/>
+              </a:defRPr>
+            </a:lvl5pPr>
+            <a:lvl6pPr marL="2514600" indent="-228600" eaLnBrk="0" fontAlgn="base" hangingPunct="0">
+              <a:spcBef>
+                <a:spcPct val="0"/>
+              </a:spcBef>
+              <a:spcAft>
+                <a:spcPct val="0"/>
+              </a:spcAft>
+              <a:defRPr>
+                <a:solidFill>
+                  <a:schemeClr val="tx1"/>
+                </a:solidFill>
+                <a:latin typeface="Calibri" panose="020F0502020204030204" pitchFamily="34" charset="0"/>
+              </a:defRPr>
+            </a:lvl6pPr>
+            <a:lvl7pPr marL="2971800" indent="-228600" eaLnBrk="0" fontAlgn="base" hangingPunct="0">
+              <a:spcBef>
+                <a:spcPct val="0"/>
+              </a:spcBef>
+              <a:spcAft>
+                <a:spcPct val="0"/>
+              </a:spcAft>
+              <a:defRPr>
+                <a:solidFill>
+                  <a:schemeClr val="tx1"/>
+                </a:solidFill>
+                <a:latin typeface="Calibri" panose="020F0502020204030204" pitchFamily="34" charset="0"/>
+              </a:defRPr>
+            </a:lvl7pPr>
+            <a:lvl8pPr marL="3429000" indent="-228600" eaLnBrk="0" fontAlgn="base" hangingPunct="0">
+              <a:spcBef>
+                <a:spcPct val="0"/>
+              </a:spcBef>
+              <a:spcAft>
+                <a:spcPct val="0"/>
+              </a:spcAft>
+              <a:defRPr>
+                <a:solidFill>
+                  <a:schemeClr val="tx1"/>
+                </a:solidFill>
+                <a:latin typeface="Calibri" panose="020F0502020204030204" pitchFamily="34" charset="0"/>
+              </a:defRPr>
+            </a:lvl8pPr>
+            <a:lvl9pPr marL="3886200" indent="-228600" eaLnBrk="0" fontAlgn="base" hangingPunct="0">
+              <a:spcBef>
+                <a:spcPct val="0"/>
+              </a:spcBef>
+              <a:spcAft>
+                <a:spcPct val="0"/>
+              </a:spcAft>
+              <a:defRPr>
+                <a:solidFill>
+                  <a:schemeClr val="tx1"/>
+                </a:solidFill>
+                <a:latin typeface="Calibri" panose="020F0502020204030204" pitchFamily="34" charset="0"/>
+              </a:defRPr>
+            </a:lvl9pPr>
+          </a:lstStyle>
+          <a:p>
+            <a:pPr algn="ctr" eaLnBrk="1" hangingPunct="1"/>
+            <a:r>
+              <a:rPr lang="en-US" altLang="en-US" sz="1100" dirty="0">
+                <a:latin typeface="Arial" panose="020B0604020202020204" pitchFamily="34" charset="0"/>
+                <a:ea typeface="Amazon Ember" panose="020B0603020204020204" pitchFamily="34" charset="0"/>
+                <a:cs typeface="Arial" panose="020B0604020202020204" pitchFamily="34" charset="0"/>
+              </a:rPr>
+              <a:t>Account</a:t>
+            </a:r>
+          </a:p>
+          <a:p>
+            <a:pPr algn="ctr" eaLnBrk="1" hangingPunct="1"/>
+            <a:r>
+              <a:rPr lang="en-US" altLang="en-US" sz="1100" dirty="0">
+                <a:latin typeface="Arial" panose="020B0604020202020204" pitchFamily="34" charset="0"/>
+                <a:ea typeface="Amazon Ember" panose="020B0603020204020204" pitchFamily="34" charset="0"/>
+                <a:cs typeface="Arial" panose="020B0604020202020204" pitchFamily="34" charset="0"/>
+              </a:rPr>
+              <a:t>Access Analyzer</a:t>
+            </a:r>
+          </a:p>
+        </p:txBody>
+      </p:sp>
+      <p:pic>
+        <p:nvPicPr>
+          <p:cNvPr id="62" name="Graphic 51">
+            <a:extLst>
+              <a:ext uri="{FF2B5EF4-FFF2-40B4-BE49-F238E27FC236}">
+                <a16:creationId xmlns:a16="http://schemas.microsoft.com/office/drawing/2014/main" id="{6897F0D9-1D0B-1849-8908-411F05624F60}"/>
+              </a:ext>
+            </a:extLst>
+          </p:cNvPr>
+          <p:cNvPicPr>
+            <a:picLocks noChangeAspect="1" noChangeArrowheads="1"/>
+          </p:cNvPicPr>
+          <p:nvPr/>
+        </p:nvPicPr>
+        <p:blipFill>
+          <a:blip r:embed="rId7">
+            <a:extLst>
+              <a:ext uri="{28A0092B-C50C-407E-A947-70E740481C1C}">
+                <a14:useLocalDpi xmlns:a14="http://schemas.microsoft.com/office/drawing/2010/main" val="0"/>
+              </a:ext>
+            </a:extLst>
+          </a:blip>
+          <a:srcRect/>
+          <a:stretch>
+            <a:fillRect/>
+          </a:stretch>
+        </p:blipFill>
+        <p:spPr bwMode="auto">
+          <a:xfrm>
+            <a:off x="3667206" y="5015945"/>
+            <a:ext cx="457200" cy="457200"/>
+          </a:xfrm>
+          <a:prstGeom prst="rect">
+            <a:avLst/>
+          </a:prstGeom>
+          <a:noFill/>
+          <a:ln>
+            <a:noFill/>
+          </a:ln>
+          <a:extLst>
+            <a:ext uri="{909E8E84-426E-40DD-AFC4-6F175D3DCCD1}">
+              <a14:hiddenFill xmlns:a14="http://schemas.microsoft.com/office/drawing/2010/main">
+                <a:solidFill>
+                  <a:srgbClr val="FFFFFF"/>
+                </a:solidFill>
+              </a14:hiddenFill>
+            </a:ext>
+            <a:ext uri="{91240B29-F687-4F45-9708-019B960494DF}">
+              <a14:hiddenLine xmlns:a14="http://schemas.microsoft.com/office/drawing/2010/main" w="9525">
+                <a:solidFill>
+                  <a:srgbClr val="000000"/>
+                </a:solidFill>
+                <a:miter lim="800000"/>
+                <a:headEnd/>
+                <a:tailEnd/>
+              </a14:hiddenLine>
+            </a:ext>
+          </a:extLst>
+        </p:spPr>
+      </p:pic>
+      <p:sp>
+        <p:nvSpPr>
+          <p:cNvPr id="63" name="Oval 62">
+            <a:extLst>
+              <a:ext uri="{FF2B5EF4-FFF2-40B4-BE49-F238E27FC236}">
+                <a16:creationId xmlns:a16="http://schemas.microsoft.com/office/drawing/2014/main" id="{3A4E898E-4EF3-B547-AA2A-40BD4613DC97}"/>
+              </a:ext>
+            </a:extLst>
+          </p:cNvPr>
+          <p:cNvSpPr/>
+          <p:nvPr/>
+        </p:nvSpPr>
+        <p:spPr>
+          <a:xfrm>
+            <a:off x="3390414" y="5153723"/>
             <a:ext cx="253435" cy="212902"/>
           </a:xfrm>
           <a:prstGeom prst="ellipse">
@@ -6547,17 +6216,17 @@
                 <a:latin typeface="Arial" panose="020B0604020202020204" pitchFamily="34" charset="0"/>
                 <a:cs typeface="Arial" panose="020B0604020202020204" pitchFamily="34" charset="0"/>
               </a:rPr>
-              <a:t>3.1</a:t>
-            </a:r>
-          </a:p>
-        </p:txBody>
-      </p:sp>
-      <p:sp>
-        <p:nvSpPr>
-          <p:cNvPr id="112" name="Rectangle 111">
-            <a:extLst>
-              <a:ext uri="{FF2B5EF4-FFF2-40B4-BE49-F238E27FC236}">
-                <a16:creationId xmlns:a16="http://schemas.microsoft.com/office/drawing/2014/main" id="{D270ECED-DD9C-3E4B-928B-E56EB7B6C956}"/>
+              <a:t>2.2</a:t>
+            </a:r>
+          </a:p>
+        </p:txBody>
+      </p:sp>
+      <p:sp>
+        <p:nvSpPr>
+          <p:cNvPr id="64" name="Rectangle 63">
+            <a:extLst>
+              <a:ext uri="{FF2B5EF4-FFF2-40B4-BE49-F238E27FC236}">
+                <a16:creationId xmlns:a16="http://schemas.microsoft.com/office/drawing/2014/main" id="{F0F8B0AE-0A2E-B240-A05B-76F8D887C8AD}"/>
               </a:ext>
             </a:extLst>
           </p:cNvPr>
@@ -6566,8 +6235,8 @@
         </p:nvSpPr>
         <p:spPr>
           <a:xfrm>
-            <a:off x="6458505" y="1310787"/>
-            <a:ext cx="1789940" cy="1920482"/>
+            <a:off x="4876374" y="4240341"/>
+            <a:ext cx="1789940" cy="1750079"/>
           </a:xfrm>
           <a:prstGeom prst="rect">
             <a:avLst/>
@@ -6597,13 +6266,13 @@
           </a:fontRef>
         </p:style>
         <p:txBody>
-          <a:bodyPr rot="0" spcFirstLastPara="0" vertOverflow="overflow" horzOverflow="overflow" vert="horz" wrap="square" lIns="91440" tIns="91440" rIns="91440" bIns="45720" numCol="1" spcCol="0" rtlCol="0" fromWordArt="0" anchor="t" anchorCtr="0" forceAA="0" compatLnSpc="1">
+          <a:bodyPr rot="0" spcFirstLastPara="0" vertOverflow="overflow" horzOverflow="overflow" vert="horz" wrap="square" lIns="91440" tIns="0" rIns="91440" bIns="45720" numCol="1" spcCol="0" rtlCol="0" fromWordArt="0" anchor="t" anchorCtr="0" forceAA="0" compatLnSpc="1">
             <a:noAutofit/>
           </a:bodyPr>
           <a:lstStyle/>
           <a:p>
             <a:r>
-              <a:rPr lang="en-US" sz="1100" dirty="0">
+              <a:rPr lang="en-US" sz="1100" b="1" dirty="0">
                 <a:solidFill>
                   <a:schemeClr val="tx1"/>
                 </a:solidFill>
@@ -6617,10 +6286,10 @@
       </p:sp>
       <p:sp>
         <p:nvSpPr>
-          <p:cNvPr id="113" name="Rectangle 112">
-            <a:extLst>
-              <a:ext uri="{FF2B5EF4-FFF2-40B4-BE49-F238E27FC236}">
-                <a16:creationId xmlns:a16="http://schemas.microsoft.com/office/drawing/2014/main" id="{5DC19F45-439B-C44B-AC97-AD82BECF5620}"/>
+          <p:cNvPr id="65" name="Rectangle 64">
+            <a:extLst>
+              <a:ext uri="{FF2B5EF4-FFF2-40B4-BE49-F238E27FC236}">
+                <a16:creationId xmlns:a16="http://schemas.microsoft.com/office/drawing/2014/main" id="{252BEB5A-1857-A74D-9647-40D9260547E3}"/>
               </a:ext>
             </a:extLst>
           </p:cNvPr>
@@ -6629,8 +6298,8 @@
         </p:nvSpPr>
         <p:spPr>
           <a:xfrm>
-            <a:off x="6610905" y="1627777"/>
-            <a:ext cx="1637540" cy="1603492"/>
+            <a:off x="5028774" y="4476133"/>
+            <a:ext cx="1637540" cy="1514288"/>
           </a:xfrm>
           <a:prstGeom prst="rect">
             <a:avLst/>
@@ -6660,13 +6329,13 @@
           </a:fontRef>
         </p:style>
         <p:txBody>
-          <a:bodyPr rot="0" spcFirstLastPara="0" vertOverflow="overflow" horzOverflow="overflow" vert="horz" wrap="square" lIns="91440" tIns="91440" rIns="91440" bIns="45720" numCol="1" spcCol="0" rtlCol="0" fromWordArt="0" anchor="t" anchorCtr="0" forceAA="0" compatLnSpc="1">
+          <a:bodyPr rot="0" spcFirstLastPara="0" vertOverflow="overflow" horzOverflow="overflow" vert="horz" wrap="square" lIns="91440" tIns="0" rIns="91440" bIns="45720" numCol="1" spcCol="0" rtlCol="0" fromWordArt="0" anchor="t" anchorCtr="0" forceAA="0" compatLnSpc="1">
             <a:noAutofit/>
           </a:bodyPr>
           <a:lstStyle/>
           <a:p>
             <a:r>
-              <a:rPr lang="en-US" sz="1100" dirty="0">
+              <a:rPr lang="en-US" sz="1100" b="1" dirty="0">
                 <a:solidFill>
                   <a:schemeClr val="tx1"/>
                 </a:solidFill>
@@ -6680,10 +6349,10 @@
       </p:sp>
       <p:sp>
         <p:nvSpPr>
-          <p:cNvPr id="114" name="Rectangle 113">
-            <a:extLst>
-              <a:ext uri="{FF2B5EF4-FFF2-40B4-BE49-F238E27FC236}">
-                <a16:creationId xmlns:a16="http://schemas.microsoft.com/office/drawing/2014/main" id="{6E25A730-7E27-1A42-953F-B0FF827FC342}"/>
+          <p:cNvPr id="66" name="Rectangle 65">
+            <a:extLst>
+              <a:ext uri="{FF2B5EF4-FFF2-40B4-BE49-F238E27FC236}">
+                <a16:creationId xmlns:a16="http://schemas.microsoft.com/office/drawing/2014/main" id="{29ACD9B1-F792-6941-87D3-A3B580458DEE}"/>
               </a:ext>
             </a:extLst>
           </p:cNvPr>
@@ -6692,7 +6361,7 @@
         </p:nvSpPr>
         <p:spPr>
           <a:xfrm>
-            <a:off x="6747174" y="1952772"/>
+            <a:off x="5165043" y="4711924"/>
             <a:ext cx="1501271" cy="1278497"/>
           </a:xfrm>
           <a:prstGeom prst="rect">
@@ -6723,13 +6392,13 @@
           </a:fontRef>
         </p:style>
         <p:txBody>
-          <a:bodyPr rot="0" spcFirstLastPara="0" vertOverflow="overflow" horzOverflow="overflow" vert="horz" wrap="square" lIns="91440" tIns="91440" rIns="91440" bIns="45720" numCol="1" spcCol="0" rtlCol="0" fromWordArt="0" anchor="t" anchorCtr="0" forceAA="0" compatLnSpc="1">
+          <a:bodyPr rot="0" spcFirstLastPara="0" vertOverflow="overflow" horzOverflow="overflow" vert="horz" wrap="square" lIns="91440" tIns="0" rIns="91440" bIns="45720" numCol="1" spcCol="0" rtlCol="0" fromWordArt="0" anchor="t" anchorCtr="0" forceAA="0" compatLnSpc="1">
             <a:noAutofit/>
           </a:bodyPr>
           <a:lstStyle/>
           <a:p>
             <a:r>
-              <a:rPr lang="en-US" sz="1100" dirty="0">
+              <a:rPr lang="en-US" sz="1100" b="1" dirty="0">
                 <a:solidFill>
                   <a:schemeClr val="tx1"/>
                 </a:solidFill>
@@ -6743,10 +6412,10 @@
       </p:sp>
       <p:sp>
         <p:nvSpPr>
-          <p:cNvPr id="115" name="TextBox 30">
-            <a:extLst>
-              <a:ext uri="{FF2B5EF4-FFF2-40B4-BE49-F238E27FC236}">
-                <a16:creationId xmlns:a16="http://schemas.microsoft.com/office/drawing/2014/main" id="{6D12F8CB-3624-E440-9C06-563A163E9209}"/>
+          <p:cNvPr id="67" name="TextBox 30">
+            <a:extLst>
+              <a:ext uri="{FF2B5EF4-FFF2-40B4-BE49-F238E27FC236}">
+                <a16:creationId xmlns:a16="http://schemas.microsoft.com/office/drawing/2014/main" id="{D2932CE0-613B-F84F-8E1F-892A7CBE9974}"/>
               </a:ext>
             </a:extLst>
           </p:cNvPr>
@@ -6757,8 +6426,8 @@
         </p:nvSpPr>
         <p:spPr bwMode="auto">
           <a:xfrm>
-            <a:off x="6710619" y="2684365"/>
-            <a:ext cx="1554162" cy="600164"/>
+            <a:off x="5128488" y="5443517"/>
+            <a:ext cx="1554162" cy="430887"/>
           </a:xfrm>
           <a:prstGeom prst="rect">
             <a:avLst/>
@@ -6897,7 +6566,7 @@
                 <a:ea typeface="Amazon Ember" panose="020B0603020204020204" pitchFamily="34" charset="0"/>
                 <a:cs typeface="Arial" panose="020B0604020202020204" pitchFamily="34" charset="0"/>
               </a:rPr>
-              <a:t>Account</a:t>
+              <a:t>Organization</a:t>
             </a:r>
           </a:p>
           <a:p>
@@ -6908,17 +6577,17 @@
                 <a:ea typeface="Amazon Ember" panose="020B0603020204020204" pitchFamily="34" charset="0"/>
                 <a:cs typeface="Arial" panose="020B0604020202020204" pitchFamily="34" charset="0"/>
               </a:rPr>
-              <a:t>AWS IAM Access Analyzer</a:t>
+              <a:t>Access Analyzer</a:t>
             </a:r>
           </a:p>
         </p:txBody>
       </p:sp>
       <p:pic>
         <p:nvPicPr>
-          <p:cNvPr id="116" name="Graphic 51">
-            <a:extLst>
-              <a:ext uri="{FF2B5EF4-FFF2-40B4-BE49-F238E27FC236}">
-                <a16:creationId xmlns:a16="http://schemas.microsoft.com/office/drawing/2014/main" id="{5FEF8C89-A8A4-164D-B650-41763908E834}"/>
+          <p:cNvPr id="68" name="Graphic 51">
+            <a:extLst>
+              <a:ext uri="{FF2B5EF4-FFF2-40B4-BE49-F238E27FC236}">
+                <a16:creationId xmlns:a16="http://schemas.microsoft.com/office/drawing/2014/main" id="{595361BB-D01B-E544-A8CF-0323E52768E6}"/>
               </a:ext>
             </a:extLst>
           </p:cNvPr>
@@ -6942,7 +6611,7 @@
         </p:blipFill>
         <p:spPr bwMode="auto">
           <a:xfrm>
-            <a:off x="7225302" y="2280425"/>
+            <a:off x="5643171" y="5039577"/>
             <a:ext cx="457200" cy="457200"/>
           </a:xfrm>
           <a:prstGeom prst="rect">
@@ -6973,233 +6642,12 @@
           </a:extLst>
         </p:spPr>
       </p:pic>
-      <p:pic>
-        <p:nvPicPr>
-          <p:cNvPr id="118" name="Graphic 6">
-            <a:extLst>
-              <a:ext uri="{FF2B5EF4-FFF2-40B4-BE49-F238E27FC236}">
-                <a16:creationId xmlns:a16="http://schemas.microsoft.com/office/drawing/2014/main" id="{FDBCA8AC-DC2F-784F-9466-E7A91146666A}"/>
-              </a:ext>
-            </a:extLst>
-          </p:cNvPr>
-          <p:cNvPicPr>
-            <a:picLocks noChangeAspect="1" noChangeArrowheads="1"/>
-          </p:cNvPicPr>
-          <p:nvPr/>
-        </p:nvPicPr>
-        <p:blipFill>
-          <a:blip r:embed="rId8">
-            <a:extLst>
-              <a:ext uri="{28A0092B-C50C-407E-A947-70E740481C1C}">
-                <a14:useLocalDpi xmlns:a14="http://schemas.microsoft.com/office/drawing/2010/main" val="0"/>
-              </a:ext>
-            </a:extLst>
-          </a:blip>
-          <a:srcRect/>
-          <a:stretch>
-            <a:fillRect/>
-          </a:stretch>
-        </p:blipFill>
-        <p:spPr bwMode="auto">
-          <a:xfrm>
-            <a:off x="5132197" y="1600802"/>
-            <a:ext cx="557784" cy="557784"/>
-          </a:xfrm>
-          <a:prstGeom prst="rect">
-            <a:avLst/>
-          </a:prstGeom>
-          <a:noFill/>
-          <a:ln>
-            <a:noFill/>
-          </a:ln>
-          <a:extLst>
-            <a:ext uri="{909E8E84-426E-40DD-AFC4-6F175D3DCCD1}">
-              <a14:hiddenFill xmlns:a14="http://schemas.microsoft.com/office/drawing/2010/main">
-                <a:solidFill>
-                  <a:srgbClr val="FFFFFF"/>
-                </a:solidFill>
-              </a14:hiddenFill>
-            </a:ext>
-            <a:ext uri="{91240B29-F687-4F45-9708-019B960494DF}">
-              <a14:hiddenLine xmlns:a14="http://schemas.microsoft.com/office/drawing/2010/main" w="9525">
-                <a:solidFill>
-                  <a:srgbClr val="000000"/>
-                </a:solidFill>
-                <a:miter lim="800000"/>
-                <a:headEnd/>
-                <a:tailEnd/>
-              </a14:hiddenLine>
-            </a:ext>
-          </a:extLst>
-        </p:spPr>
-      </p:pic>
-      <p:sp>
-        <p:nvSpPr>
-          <p:cNvPr id="119" name="TextBox 9">
-            <a:extLst>
-              <a:ext uri="{FF2B5EF4-FFF2-40B4-BE49-F238E27FC236}">
-                <a16:creationId xmlns:a16="http://schemas.microsoft.com/office/drawing/2014/main" id="{03F35A8E-F973-C640-8117-70E1E19809C6}"/>
-              </a:ext>
-            </a:extLst>
-          </p:cNvPr>
-          <p:cNvSpPr txBox="1">
-            <a:spLocks noChangeArrowheads="1"/>
-          </p:cNvSpPr>
-          <p:nvPr/>
-        </p:nvSpPr>
-        <p:spPr bwMode="auto">
-          <a:xfrm>
-            <a:off x="4737908" y="2174748"/>
-            <a:ext cx="1346361" cy="430887"/>
-          </a:xfrm>
-          <a:prstGeom prst="rect">
-            <a:avLst/>
-          </a:prstGeom>
-          <a:noFill/>
-          <a:ln>
-            <a:noFill/>
-          </a:ln>
-          <a:extLst>
-            <a:ext uri="{909E8E84-426E-40DD-AFC4-6F175D3DCCD1}">
-              <a14:hiddenFill xmlns:a14="http://schemas.microsoft.com/office/drawing/2010/main">
-                <a:solidFill>
-                  <a:srgbClr val="FFFFFF"/>
-                </a:solidFill>
-              </a14:hiddenFill>
-            </a:ext>
-            <a:ext uri="{91240B29-F687-4F45-9708-019B960494DF}">
-              <a14:hiddenLine xmlns:a14="http://schemas.microsoft.com/office/drawing/2010/main" w="9525">
-                <a:solidFill>
-                  <a:srgbClr val="000000"/>
-                </a:solidFill>
-                <a:miter lim="800000"/>
-                <a:headEnd/>
-                <a:tailEnd/>
-              </a14:hiddenLine>
-            </a:ext>
-          </a:extLst>
-        </p:spPr>
-        <p:txBody>
-          <a:bodyPr wrap="square">
-            <a:spAutoFit/>
-          </a:bodyPr>
-          <a:lstStyle>
-            <a:lvl1pPr>
-              <a:defRPr>
-                <a:solidFill>
-                  <a:schemeClr val="tx1"/>
-                </a:solidFill>
-                <a:latin typeface="Calibri" panose="020F0502020204030204" pitchFamily="34" charset="0"/>
-              </a:defRPr>
-            </a:lvl1pPr>
-            <a:lvl2pPr marL="742950" indent="-285750">
-              <a:defRPr>
-                <a:solidFill>
-                  <a:schemeClr val="tx1"/>
-                </a:solidFill>
-                <a:latin typeface="Calibri" panose="020F0502020204030204" pitchFamily="34" charset="0"/>
-              </a:defRPr>
-            </a:lvl2pPr>
-            <a:lvl3pPr marL="1143000" indent="-228600">
-              <a:defRPr>
-                <a:solidFill>
-                  <a:schemeClr val="tx1"/>
-                </a:solidFill>
-                <a:latin typeface="Calibri" panose="020F0502020204030204" pitchFamily="34" charset="0"/>
-              </a:defRPr>
-            </a:lvl3pPr>
-            <a:lvl4pPr marL="1600200" indent="-228600">
-              <a:defRPr>
-                <a:solidFill>
-                  <a:schemeClr val="tx1"/>
-                </a:solidFill>
-                <a:latin typeface="Calibri" panose="020F0502020204030204" pitchFamily="34" charset="0"/>
-              </a:defRPr>
-            </a:lvl4pPr>
-            <a:lvl5pPr marL="2057400" indent="-228600">
-              <a:defRPr>
-                <a:solidFill>
-                  <a:schemeClr val="tx1"/>
-                </a:solidFill>
-                <a:latin typeface="Calibri" panose="020F0502020204030204" pitchFamily="34" charset="0"/>
-              </a:defRPr>
-            </a:lvl5pPr>
-            <a:lvl6pPr marL="2514600" indent="-228600" eaLnBrk="0" fontAlgn="base" hangingPunct="0">
-              <a:spcBef>
-                <a:spcPct val="0"/>
-              </a:spcBef>
-              <a:spcAft>
-                <a:spcPct val="0"/>
-              </a:spcAft>
-              <a:defRPr>
-                <a:solidFill>
-                  <a:schemeClr val="tx1"/>
-                </a:solidFill>
-                <a:latin typeface="Calibri" panose="020F0502020204030204" pitchFamily="34" charset="0"/>
-              </a:defRPr>
-            </a:lvl6pPr>
-            <a:lvl7pPr marL="2971800" indent="-228600" eaLnBrk="0" fontAlgn="base" hangingPunct="0">
-              <a:spcBef>
-                <a:spcPct val="0"/>
-              </a:spcBef>
-              <a:spcAft>
-                <a:spcPct val="0"/>
-              </a:spcAft>
-              <a:defRPr>
-                <a:solidFill>
-                  <a:schemeClr val="tx1"/>
-                </a:solidFill>
-                <a:latin typeface="Calibri" panose="020F0502020204030204" pitchFamily="34" charset="0"/>
-              </a:defRPr>
-            </a:lvl7pPr>
-            <a:lvl8pPr marL="3429000" indent="-228600" eaLnBrk="0" fontAlgn="base" hangingPunct="0">
-              <a:spcBef>
-                <a:spcPct val="0"/>
-              </a:spcBef>
-              <a:spcAft>
-                <a:spcPct val="0"/>
-              </a:spcAft>
-              <a:defRPr>
-                <a:solidFill>
-                  <a:schemeClr val="tx1"/>
-                </a:solidFill>
-                <a:latin typeface="Calibri" panose="020F0502020204030204" pitchFamily="34" charset="0"/>
-              </a:defRPr>
-            </a:lvl8pPr>
-            <a:lvl9pPr marL="3886200" indent="-228600" eaLnBrk="0" fontAlgn="base" hangingPunct="0">
-              <a:spcBef>
-                <a:spcPct val="0"/>
-              </a:spcBef>
-              <a:spcAft>
-                <a:spcPct val="0"/>
-              </a:spcAft>
-              <a:defRPr>
-                <a:solidFill>
-                  <a:schemeClr val="tx1"/>
-                </a:solidFill>
-                <a:latin typeface="Calibri" panose="020F0502020204030204" pitchFamily="34" charset="0"/>
-              </a:defRPr>
-            </a:lvl9pPr>
-          </a:lstStyle>
-          <a:p>
-            <a:pPr algn="ctr" eaLnBrk="1" hangingPunct="1"/>
-            <a:r>
-              <a:rPr lang="en-US" altLang="en-US" sz="1100" dirty="0">
-                <a:latin typeface="Arial" panose="020B0604020202020204" pitchFamily="34" charset="0"/>
-                <a:ea typeface="Amazon Ember" panose="020B0603020204020204" pitchFamily="34" charset="0"/>
-                <a:cs typeface="Arial" panose="020B0604020202020204" pitchFamily="34" charset="0"/>
-              </a:rPr>
-              <a:t>AWS Organizations</a:t>
-            </a:r>
-          </a:p>
-        </p:txBody>
-      </p:sp>
-      <p:sp>
-        <p:nvSpPr>
-          <p:cNvPr id="117" name="Oval 116">
-            <a:extLst>
-              <a:ext uri="{FF2B5EF4-FFF2-40B4-BE49-F238E27FC236}">
-                <a16:creationId xmlns:a16="http://schemas.microsoft.com/office/drawing/2014/main" id="{15590E27-F70B-5645-9001-28E789346685}"/>
+      <p:sp>
+        <p:nvSpPr>
+          <p:cNvPr id="69" name="Oval 68">
+            <a:extLst>
+              <a:ext uri="{FF2B5EF4-FFF2-40B4-BE49-F238E27FC236}">
+                <a16:creationId xmlns:a16="http://schemas.microsoft.com/office/drawing/2014/main" id="{3C3A8B9D-E5BE-C24C-8D79-5F0CDCD42DC6}"/>
               </a:ext>
             </a:extLst>
           </p:cNvPr>
@@ -7208,7 +6656,7 @@
         </p:nvSpPr>
         <p:spPr>
           <a:xfrm>
-            <a:off x="5135807" y="1600583"/>
+            <a:off x="5366379" y="5177355"/>
             <a:ext cx="253435" cy="212902"/>
           </a:xfrm>
           <a:prstGeom prst="ellipse">
@@ -7249,17 +6697,17 @@
                 <a:latin typeface="Arial" panose="020B0604020202020204" pitchFamily="34" charset="0"/>
                 <a:cs typeface="Arial" panose="020B0604020202020204" pitchFamily="34" charset="0"/>
               </a:rPr>
-              <a:t>1.2</a:t>
-            </a:r>
-          </a:p>
-        </p:txBody>
-      </p:sp>
-      <p:sp>
-        <p:nvSpPr>
-          <p:cNvPr id="120" name="Oval 119">
-            <a:extLst>
-              <a:ext uri="{FF2B5EF4-FFF2-40B4-BE49-F238E27FC236}">
-                <a16:creationId xmlns:a16="http://schemas.microsoft.com/office/drawing/2014/main" id="{DD8FAA04-777E-EE44-9B90-88E0FAB6EFB8}"/>
+              <a:t>2.3</a:t>
+            </a:r>
+          </a:p>
+        </p:txBody>
+      </p:sp>
+      <p:sp>
+        <p:nvSpPr>
+          <p:cNvPr id="76" name="Rectangle 75">
+            <a:extLst>
+              <a:ext uri="{FF2B5EF4-FFF2-40B4-BE49-F238E27FC236}">
+                <a16:creationId xmlns:a16="http://schemas.microsoft.com/office/drawing/2014/main" id="{E9D39093-54AF-8E47-9874-47C5FBE3E145}"/>
               </a:ext>
             </a:extLst>
           </p:cNvPr>
@@ -7268,7 +6716,428 @@
         </p:nvSpPr>
         <p:spPr>
           <a:xfrm>
-            <a:off x="6948510" y="2418203"/>
+            <a:off x="8580641" y="4240341"/>
+            <a:ext cx="1789940" cy="1750079"/>
+          </a:xfrm>
+          <a:prstGeom prst="rect">
+            <a:avLst/>
+          </a:prstGeom>
+          <a:noFill/>
+          <a:ln w="12700">
+            <a:solidFill>
+              <a:schemeClr val="tx1"/>
+            </a:solidFill>
+            <a:prstDash val="dash"/>
+          </a:ln>
+        </p:spPr>
+        <p:style>
+          <a:lnRef idx="2">
+            <a:schemeClr val="accent1">
+              <a:shade val="50000"/>
+            </a:schemeClr>
+          </a:lnRef>
+          <a:fillRef idx="1">
+            <a:schemeClr val="accent1"/>
+          </a:fillRef>
+          <a:effectRef idx="0">
+            <a:schemeClr val="accent1"/>
+          </a:effectRef>
+          <a:fontRef idx="minor">
+            <a:schemeClr val="lt1"/>
+          </a:fontRef>
+        </p:style>
+        <p:txBody>
+          <a:bodyPr rot="0" spcFirstLastPara="0" vertOverflow="overflow" horzOverflow="overflow" vert="horz" wrap="square" lIns="91440" tIns="0" rIns="91440" bIns="45720" numCol="1" spcCol="0" rtlCol="0" fromWordArt="0" anchor="t" anchorCtr="0" forceAA="0" compatLnSpc="1">
+            <a:noAutofit/>
+          </a:bodyPr>
+          <a:lstStyle/>
+          <a:p>
+            <a:r>
+              <a:rPr lang="en-US" sz="1100" b="1" dirty="0">
+                <a:solidFill>
+                  <a:schemeClr val="tx1"/>
+                </a:solidFill>
+                <a:latin typeface="Arial" panose="020B0604020202020204" pitchFamily="34" charset="0"/>
+                <a:cs typeface="Arial" panose="020B0604020202020204" pitchFamily="34" charset="0"/>
+              </a:rPr>
+              <a:t>region-1</a:t>
+            </a:r>
+          </a:p>
+        </p:txBody>
+      </p:sp>
+      <p:sp>
+        <p:nvSpPr>
+          <p:cNvPr id="77" name="Rectangle 76">
+            <a:extLst>
+              <a:ext uri="{FF2B5EF4-FFF2-40B4-BE49-F238E27FC236}">
+                <a16:creationId xmlns:a16="http://schemas.microsoft.com/office/drawing/2014/main" id="{F8D4F985-E6E9-5549-A25C-5A12494BB983}"/>
+              </a:ext>
+            </a:extLst>
+          </p:cNvPr>
+          <p:cNvSpPr/>
+          <p:nvPr/>
+        </p:nvSpPr>
+        <p:spPr>
+          <a:xfrm>
+            <a:off x="8733041" y="4476133"/>
+            <a:ext cx="1637540" cy="1514288"/>
+          </a:xfrm>
+          <a:prstGeom prst="rect">
+            <a:avLst/>
+          </a:prstGeom>
+          <a:noFill/>
+          <a:ln w="12700">
+            <a:solidFill>
+              <a:schemeClr val="tx1"/>
+            </a:solidFill>
+            <a:prstDash val="dash"/>
+          </a:ln>
+        </p:spPr>
+        <p:style>
+          <a:lnRef idx="2">
+            <a:schemeClr val="accent1">
+              <a:shade val="50000"/>
+            </a:schemeClr>
+          </a:lnRef>
+          <a:fillRef idx="1">
+            <a:schemeClr val="accent1"/>
+          </a:fillRef>
+          <a:effectRef idx="0">
+            <a:schemeClr val="accent1"/>
+          </a:effectRef>
+          <a:fontRef idx="minor">
+            <a:schemeClr val="lt1"/>
+          </a:fontRef>
+        </p:style>
+        <p:txBody>
+          <a:bodyPr rot="0" spcFirstLastPara="0" vertOverflow="overflow" horzOverflow="overflow" vert="horz" wrap="square" lIns="91440" tIns="0" rIns="91440" bIns="45720" numCol="1" spcCol="0" rtlCol="0" fromWordArt="0" anchor="t" anchorCtr="0" forceAA="0" compatLnSpc="1">
+            <a:noAutofit/>
+          </a:bodyPr>
+          <a:lstStyle/>
+          <a:p>
+            <a:r>
+              <a:rPr lang="en-US" sz="1100" b="1" dirty="0">
+                <a:solidFill>
+                  <a:schemeClr val="tx1"/>
+                </a:solidFill>
+                <a:latin typeface="Arial" panose="020B0604020202020204" pitchFamily="34" charset="0"/>
+                <a:cs typeface="Arial" panose="020B0604020202020204" pitchFamily="34" charset="0"/>
+              </a:rPr>
+              <a:t>region-2</a:t>
+            </a:r>
+          </a:p>
+        </p:txBody>
+      </p:sp>
+      <p:sp>
+        <p:nvSpPr>
+          <p:cNvPr id="78" name="Rectangle 77">
+            <a:extLst>
+              <a:ext uri="{FF2B5EF4-FFF2-40B4-BE49-F238E27FC236}">
+                <a16:creationId xmlns:a16="http://schemas.microsoft.com/office/drawing/2014/main" id="{1FB5541E-D00D-344E-87C9-3BC115EAEA59}"/>
+              </a:ext>
+            </a:extLst>
+          </p:cNvPr>
+          <p:cNvSpPr/>
+          <p:nvPr/>
+        </p:nvSpPr>
+        <p:spPr>
+          <a:xfrm>
+            <a:off x="8869310" y="4711924"/>
+            <a:ext cx="1501271" cy="1278497"/>
+          </a:xfrm>
+          <a:prstGeom prst="rect">
+            <a:avLst/>
+          </a:prstGeom>
+          <a:noFill/>
+          <a:ln w="12700">
+            <a:solidFill>
+              <a:schemeClr val="tx1"/>
+            </a:solidFill>
+            <a:prstDash val="dash"/>
+          </a:ln>
+        </p:spPr>
+        <p:style>
+          <a:lnRef idx="2">
+            <a:schemeClr val="accent1">
+              <a:shade val="50000"/>
+            </a:schemeClr>
+          </a:lnRef>
+          <a:fillRef idx="1">
+            <a:schemeClr val="accent1"/>
+          </a:fillRef>
+          <a:effectRef idx="0">
+            <a:schemeClr val="accent1"/>
+          </a:effectRef>
+          <a:fontRef idx="minor">
+            <a:schemeClr val="lt1"/>
+          </a:fontRef>
+        </p:style>
+        <p:txBody>
+          <a:bodyPr rot="0" spcFirstLastPara="0" vertOverflow="overflow" horzOverflow="overflow" vert="horz" wrap="square" lIns="91440" tIns="0" rIns="91440" bIns="45720" numCol="1" spcCol="0" rtlCol="0" fromWordArt="0" anchor="t" anchorCtr="0" forceAA="0" compatLnSpc="1">
+            <a:noAutofit/>
+          </a:bodyPr>
+          <a:lstStyle/>
+          <a:p>
+            <a:r>
+              <a:rPr lang="en-US" sz="1100" b="1" dirty="0">
+                <a:solidFill>
+                  <a:schemeClr val="tx1"/>
+                </a:solidFill>
+                <a:latin typeface="Arial" panose="020B0604020202020204" pitchFamily="34" charset="0"/>
+                <a:cs typeface="Arial" panose="020B0604020202020204" pitchFamily="34" charset="0"/>
+              </a:rPr>
+              <a:t>region-n</a:t>
+            </a:r>
+          </a:p>
+        </p:txBody>
+      </p:sp>
+      <p:sp>
+        <p:nvSpPr>
+          <p:cNvPr id="79" name="TextBox 30">
+            <a:extLst>
+              <a:ext uri="{FF2B5EF4-FFF2-40B4-BE49-F238E27FC236}">
+                <a16:creationId xmlns:a16="http://schemas.microsoft.com/office/drawing/2014/main" id="{3BDD8CC6-7921-294D-B374-F22A339E6145}"/>
+              </a:ext>
+            </a:extLst>
+          </p:cNvPr>
+          <p:cNvSpPr txBox="1">
+            <a:spLocks noChangeArrowheads="1"/>
+          </p:cNvSpPr>
+          <p:nvPr/>
+        </p:nvSpPr>
+        <p:spPr bwMode="auto">
+          <a:xfrm>
+            <a:off x="8832755" y="5443517"/>
+            <a:ext cx="1554162" cy="430887"/>
+          </a:xfrm>
+          <a:prstGeom prst="rect">
+            <a:avLst/>
+          </a:prstGeom>
+          <a:noFill/>
+          <a:ln>
+            <a:noFill/>
+          </a:ln>
+          <a:extLst>
+            <a:ext uri="{909E8E84-426E-40DD-AFC4-6F175D3DCCD1}">
+              <a14:hiddenFill xmlns:a14="http://schemas.microsoft.com/office/drawing/2010/main">
+                <a:solidFill>
+                  <a:srgbClr val="FFFFFF"/>
+                </a:solidFill>
+              </a14:hiddenFill>
+            </a:ext>
+            <a:ext uri="{91240B29-F687-4F45-9708-019B960494DF}">
+              <a14:hiddenLine xmlns:a14="http://schemas.microsoft.com/office/drawing/2010/main" w="9525">
+                <a:solidFill>
+                  <a:srgbClr val="000000"/>
+                </a:solidFill>
+                <a:miter lim="800000"/>
+                <a:headEnd/>
+                <a:tailEnd/>
+              </a14:hiddenLine>
+            </a:ext>
+          </a:extLst>
+        </p:spPr>
+        <p:txBody>
+          <a:bodyPr wrap="square">
+            <a:spAutoFit/>
+          </a:bodyPr>
+          <a:lstStyle>
+            <a:lvl1pPr>
+              <a:defRPr>
+                <a:solidFill>
+                  <a:schemeClr val="tx1"/>
+                </a:solidFill>
+                <a:latin typeface="Calibri" panose="020F0502020204030204" pitchFamily="34" charset="0"/>
+              </a:defRPr>
+            </a:lvl1pPr>
+            <a:lvl2pPr marL="742950" indent="-285750">
+              <a:defRPr>
+                <a:solidFill>
+                  <a:schemeClr val="tx1"/>
+                </a:solidFill>
+                <a:latin typeface="Calibri" panose="020F0502020204030204" pitchFamily="34" charset="0"/>
+              </a:defRPr>
+            </a:lvl2pPr>
+            <a:lvl3pPr marL="1143000" indent="-228600">
+              <a:defRPr>
+                <a:solidFill>
+                  <a:schemeClr val="tx1"/>
+                </a:solidFill>
+                <a:latin typeface="Calibri" panose="020F0502020204030204" pitchFamily="34" charset="0"/>
+              </a:defRPr>
+            </a:lvl3pPr>
+            <a:lvl4pPr marL="1600200" indent="-228600">
+              <a:defRPr>
+                <a:solidFill>
+                  <a:schemeClr val="tx1"/>
+                </a:solidFill>
+                <a:latin typeface="Calibri" panose="020F0502020204030204" pitchFamily="34" charset="0"/>
+              </a:defRPr>
+            </a:lvl4pPr>
+            <a:lvl5pPr marL="2057400" indent="-228600">
+              <a:defRPr>
+                <a:solidFill>
+                  <a:schemeClr val="tx1"/>
+                </a:solidFill>
+                <a:latin typeface="Calibri" panose="020F0502020204030204" pitchFamily="34" charset="0"/>
+              </a:defRPr>
+            </a:lvl5pPr>
+            <a:lvl6pPr marL="2514600" indent="-228600" eaLnBrk="0" fontAlgn="base" hangingPunct="0">
+              <a:spcBef>
+                <a:spcPct val="0"/>
+              </a:spcBef>
+              <a:spcAft>
+                <a:spcPct val="0"/>
+              </a:spcAft>
+              <a:defRPr>
+                <a:solidFill>
+                  <a:schemeClr val="tx1"/>
+                </a:solidFill>
+                <a:latin typeface="Calibri" panose="020F0502020204030204" pitchFamily="34" charset="0"/>
+              </a:defRPr>
+            </a:lvl6pPr>
+            <a:lvl7pPr marL="2971800" indent="-228600" eaLnBrk="0" fontAlgn="base" hangingPunct="0">
+              <a:spcBef>
+                <a:spcPct val="0"/>
+              </a:spcBef>
+              <a:spcAft>
+                <a:spcPct val="0"/>
+              </a:spcAft>
+              <a:defRPr>
+                <a:solidFill>
+                  <a:schemeClr val="tx1"/>
+                </a:solidFill>
+                <a:latin typeface="Calibri" panose="020F0502020204030204" pitchFamily="34" charset="0"/>
+              </a:defRPr>
+            </a:lvl7pPr>
+            <a:lvl8pPr marL="3429000" indent="-228600" eaLnBrk="0" fontAlgn="base" hangingPunct="0">
+              <a:spcBef>
+                <a:spcPct val="0"/>
+              </a:spcBef>
+              <a:spcAft>
+                <a:spcPct val="0"/>
+              </a:spcAft>
+              <a:defRPr>
+                <a:solidFill>
+                  <a:schemeClr val="tx1"/>
+                </a:solidFill>
+                <a:latin typeface="Calibri" panose="020F0502020204030204" pitchFamily="34" charset="0"/>
+              </a:defRPr>
+            </a:lvl8pPr>
+            <a:lvl9pPr marL="3886200" indent="-228600" eaLnBrk="0" fontAlgn="base" hangingPunct="0">
+              <a:spcBef>
+                <a:spcPct val="0"/>
+              </a:spcBef>
+              <a:spcAft>
+                <a:spcPct val="0"/>
+              </a:spcAft>
+              <a:defRPr>
+                <a:solidFill>
+                  <a:schemeClr val="tx1"/>
+                </a:solidFill>
+                <a:latin typeface="Calibri" panose="020F0502020204030204" pitchFamily="34" charset="0"/>
+              </a:defRPr>
+            </a:lvl9pPr>
+          </a:lstStyle>
+          <a:p>
+            <a:pPr algn="ctr" eaLnBrk="1" hangingPunct="1"/>
+            <a:r>
+              <a:rPr lang="en-US" altLang="en-US" sz="1100" dirty="0">
+                <a:latin typeface="Arial" panose="020B0604020202020204" pitchFamily="34" charset="0"/>
+                <a:ea typeface="Amazon Ember" panose="020B0603020204020204" pitchFamily="34" charset="0"/>
+                <a:cs typeface="Arial" panose="020B0604020202020204" pitchFamily="34" charset="0"/>
+              </a:rPr>
+              <a:t>Account</a:t>
+            </a:r>
+          </a:p>
+          <a:p>
+            <a:pPr algn="ctr" eaLnBrk="1" hangingPunct="1"/>
+            <a:r>
+              <a:rPr lang="en-US" altLang="en-US" sz="1100" dirty="0">
+                <a:latin typeface="Arial" panose="020B0604020202020204" pitchFamily="34" charset="0"/>
+                <a:ea typeface="Amazon Ember" panose="020B0603020204020204" pitchFamily="34" charset="0"/>
+                <a:cs typeface="Arial" panose="020B0604020202020204" pitchFamily="34" charset="0"/>
+              </a:rPr>
+              <a:t>Access Analyzer</a:t>
+            </a:r>
+          </a:p>
+        </p:txBody>
+      </p:sp>
+      <p:pic>
+        <p:nvPicPr>
+          <p:cNvPr id="80" name="Graphic 51">
+            <a:extLst>
+              <a:ext uri="{FF2B5EF4-FFF2-40B4-BE49-F238E27FC236}">
+                <a16:creationId xmlns:a16="http://schemas.microsoft.com/office/drawing/2014/main" id="{5F4A0F35-68A9-1F40-B7C8-90539CCB852A}"/>
+              </a:ext>
+            </a:extLst>
+          </p:cNvPr>
+          <p:cNvPicPr>
+            <a:picLocks noChangeAspect="1" noChangeArrowheads="1"/>
+          </p:cNvPicPr>
+          <p:nvPr/>
+        </p:nvPicPr>
+        <p:blipFill>
+          <a:blip r:embed="rId7">
+            <a:extLst>
+              <a:ext uri="{28A0092B-C50C-407E-A947-70E740481C1C}">
+                <a14:useLocalDpi xmlns:a14="http://schemas.microsoft.com/office/drawing/2010/main" val="0"/>
+              </a:ext>
+            </a:extLst>
+          </a:blip>
+          <a:srcRect/>
+          <a:stretch>
+            <a:fillRect/>
+          </a:stretch>
+        </p:blipFill>
+        <p:spPr bwMode="auto">
+          <a:xfrm>
+            <a:off x="9347438" y="5039577"/>
+            <a:ext cx="457200" cy="457200"/>
+          </a:xfrm>
+          <a:prstGeom prst="rect">
+            <a:avLst/>
+          </a:prstGeom>
+          <a:noFill/>
+          <a:ln>
+            <a:noFill/>
+          </a:ln>
+          <a:extLst>
+            <a:ext uri="{909E8E84-426E-40DD-AFC4-6F175D3DCCD1}">
+              <a14:hiddenFill xmlns:a14="http://schemas.microsoft.com/office/drawing/2010/main">
+                <a:solidFill>
+                  <a:srgbClr val="FFFFFF"/>
+                </a:solidFill>
+              </a14:hiddenFill>
+            </a:ext>
+            <a:ext uri="{91240B29-F687-4F45-9708-019B960494DF}">
+              <a14:hiddenLine xmlns:a14="http://schemas.microsoft.com/office/drawing/2010/main" w="9525">
+                <a:solidFill>
+                  <a:srgbClr val="000000"/>
+                </a:solidFill>
+                <a:miter lim="800000"/>
+                <a:headEnd/>
+                <a:tailEnd/>
+              </a14:hiddenLine>
+            </a:ext>
+          </a:extLst>
+        </p:spPr>
+      </p:pic>
+      <p:sp>
+        <p:nvSpPr>
+          <p:cNvPr id="81" name="Oval 80">
+            <a:extLst>
+              <a:ext uri="{FF2B5EF4-FFF2-40B4-BE49-F238E27FC236}">
+                <a16:creationId xmlns:a16="http://schemas.microsoft.com/office/drawing/2014/main" id="{9DC778C3-BE80-274B-9408-65440E202260}"/>
+              </a:ext>
+            </a:extLst>
+          </p:cNvPr>
+          <p:cNvSpPr/>
+          <p:nvPr/>
+        </p:nvSpPr>
+        <p:spPr>
+          <a:xfrm>
+            <a:off x="9070646" y="5177355"/>
             <a:ext cx="253435" cy="212902"/>
           </a:xfrm>
           <a:prstGeom prst="ellipse">
@@ -7309,7 +7178,7 @@
                 <a:latin typeface="Arial" panose="020B0604020202020204" pitchFamily="34" charset="0"/>
                 <a:cs typeface="Arial" panose="020B0604020202020204" pitchFamily="34" charset="0"/>
               </a:rPr>
-              <a:t>1.3</a:t>
+              <a:t>3.2</a:t>
             </a:r>
           </a:p>
         </p:txBody>

--- a/aws_sra_examples/solutions/iam/iam_access_analyzer/documentation/iam-access-analyzer.pptx
+++ b/aws_sra_examples/solutions/iam/iam_access_analyzer/documentation/iam-access-analyzer.pptx
@@ -5,10 +5,11 @@
     <p:sldMasterId id="2147483648" r:id="rId1"/>
   </p:sldMasterIdLst>
   <p:notesMasterIdLst>
-    <p:notesMasterId r:id="rId3"/>
+    <p:notesMasterId r:id="rId4"/>
   </p:notesMasterIdLst>
   <p:sldIdLst>
     <p:sldId id="256" r:id="rId2"/>
+    <p:sldId id="257" r:id="rId3"/>
   </p:sldIdLst>
   <p:sldSz cx="12192000" cy="6858000"/>
   <p:notesSz cx="6858000" cy="9144000"/>
@@ -108,6 +109,20 @@
     </a:lvl9pPr>
   </p:defaultTextStyle>
   <p:extLst>
+    <p:ext uri="{521415D9-36F7-43E2-AB2F-B90AF26B5E84}">
+      <p14:sectionLst xmlns:p14="http://schemas.microsoft.com/office/powerpoint/2010/main">
+        <p14:section name="AWS SRA IAM Access Analyzer - CloudFormation" id="{4CAE0E9E-A00B-4DDE-8284-F02909B87891}">
+          <p14:sldIdLst>
+            <p14:sldId id="256"/>
+          </p14:sldIdLst>
+        </p14:section>
+        <p14:section name="AWS SRA IAM Access Analyzer - Terraform" id="{D237E560-D30B-4D9D-AF09-0B1EDB948B7D}">
+          <p14:sldIdLst>
+            <p14:sldId id="257"/>
+          </p14:sldIdLst>
+        </p14:section>
+      </p14:sectionLst>
+    </p:ext>
     <p:ext uri="{EFAFB233-063F-42B5-8137-9DF3F51BA10A}">
       <p15:sldGuideLst xmlns:p15="http://schemas.microsoft.com/office/powerpoint/2012/main"/>
     </p:ext>
@@ -197,7 +212,7 @@
           <a:p>
             <a:fld id="{FD8D84E3-00BA-4A46-8256-7E527D8B4480}" type="datetimeFigureOut">
               <a:rPr lang="en-US" smtClean="0"/>
-              <a:t>3/7/22</a:t>
+              <a:t>2/5/2024</a:t>
             </a:fld>
             <a:endParaRPr lang="en-US"/>
           </a:p>
@@ -548,6 +563,90 @@
 </p:notes>
 </file>
 
+<file path=ppt/notesSlides/notesSlide2.xml><?xml version="1.0" encoding="utf-8"?>
+<p:notes xmlns:a="http://schemas.openxmlformats.org/drawingml/2006/main" xmlns:r="http://schemas.openxmlformats.org/officeDocument/2006/relationships" xmlns:p="http://schemas.openxmlformats.org/presentationml/2006/main">
+  <p:cSld>
+    <p:spTree>
+      <p:nvGrpSpPr>
+        <p:cNvPr id="1" name=""/>
+        <p:cNvGrpSpPr/>
+        <p:nvPr/>
+      </p:nvGrpSpPr>
+      <p:grpSpPr>
+        <a:xfrm>
+          <a:off x="0" y="0"/>
+          <a:ext cx="0" cy="0"/>
+          <a:chOff x="0" y="0"/>
+          <a:chExt cx="0" cy="0"/>
+        </a:xfrm>
+      </p:grpSpPr>
+      <p:sp>
+        <p:nvSpPr>
+          <p:cNvPr id="2" name="Slide Image Placeholder 1"/>
+          <p:cNvSpPr>
+            <a:spLocks noGrp="1" noRot="1" noChangeAspect="1"/>
+          </p:cNvSpPr>
+          <p:nvPr>
+            <p:ph type="sldImg"/>
+          </p:nvPr>
+        </p:nvSpPr>
+        <p:spPr/>
+      </p:sp>
+      <p:sp>
+        <p:nvSpPr>
+          <p:cNvPr id="3" name="Notes Placeholder 2"/>
+          <p:cNvSpPr>
+            <a:spLocks noGrp="1"/>
+          </p:cNvSpPr>
+          <p:nvPr>
+            <p:ph type="body" idx="1"/>
+          </p:nvPr>
+        </p:nvSpPr>
+        <p:spPr/>
+        <p:txBody>
+          <a:bodyPr/>
+          <a:lstStyle/>
+          <a:p>
+            <a:endParaRPr lang="en-US" dirty="0"/>
+          </a:p>
+        </p:txBody>
+      </p:sp>
+      <p:sp>
+        <p:nvSpPr>
+          <p:cNvPr id="4" name="Slide Number Placeholder 3"/>
+          <p:cNvSpPr>
+            <a:spLocks noGrp="1"/>
+          </p:cNvSpPr>
+          <p:nvPr>
+            <p:ph type="sldNum" sz="quarter" idx="5"/>
+          </p:nvPr>
+        </p:nvSpPr>
+        <p:spPr/>
+        <p:txBody>
+          <a:bodyPr/>
+          <a:lstStyle/>
+          <a:p>
+            <a:fld id="{9E1330C4-BBBB-FC4A-85DD-6AFA452BF0C0}" type="slidenum">
+              <a:rPr lang="en-US" smtClean="0"/>
+              <a:t>2</a:t>
+            </a:fld>
+            <a:endParaRPr lang="en-US"/>
+          </a:p>
+        </p:txBody>
+      </p:sp>
+    </p:spTree>
+    <p:extLst>
+      <p:ext uri="{BB962C8B-B14F-4D97-AF65-F5344CB8AC3E}">
+        <p14:creationId xmlns:p14="http://schemas.microsoft.com/office/powerpoint/2010/main" val="27507652"/>
+      </p:ext>
+    </p:extLst>
+  </p:cSld>
+  <p:clrMapOvr>
+    <a:masterClrMapping/>
+  </p:clrMapOvr>
+</p:notes>
+</file>
+
 <file path=ppt/slideLayouts/slideLayout1.xml><?xml version="1.0" encoding="utf-8"?>
 <p:sldLayout xmlns:a="http://schemas.openxmlformats.org/drawingml/2006/main" xmlns:r="http://schemas.openxmlformats.org/officeDocument/2006/relationships" xmlns:p="http://schemas.openxmlformats.org/presentationml/2006/main" type="title" preserve="1">
   <p:cSld name="Title Slide">
@@ -695,7 +794,7 @@
           <a:p>
             <a:fld id="{9FE185F7-9B28-9F45-9F43-9CB5A0B99390}" type="datetimeFigureOut">
               <a:rPr lang="en-US" smtClean="0"/>
-              <a:t>3/7/22</a:t>
+              <a:t>2/5/2024</a:t>
             </a:fld>
             <a:endParaRPr lang="en-US"/>
           </a:p>
@@ -893,7 +992,7 @@
           <a:p>
             <a:fld id="{9FE185F7-9B28-9F45-9F43-9CB5A0B99390}" type="datetimeFigureOut">
               <a:rPr lang="en-US" smtClean="0"/>
-              <a:t>3/7/22</a:t>
+              <a:t>2/5/2024</a:t>
             </a:fld>
             <a:endParaRPr lang="en-US"/>
           </a:p>
@@ -1101,7 +1200,7 @@
           <a:p>
             <a:fld id="{9FE185F7-9B28-9F45-9F43-9CB5A0B99390}" type="datetimeFigureOut">
               <a:rPr lang="en-US" smtClean="0"/>
-              <a:t>3/7/22</a:t>
+              <a:t>2/5/2024</a:t>
             </a:fld>
             <a:endParaRPr lang="en-US"/>
           </a:p>
@@ -1299,7 +1398,7 @@
           <a:p>
             <a:fld id="{9FE185F7-9B28-9F45-9F43-9CB5A0B99390}" type="datetimeFigureOut">
               <a:rPr lang="en-US" smtClean="0"/>
-              <a:t>3/7/22</a:t>
+              <a:t>2/5/2024</a:t>
             </a:fld>
             <a:endParaRPr lang="en-US"/>
           </a:p>
@@ -1574,7 +1673,7 @@
           <a:p>
             <a:fld id="{9FE185F7-9B28-9F45-9F43-9CB5A0B99390}" type="datetimeFigureOut">
               <a:rPr lang="en-US" smtClean="0"/>
-              <a:t>3/7/22</a:t>
+              <a:t>2/5/2024</a:t>
             </a:fld>
             <a:endParaRPr lang="en-US"/>
           </a:p>
@@ -1839,7 +1938,7 @@
           <a:p>
             <a:fld id="{9FE185F7-9B28-9F45-9F43-9CB5A0B99390}" type="datetimeFigureOut">
               <a:rPr lang="en-US" smtClean="0"/>
-              <a:t>3/7/22</a:t>
+              <a:t>2/5/2024</a:t>
             </a:fld>
             <a:endParaRPr lang="en-US"/>
           </a:p>
@@ -2251,7 +2350,7 @@
           <a:p>
             <a:fld id="{9FE185F7-9B28-9F45-9F43-9CB5A0B99390}" type="datetimeFigureOut">
               <a:rPr lang="en-US" smtClean="0"/>
-              <a:t>3/7/22</a:t>
+              <a:t>2/5/2024</a:t>
             </a:fld>
             <a:endParaRPr lang="en-US"/>
           </a:p>
@@ -2392,7 +2491,7 @@
           <a:p>
             <a:fld id="{9FE185F7-9B28-9F45-9F43-9CB5A0B99390}" type="datetimeFigureOut">
               <a:rPr lang="en-US" smtClean="0"/>
-              <a:t>3/7/22</a:t>
+              <a:t>2/5/2024</a:t>
             </a:fld>
             <a:endParaRPr lang="en-US"/>
           </a:p>
@@ -2505,7 +2604,7 @@
           <a:p>
             <a:fld id="{9FE185F7-9B28-9F45-9F43-9CB5A0B99390}" type="datetimeFigureOut">
               <a:rPr lang="en-US" smtClean="0"/>
-              <a:t>3/7/22</a:t>
+              <a:t>2/5/2024</a:t>
             </a:fld>
             <a:endParaRPr lang="en-US"/>
           </a:p>
@@ -2816,7 +2915,7 @@
           <a:p>
             <a:fld id="{9FE185F7-9B28-9F45-9F43-9CB5A0B99390}" type="datetimeFigureOut">
               <a:rPr lang="en-US" smtClean="0"/>
-              <a:t>3/7/22</a:t>
+              <a:t>2/5/2024</a:t>
             </a:fld>
             <a:endParaRPr lang="en-US"/>
           </a:p>
@@ -3104,7 +3203,7 @@
           <a:p>
             <a:fld id="{9FE185F7-9B28-9F45-9F43-9CB5A0B99390}" type="datetimeFigureOut">
               <a:rPr lang="en-US" smtClean="0"/>
-              <a:t>3/7/22</a:t>
+              <a:t>2/5/2024</a:t>
             </a:fld>
             <a:endParaRPr lang="en-US"/>
           </a:p>
@@ -3345,7 +3444,7 @@
           <a:p>
             <a:fld id="{9FE185F7-9B28-9F45-9F43-9CB5A0B99390}" type="datetimeFigureOut">
               <a:rPr lang="en-US" smtClean="0"/>
-              <a:t>3/7/22</a:t>
+              <a:t>2/5/2024</a:t>
             </a:fld>
             <a:endParaRPr lang="en-US"/>
           </a:p>
@@ -7187,6 +7286,3041 @@
     <p:extLst>
       <p:ext uri="{BB962C8B-B14F-4D97-AF65-F5344CB8AC3E}">
         <p14:creationId xmlns:p14="http://schemas.microsoft.com/office/powerpoint/2010/main" val="2296993975"/>
+      </p:ext>
+    </p:extLst>
+  </p:cSld>
+  <p:clrMapOvr>
+    <a:masterClrMapping/>
+  </p:clrMapOvr>
+</p:sld>
+</file>
+
+<file path=ppt/slides/slide2.xml><?xml version="1.0" encoding="utf-8"?>
+<p:sld xmlns:a="http://schemas.openxmlformats.org/drawingml/2006/main" xmlns:r="http://schemas.openxmlformats.org/officeDocument/2006/relationships" xmlns:p="http://schemas.openxmlformats.org/presentationml/2006/main">
+  <p:cSld>
+    <p:spTree>
+      <p:nvGrpSpPr>
+        <p:cNvPr id="1" name=""/>
+        <p:cNvGrpSpPr/>
+        <p:nvPr/>
+      </p:nvGrpSpPr>
+      <p:grpSpPr>
+        <a:xfrm>
+          <a:off x="0" y="0"/>
+          <a:ext cx="0" cy="0"/>
+          <a:chOff x="0" y="0"/>
+          <a:chExt cx="0" cy="0"/>
+        </a:xfrm>
+      </p:grpSpPr>
+      <p:sp>
+        <p:nvSpPr>
+          <p:cNvPr id="125" name="Rectangle 124">
+            <a:extLst>
+              <a:ext uri="{FF2B5EF4-FFF2-40B4-BE49-F238E27FC236}">
+                <a16:creationId xmlns:a16="http://schemas.microsoft.com/office/drawing/2014/main" id="{09FB3F18-5D37-9F42-BE21-657A66F925D2}"/>
+              </a:ext>
+            </a:extLst>
+          </p:cNvPr>
+          <p:cNvSpPr/>
+          <p:nvPr/>
+        </p:nvSpPr>
+        <p:spPr>
+          <a:xfrm>
+            <a:off x="1325530" y="331180"/>
+            <a:ext cx="9540939" cy="6069620"/>
+          </a:xfrm>
+          <a:prstGeom prst="rect">
+            <a:avLst/>
+          </a:prstGeom>
+          <a:solidFill>
+            <a:schemeClr val="bg1"/>
+          </a:solidFill>
+          <a:ln w="12700">
+            <a:solidFill>
+              <a:schemeClr val="tx1"/>
+            </a:solidFill>
+          </a:ln>
+        </p:spPr>
+        <p:style>
+          <a:lnRef idx="2">
+            <a:schemeClr val="accent1">
+              <a:shade val="50000"/>
+            </a:schemeClr>
+          </a:lnRef>
+          <a:fillRef idx="1">
+            <a:schemeClr val="accent1"/>
+          </a:fillRef>
+          <a:effectRef idx="0">
+            <a:schemeClr val="accent1"/>
+          </a:effectRef>
+          <a:fontRef idx="minor">
+            <a:schemeClr val="lt1"/>
+          </a:fontRef>
+        </p:style>
+        <p:txBody>
+          <a:bodyPr rot="0" spcFirstLastPara="0" vert="horz" wrap="square" lIns="457200" tIns="91440" rIns="91440" bIns="45720" numCol="1" spcCol="0" rtlCol="0" fromWordArt="0" anchor="t" anchorCtr="0" forceAA="0" compatLnSpc="1">
+            <a:prstTxWarp prst="textNoShape">
+              <a:avLst/>
+            </a:prstTxWarp>
+            <a:noAutofit/>
+          </a:bodyPr>
+          <a:lstStyle>
+            <a:lvl1pPr>
+              <a:defRPr>
+                <a:solidFill>
+                  <a:schemeClr val="lt1"/>
+                </a:solidFill>
+                <a:latin typeface="+mn-lt"/>
+                <a:ea typeface="+mn-ea"/>
+                <a:cs typeface="+mn-cs"/>
+              </a:defRPr>
+            </a:lvl1pPr>
+            <a:lvl2pPr>
+              <a:defRPr>
+                <a:solidFill>
+                  <a:schemeClr val="lt1"/>
+                </a:solidFill>
+                <a:latin typeface="+mn-lt"/>
+                <a:ea typeface="+mn-ea"/>
+                <a:cs typeface="+mn-cs"/>
+              </a:defRPr>
+            </a:lvl2pPr>
+            <a:lvl3pPr>
+              <a:defRPr>
+                <a:solidFill>
+                  <a:schemeClr val="lt1"/>
+                </a:solidFill>
+                <a:latin typeface="+mn-lt"/>
+                <a:ea typeface="+mn-ea"/>
+                <a:cs typeface="+mn-cs"/>
+              </a:defRPr>
+            </a:lvl3pPr>
+            <a:lvl4pPr>
+              <a:defRPr>
+                <a:solidFill>
+                  <a:schemeClr val="lt1"/>
+                </a:solidFill>
+                <a:latin typeface="+mn-lt"/>
+                <a:ea typeface="+mn-ea"/>
+                <a:cs typeface="+mn-cs"/>
+              </a:defRPr>
+            </a:lvl4pPr>
+            <a:lvl5pPr>
+              <a:defRPr>
+                <a:solidFill>
+                  <a:schemeClr val="lt1"/>
+                </a:solidFill>
+                <a:latin typeface="+mn-lt"/>
+                <a:ea typeface="+mn-ea"/>
+                <a:cs typeface="+mn-cs"/>
+              </a:defRPr>
+            </a:lvl5pPr>
+            <a:lvl6pPr>
+              <a:defRPr>
+                <a:solidFill>
+                  <a:schemeClr val="lt1"/>
+                </a:solidFill>
+                <a:latin typeface="+mn-lt"/>
+                <a:ea typeface="+mn-ea"/>
+                <a:cs typeface="+mn-cs"/>
+              </a:defRPr>
+            </a:lvl6pPr>
+            <a:lvl7pPr>
+              <a:defRPr>
+                <a:solidFill>
+                  <a:schemeClr val="lt1"/>
+                </a:solidFill>
+                <a:latin typeface="+mn-lt"/>
+                <a:ea typeface="+mn-ea"/>
+                <a:cs typeface="+mn-cs"/>
+              </a:defRPr>
+            </a:lvl7pPr>
+            <a:lvl8pPr>
+              <a:defRPr>
+                <a:solidFill>
+                  <a:schemeClr val="lt1"/>
+                </a:solidFill>
+                <a:latin typeface="+mn-lt"/>
+                <a:ea typeface="+mn-ea"/>
+                <a:cs typeface="+mn-cs"/>
+              </a:defRPr>
+            </a:lvl8pPr>
+            <a:lvl9pPr>
+              <a:defRPr>
+                <a:solidFill>
+                  <a:schemeClr val="lt1"/>
+                </a:solidFill>
+                <a:latin typeface="+mn-lt"/>
+                <a:ea typeface="+mn-ea"/>
+                <a:cs typeface="+mn-cs"/>
+              </a:defRPr>
+            </a:lvl9pPr>
+          </a:lstStyle>
+          <a:p>
+            <a:pPr algn="l"/>
+            <a:r>
+              <a:rPr lang="en-US" sz="1400" dirty="0">
+                <a:solidFill>
+                  <a:sysClr val="windowText" lastClr="000000"/>
+                </a:solidFill>
+                <a:latin typeface="Arial" panose="020B0604020202020204" pitchFamily="34" charset="0"/>
+                <a:cs typeface="Arial" panose="020B0604020202020204" pitchFamily="34" charset="0"/>
+              </a:rPr>
+              <a:t>AWS Cloud</a:t>
+            </a:r>
+          </a:p>
+        </p:txBody>
+      </p:sp>
+      <p:sp>
+        <p:nvSpPr>
+          <p:cNvPr id="129" name="Rectangle 128">
+            <a:extLst>
+              <a:ext uri="{FF2B5EF4-FFF2-40B4-BE49-F238E27FC236}">
+                <a16:creationId xmlns:a16="http://schemas.microsoft.com/office/drawing/2014/main" id="{FB73AA4D-BE37-B546-8168-72555838077A}"/>
+              </a:ext>
+            </a:extLst>
+          </p:cNvPr>
+          <p:cNvSpPr/>
+          <p:nvPr/>
+        </p:nvSpPr>
+        <p:spPr>
+          <a:xfrm>
+            <a:off x="3706858" y="663814"/>
+            <a:ext cx="4719295" cy="2601671"/>
+          </a:xfrm>
+          <a:prstGeom prst="rect">
+            <a:avLst/>
+          </a:prstGeom>
+          <a:noFill/>
+          <a:ln w="12700">
+            <a:solidFill>
+              <a:schemeClr val="tx1"/>
+            </a:solidFill>
+            <a:prstDash val="solid"/>
+          </a:ln>
+        </p:spPr>
+        <p:style>
+          <a:lnRef idx="2">
+            <a:schemeClr val="accent1">
+              <a:shade val="50000"/>
+            </a:schemeClr>
+          </a:lnRef>
+          <a:fillRef idx="1">
+            <a:schemeClr val="accent1"/>
+          </a:fillRef>
+          <a:effectRef idx="0">
+            <a:schemeClr val="accent1"/>
+          </a:effectRef>
+          <a:fontRef idx="minor">
+            <a:schemeClr val="lt1"/>
+          </a:fontRef>
+        </p:style>
+        <p:txBody>
+          <a:bodyPr rot="0" spcFirstLastPara="0" vertOverflow="overflow" horzOverflow="overflow" vert="horz" wrap="square" lIns="91440" tIns="91440" rIns="91440" bIns="45720" numCol="1" spcCol="0" rtlCol="0" fromWordArt="0" anchor="t" anchorCtr="0" forceAA="0" compatLnSpc="1">
+            <a:prstTxWarp prst="textNoShape">
+              <a:avLst/>
+            </a:prstTxWarp>
+            <a:noAutofit/>
+          </a:bodyPr>
+          <a:lstStyle/>
+          <a:p>
+            <a:pPr algn="ctr"/>
+            <a:r>
+              <a:rPr lang="en-US" sz="1400" dirty="0">
+                <a:solidFill>
+                  <a:schemeClr val="tx1"/>
+                </a:solidFill>
+                <a:latin typeface="Arial" panose="020B0604020202020204" pitchFamily="34" charset="0"/>
+                <a:cs typeface="Arial" panose="020B0604020202020204" pitchFamily="34" charset="0"/>
+              </a:rPr>
+              <a:t>Organization Management Account</a:t>
+            </a:r>
+          </a:p>
+        </p:txBody>
+      </p:sp>
+      <p:pic>
+        <p:nvPicPr>
+          <p:cNvPr id="126" name="Graphic 2">
+            <a:extLst>
+              <a:ext uri="{FF2B5EF4-FFF2-40B4-BE49-F238E27FC236}">
+                <a16:creationId xmlns:a16="http://schemas.microsoft.com/office/drawing/2014/main" id="{F04267D0-7955-2C4A-842B-D8A3A9599CC0}"/>
+              </a:ext>
+            </a:extLst>
+          </p:cNvPr>
+          <p:cNvPicPr>
+            <a:picLocks noChangeAspect="1"/>
+          </p:cNvPicPr>
+          <p:nvPr/>
+        </p:nvPicPr>
+        <p:blipFill>
+          <a:blip r:embed="rId3">
+            <a:extLst>
+              <a:ext uri="{96DAC541-7B7A-43D3-8B79-37D633B846F1}">
+                <asvg:svgBlip xmlns:asvg="http://schemas.microsoft.com/office/drawing/2016/SVG/main" r:embed="rId4"/>
+              </a:ext>
+            </a:extLst>
+          </a:blip>
+          <a:stretch>
+            <a:fillRect/>
+          </a:stretch>
+        </p:blipFill>
+        <p:spPr>
+          <a:xfrm>
+            <a:off x="1325529" y="331179"/>
+            <a:ext cx="330200" cy="330200"/>
+          </a:xfrm>
+          <a:prstGeom prst="rect">
+            <a:avLst/>
+          </a:prstGeom>
+        </p:spPr>
+      </p:pic>
+      <p:sp>
+        <p:nvSpPr>
+          <p:cNvPr id="127" name="Rectangle 126">
+            <a:extLst>
+              <a:ext uri="{FF2B5EF4-FFF2-40B4-BE49-F238E27FC236}">
+                <a16:creationId xmlns:a16="http://schemas.microsoft.com/office/drawing/2014/main" id="{7B8BF6E7-84AF-DE4E-9817-454F0E8CE80F}"/>
+              </a:ext>
+            </a:extLst>
+          </p:cNvPr>
+          <p:cNvSpPr/>
+          <p:nvPr/>
+        </p:nvSpPr>
+        <p:spPr>
+          <a:xfrm>
+            <a:off x="1485954" y="3373039"/>
+            <a:ext cx="5537212" cy="2885183"/>
+          </a:xfrm>
+          <a:prstGeom prst="rect">
+            <a:avLst/>
+          </a:prstGeom>
+          <a:noFill/>
+          <a:ln w="12700">
+            <a:solidFill>
+              <a:schemeClr val="tx1"/>
+            </a:solidFill>
+            <a:prstDash val="solid"/>
+          </a:ln>
+        </p:spPr>
+        <p:style>
+          <a:lnRef idx="2">
+            <a:schemeClr val="accent1">
+              <a:shade val="50000"/>
+            </a:schemeClr>
+          </a:lnRef>
+          <a:fillRef idx="1">
+            <a:schemeClr val="accent1"/>
+          </a:fillRef>
+          <a:effectRef idx="0">
+            <a:schemeClr val="accent1"/>
+          </a:effectRef>
+          <a:fontRef idx="minor">
+            <a:schemeClr val="lt1"/>
+          </a:fontRef>
+        </p:style>
+        <p:txBody>
+          <a:bodyPr rot="0" spcFirstLastPara="0" vertOverflow="overflow" horzOverflow="overflow" vert="horz" wrap="square" lIns="91440" tIns="91440" rIns="91440" bIns="45720" numCol="1" spcCol="0" rtlCol="0" fromWordArt="0" anchor="t" anchorCtr="0" forceAA="0" compatLnSpc="1">
+            <a:prstTxWarp prst="textNoShape">
+              <a:avLst/>
+            </a:prstTxWarp>
+            <a:noAutofit/>
+          </a:bodyPr>
+          <a:lstStyle/>
+          <a:p>
+            <a:pPr algn="ctr"/>
+            <a:r>
+              <a:rPr lang="en-US" sz="1400" dirty="0">
+                <a:solidFill>
+                  <a:schemeClr val="tx1"/>
+                </a:solidFill>
+                <a:latin typeface="Arial" panose="020B0604020202020204" pitchFamily="34" charset="0"/>
+                <a:cs typeface="Arial" panose="020B0604020202020204" pitchFamily="34" charset="0"/>
+              </a:rPr>
+              <a:t>Audit Account</a:t>
+            </a:r>
+          </a:p>
+          <a:p>
+            <a:pPr algn="ctr"/>
+            <a:r>
+              <a:rPr lang="en-US" sz="1200" dirty="0">
+                <a:solidFill>
+                  <a:schemeClr val="tx1"/>
+                </a:solidFill>
+                <a:latin typeface="Arial" panose="020B0604020202020204" pitchFamily="34" charset="0"/>
+                <a:cs typeface="Arial" panose="020B0604020202020204" pitchFamily="34" charset="0"/>
+              </a:rPr>
+              <a:t>OU: Security</a:t>
+            </a:r>
+          </a:p>
+        </p:txBody>
+      </p:sp>
+      <p:sp>
+        <p:nvSpPr>
+          <p:cNvPr id="128" name="Rectangle 127">
+            <a:extLst>
+              <a:ext uri="{FF2B5EF4-FFF2-40B4-BE49-F238E27FC236}">
+                <a16:creationId xmlns:a16="http://schemas.microsoft.com/office/drawing/2014/main" id="{747041A4-100F-0D48-87F9-E63DDDFD96C6}"/>
+              </a:ext>
+            </a:extLst>
+          </p:cNvPr>
+          <p:cNvSpPr/>
+          <p:nvPr/>
+        </p:nvSpPr>
+        <p:spPr>
+          <a:xfrm>
+            <a:off x="7158863" y="3373039"/>
+            <a:ext cx="3546832" cy="2885183"/>
+          </a:xfrm>
+          <a:prstGeom prst="rect">
+            <a:avLst/>
+          </a:prstGeom>
+          <a:noFill/>
+          <a:ln w="12700">
+            <a:solidFill>
+              <a:schemeClr val="tx1"/>
+            </a:solidFill>
+            <a:prstDash val="solid"/>
+          </a:ln>
+        </p:spPr>
+        <p:style>
+          <a:lnRef idx="2">
+            <a:schemeClr val="accent1">
+              <a:shade val="50000"/>
+            </a:schemeClr>
+          </a:lnRef>
+          <a:fillRef idx="1">
+            <a:schemeClr val="accent1"/>
+          </a:fillRef>
+          <a:effectRef idx="0">
+            <a:schemeClr val="accent1"/>
+          </a:effectRef>
+          <a:fontRef idx="minor">
+            <a:schemeClr val="lt1"/>
+          </a:fontRef>
+        </p:style>
+        <p:txBody>
+          <a:bodyPr rot="0" spcFirstLastPara="0" vertOverflow="overflow" horzOverflow="overflow" vert="horz" wrap="square" lIns="91440" tIns="91440" rIns="91440" bIns="45720" numCol="1" spcCol="0" rtlCol="0" fromWordArt="0" anchor="t" anchorCtr="0" forceAA="0" compatLnSpc="1">
+            <a:prstTxWarp prst="textNoShape">
+              <a:avLst/>
+            </a:prstTxWarp>
+            <a:noAutofit/>
+          </a:bodyPr>
+          <a:lstStyle/>
+          <a:p>
+            <a:pPr algn="ctr"/>
+            <a:r>
+              <a:rPr lang="en-US" sz="1400" dirty="0">
+                <a:solidFill>
+                  <a:schemeClr val="tx1"/>
+                </a:solidFill>
+                <a:latin typeface="Arial" panose="020B0604020202020204" pitchFamily="34" charset="0"/>
+                <a:cs typeface="Arial" panose="020B0604020202020204" pitchFamily="34" charset="0"/>
+              </a:rPr>
+              <a:t>All Existing and Future </a:t>
+            </a:r>
+          </a:p>
+          <a:p>
+            <a:pPr algn="ctr"/>
+            <a:r>
+              <a:rPr lang="en-US" sz="1400" dirty="0">
+                <a:solidFill>
+                  <a:schemeClr val="tx1"/>
+                </a:solidFill>
+                <a:latin typeface="Arial" panose="020B0604020202020204" pitchFamily="34" charset="0"/>
+                <a:cs typeface="Arial" panose="020B0604020202020204" pitchFamily="34" charset="0"/>
+              </a:rPr>
+              <a:t>Organization Member Accounts</a:t>
+            </a:r>
+          </a:p>
+        </p:txBody>
+      </p:sp>
+      <p:sp>
+        <p:nvSpPr>
+          <p:cNvPr id="153" name="Rectangle 152">
+            <a:extLst>
+              <a:ext uri="{FF2B5EF4-FFF2-40B4-BE49-F238E27FC236}">
+                <a16:creationId xmlns:a16="http://schemas.microsoft.com/office/drawing/2014/main" id="{CB91CC3D-9B41-4F4E-A36E-8EBAE5690590}"/>
+              </a:ext>
+            </a:extLst>
+          </p:cNvPr>
+          <p:cNvSpPr/>
+          <p:nvPr/>
+        </p:nvSpPr>
+        <p:spPr>
+          <a:xfrm>
+            <a:off x="3855071" y="1075985"/>
+            <a:ext cx="4447898" cy="2049905"/>
+          </a:xfrm>
+          <a:prstGeom prst="rect">
+            <a:avLst/>
+          </a:prstGeom>
+          <a:noFill/>
+          <a:ln w="12700">
+            <a:solidFill>
+              <a:schemeClr val="tx1"/>
+            </a:solidFill>
+            <a:prstDash val="dash"/>
+          </a:ln>
+        </p:spPr>
+        <p:style>
+          <a:lnRef idx="2">
+            <a:schemeClr val="accent1">
+              <a:shade val="50000"/>
+            </a:schemeClr>
+          </a:lnRef>
+          <a:fillRef idx="1">
+            <a:schemeClr val="accent1"/>
+          </a:fillRef>
+          <a:effectRef idx="0">
+            <a:schemeClr val="accent1"/>
+          </a:effectRef>
+          <a:fontRef idx="minor">
+            <a:schemeClr val="lt1"/>
+          </a:fontRef>
+        </p:style>
+        <p:txBody>
+          <a:bodyPr rot="0" spcFirstLastPara="0" vertOverflow="overflow" horzOverflow="overflow" vert="horz" wrap="square" lIns="91440" tIns="0" rIns="91440" bIns="45720" numCol="1" spcCol="0" rtlCol="0" fromWordArt="0" anchor="t" anchorCtr="0" forceAA="0" compatLnSpc="1">
+            <a:prstTxWarp prst="textNoShape">
+              <a:avLst/>
+            </a:prstTxWarp>
+            <a:noAutofit/>
+          </a:bodyPr>
+          <a:lstStyle/>
+          <a:p>
+            <a:r>
+              <a:rPr lang="en-US" sz="1100" b="1" dirty="0">
+                <a:solidFill>
+                  <a:schemeClr val="tx1"/>
+                </a:solidFill>
+                <a:latin typeface="Arial" panose="020B0604020202020204" pitchFamily="34" charset="0"/>
+                <a:cs typeface="Arial" panose="020B0604020202020204" pitchFamily="34" charset="0"/>
+              </a:rPr>
+              <a:t>Home-region</a:t>
+            </a:r>
+          </a:p>
+        </p:txBody>
+      </p:sp>
+      <p:sp>
+        <p:nvSpPr>
+          <p:cNvPr id="195" name="Rectangle 194">
+            <a:extLst>
+              <a:ext uri="{FF2B5EF4-FFF2-40B4-BE49-F238E27FC236}">
+                <a16:creationId xmlns:a16="http://schemas.microsoft.com/office/drawing/2014/main" id="{F0CA800E-A50B-114F-87E0-3783ED123AB8}"/>
+              </a:ext>
+            </a:extLst>
+          </p:cNvPr>
+          <p:cNvSpPr/>
+          <p:nvPr/>
+        </p:nvSpPr>
+        <p:spPr>
+          <a:xfrm>
+            <a:off x="1655727" y="3902327"/>
+            <a:ext cx="5215247" cy="2210109"/>
+          </a:xfrm>
+          <a:prstGeom prst="rect">
+            <a:avLst/>
+          </a:prstGeom>
+          <a:noFill/>
+          <a:ln w="12700">
+            <a:solidFill>
+              <a:schemeClr val="tx1"/>
+            </a:solidFill>
+            <a:prstDash val="dash"/>
+          </a:ln>
+        </p:spPr>
+        <p:style>
+          <a:lnRef idx="2">
+            <a:schemeClr val="accent1">
+              <a:shade val="50000"/>
+            </a:schemeClr>
+          </a:lnRef>
+          <a:fillRef idx="1">
+            <a:schemeClr val="accent1"/>
+          </a:fillRef>
+          <a:effectRef idx="0">
+            <a:schemeClr val="accent1"/>
+          </a:effectRef>
+          <a:fontRef idx="minor">
+            <a:schemeClr val="lt1"/>
+          </a:fontRef>
+        </p:style>
+        <p:txBody>
+          <a:bodyPr rot="0" spcFirstLastPara="0" vertOverflow="overflow" horzOverflow="overflow" vert="horz" wrap="square" lIns="91440" tIns="0" rIns="91440" bIns="45720" numCol="1" spcCol="0" rtlCol="0" fromWordArt="0" anchor="t" anchorCtr="0" forceAA="0" compatLnSpc="1">
+            <a:prstTxWarp prst="textNoShape">
+              <a:avLst/>
+            </a:prstTxWarp>
+            <a:noAutofit/>
+          </a:bodyPr>
+          <a:lstStyle/>
+          <a:p>
+            <a:r>
+              <a:rPr lang="en-US" sz="1200" b="1" dirty="0">
+                <a:solidFill>
+                  <a:schemeClr val="tx1"/>
+                </a:solidFill>
+                <a:latin typeface="Arial" panose="020B0604020202020204" pitchFamily="34" charset="0"/>
+                <a:cs typeface="Arial" panose="020B0604020202020204" pitchFamily="34" charset="0"/>
+              </a:rPr>
+              <a:t>Home-region</a:t>
+            </a:r>
+          </a:p>
+        </p:txBody>
+      </p:sp>
+      <p:sp>
+        <p:nvSpPr>
+          <p:cNvPr id="226" name="Oval 225">
+            <a:extLst>
+              <a:ext uri="{FF2B5EF4-FFF2-40B4-BE49-F238E27FC236}">
+                <a16:creationId xmlns:a16="http://schemas.microsoft.com/office/drawing/2014/main" id="{B075B0CF-8F6A-3947-BD02-50EB6DA85CEE}"/>
+              </a:ext>
+            </a:extLst>
+          </p:cNvPr>
+          <p:cNvSpPr/>
+          <p:nvPr/>
+        </p:nvSpPr>
+        <p:spPr>
+          <a:xfrm>
+            <a:off x="3728352" y="687760"/>
+            <a:ext cx="253435" cy="212902"/>
+          </a:xfrm>
+          <a:prstGeom prst="ellipse">
+            <a:avLst/>
+          </a:prstGeom>
+          <a:solidFill>
+            <a:schemeClr val="tx1"/>
+          </a:solidFill>
+          <a:ln>
+            <a:solidFill>
+              <a:schemeClr val="tx1"/>
+            </a:solidFill>
+          </a:ln>
+        </p:spPr>
+        <p:style>
+          <a:lnRef idx="2">
+            <a:schemeClr val="accent1">
+              <a:shade val="50000"/>
+            </a:schemeClr>
+          </a:lnRef>
+          <a:fillRef idx="1">
+            <a:schemeClr val="accent1"/>
+          </a:fillRef>
+          <a:effectRef idx="0">
+            <a:schemeClr val="accent1"/>
+          </a:effectRef>
+          <a:fontRef idx="minor">
+            <a:schemeClr val="lt1"/>
+          </a:fontRef>
+        </p:style>
+        <p:txBody>
+          <a:bodyPr lIns="0" tIns="0" rIns="0" bIns="0" rtlCol="0" anchor="ctr"/>
+          <a:lstStyle/>
+          <a:p>
+            <a:pPr algn="ctr"/>
+            <a:r>
+              <a:rPr lang="en-US" sz="800" dirty="0">
+                <a:latin typeface="Arial" panose="020B0604020202020204" pitchFamily="34" charset="0"/>
+                <a:cs typeface="Arial" panose="020B0604020202020204" pitchFamily="34" charset="0"/>
+              </a:rPr>
+              <a:t>1.0</a:t>
+            </a:r>
+          </a:p>
+        </p:txBody>
+      </p:sp>
+      <p:sp>
+        <p:nvSpPr>
+          <p:cNvPr id="232" name="Oval 231">
+            <a:extLst>
+              <a:ext uri="{FF2B5EF4-FFF2-40B4-BE49-F238E27FC236}">
+                <a16:creationId xmlns:a16="http://schemas.microsoft.com/office/drawing/2014/main" id="{9BABBBA8-4173-384F-B7CD-669D9E9EFCCE}"/>
+              </a:ext>
+            </a:extLst>
+          </p:cNvPr>
+          <p:cNvSpPr/>
+          <p:nvPr/>
+        </p:nvSpPr>
+        <p:spPr>
+          <a:xfrm>
+            <a:off x="1514835" y="3403946"/>
+            <a:ext cx="253435" cy="212902"/>
+          </a:xfrm>
+          <a:prstGeom prst="ellipse">
+            <a:avLst/>
+          </a:prstGeom>
+          <a:solidFill>
+            <a:schemeClr val="tx1"/>
+          </a:solidFill>
+          <a:ln>
+            <a:solidFill>
+              <a:schemeClr val="tx1"/>
+            </a:solidFill>
+          </a:ln>
+        </p:spPr>
+        <p:style>
+          <a:lnRef idx="2">
+            <a:schemeClr val="accent1">
+              <a:shade val="50000"/>
+            </a:schemeClr>
+          </a:lnRef>
+          <a:fillRef idx="1">
+            <a:schemeClr val="accent1"/>
+          </a:fillRef>
+          <a:effectRef idx="0">
+            <a:schemeClr val="accent1"/>
+          </a:effectRef>
+          <a:fontRef idx="minor">
+            <a:schemeClr val="lt1"/>
+          </a:fontRef>
+        </p:style>
+        <p:txBody>
+          <a:bodyPr lIns="0" tIns="0" rIns="0" bIns="0" rtlCol="0" anchor="ctr"/>
+          <a:lstStyle/>
+          <a:p>
+            <a:pPr algn="ctr"/>
+            <a:r>
+              <a:rPr lang="en-US" sz="800" dirty="0">
+                <a:latin typeface="Arial" panose="020B0604020202020204" pitchFamily="34" charset="0"/>
+                <a:cs typeface="Arial" panose="020B0604020202020204" pitchFamily="34" charset="0"/>
+              </a:rPr>
+              <a:t>2.0</a:t>
+            </a:r>
+          </a:p>
+        </p:txBody>
+      </p:sp>
+      <p:sp>
+        <p:nvSpPr>
+          <p:cNvPr id="233" name="Oval 232">
+            <a:extLst>
+              <a:ext uri="{FF2B5EF4-FFF2-40B4-BE49-F238E27FC236}">
+                <a16:creationId xmlns:a16="http://schemas.microsoft.com/office/drawing/2014/main" id="{4E5E3A8F-6978-7E4A-B538-0774C0EF83DA}"/>
+              </a:ext>
+            </a:extLst>
+          </p:cNvPr>
+          <p:cNvSpPr/>
+          <p:nvPr/>
+        </p:nvSpPr>
+        <p:spPr>
+          <a:xfrm>
+            <a:off x="7207274" y="3415565"/>
+            <a:ext cx="253435" cy="212902"/>
+          </a:xfrm>
+          <a:prstGeom prst="ellipse">
+            <a:avLst/>
+          </a:prstGeom>
+          <a:solidFill>
+            <a:schemeClr val="tx1"/>
+          </a:solidFill>
+          <a:ln>
+            <a:solidFill>
+              <a:schemeClr val="tx1"/>
+            </a:solidFill>
+          </a:ln>
+        </p:spPr>
+        <p:style>
+          <a:lnRef idx="2">
+            <a:schemeClr val="accent1">
+              <a:shade val="50000"/>
+            </a:schemeClr>
+          </a:lnRef>
+          <a:fillRef idx="1">
+            <a:schemeClr val="accent1"/>
+          </a:fillRef>
+          <a:effectRef idx="0">
+            <a:schemeClr val="accent1"/>
+          </a:effectRef>
+          <a:fontRef idx="minor">
+            <a:schemeClr val="lt1"/>
+          </a:fontRef>
+        </p:style>
+        <p:txBody>
+          <a:bodyPr lIns="0" tIns="0" rIns="0" bIns="0" rtlCol="0" anchor="ctr"/>
+          <a:lstStyle/>
+          <a:p>
+            <a:pPr algn="ctr"/>
+            <a:r>
+              <a:rPr lang="en-US" sz="800" dirty="0">
+                <a:latin typeface="Arial" panose="020B0604020202020204" pitchFamily="34" charset="0"/>
+                <a:cs typeface="Arial" panose="020B0604020202020204" pitchFamily="34" charset="0"/>
+              </a:rPr>
+              <a:t>3.0</a:t>
+            </a:r>
+          </a:p>
+        </p:txBody>
+      </p:sp>
+      <p:sp>
+        <p:nvSpPr>
+          <p:cNvPr id="107" name="Rectangle 106">
+            <a:extLst>
+              <a:ext uri="{FF2B5EF4-FFF2-40B4-BE49-F238E27FC236}">
+                <a16:creationId xmlns:a16="http://schemas.microsoft.com/office/drawing/2014/main" id="{F987F7DF-6CB9-144D-9E1D-1E6008DD66FB}"/>
+              </a:ext>
+            </a:extLst>
+          </p:cNvPr>
+          <p:cNvSpPr/>
+          <p:nvPr/>
+        </p:nvSpPr>
+        <p:spPr>
+          <a:xfrm>
+            <a:off x="7331781" y="3916070"/>
+            <a:ext cx="3213141" cy="2196366"/>
+          </a:xfrm>
+          <a:prstGeom prst="rect">
+            <a:avLst/>
+          </a:prstGeom>
+          <a:noFill/>
+          <a:ln w="12700">
+            <a:solidFill>
+              <a:schemeClr val="tx1"/>
+            </a:solidFill>
+            <a:prstDash val="dash"/>
+          </a:ln>
+        </p:spPr>
+        <p:style>
+          <a:lnRef idx="2">
+            <a:schemeClr val="accent1">
+              <a:shade val="50000"/>
+            </a:schemeClr>
+          </a:lnRef>
+          <a:fillRef idx="1">
+            <a:schemeClr val="accent1"/>
+          </a:fillRef>
+          <a:effectRef idx="0">
+            <a:schemeClr val="accent1"/>
+          </a:effectRef>
+          <a:fontRef idx="minor">
+            <a:schemeClr val="lt1"/>
+          </a:fontRef>
+        </p:style>
+        <p:txBody>
+          <a:bodyPr rot="0" spcFirstLastPara="0" vertOverflow="overflow" horzOverflow="overflow" vert="horz" wrap="square" lIns="91440" tIns="0" rIns="91440" bIns="45720" numCol="1" spcCol="0" rtlCol="0" fromWordArt="0" anchor="t" anchorCtr="0" forceAA="0" compatLnSpc="1">
+            <a:prstTxWarp prst="textNoShape">
+              <a:avLst/>
+            </a:prstTxWarp>
+            <a:noAutofit/>
+          </a:bodyPr>
+          <a:lstStyle/>
+          <a:p>
+            <a:r>
+              <a:rPr lang="en-US" sz="1100" b="1" dirty="0">
+                <a:solidFill>
+                  <a:schemeClr val="tx1"/>
+                </a:solidFill>
+                <a:latin typeface="Arial" panose="020B0604020202020204" pitchFamily="34" charset="0"/>
+                <a:cs typeface="Arial" panose="020B0604020202020204" pitchFamily="34" charset="0"/>
+              </a:rPr>
+              <a:t>Home-region</a:t>
+            </a:r>
+          </a:p>
+        </p:txBody>
+      </p:sp>
+      <p:sp>
+        <p:nvSpPr>
+          <p:cNvPr id="112" name="Rectangle 111">
+            <a:extLst>
+              <a:ext uri="{FF2B5EF4-FFF2-40B4-BE49-F238E27FC236}">
+                <a16:creationId xmlns:a16="http://schemas.microsoft.com/office/drawing/2014/main" id="{D270ECED-DD9C-3E4B-928B-E56EB7B6C956}"/>
+              </a:ext>
+            </a:extLst>
+          </p:cNvPr>
+          <p:cNvSpPr/>
+          <p:nvPr/>
+        </p:nvSpPr>
+        <p:spPr>
+          <a:xfrm>
+            <a:off x="6351699" y="1268200"/>
+            <a:ext cx="1789940" cy="1750079"/>
+          </a:xfrm>
+          <a:prstGeom prst="rect">
+            <a:avLst/>
+          </a:prstGeom>
+          <a:noFill/>
+          <a:ln w="12700">
+            <a:solidFill>
+              <a:schemeClr val="tx1"/>
+            </a:solidFill>
+            <a:prstDash val="dash"/>
+          </a:ln>
+        </p:spPr>
+        <p:style>
+          <a:lnRef idx="2">
+            <a:schemeClr val="accent1">
+              <a:shade val="50000"/>
+            </a:schemeClr>
+          </a:lnRef>
+          <a:fillRef idx="1">
+            <a:schemeClr val="accent1"/>
+          </a:fillRef>
+          <a:effectRef idx="0">
+            <a:schemeClr val="accent1"/>
+          </a:effectRef>
+          <a:fontRef idx="minor">
+            <a:schemeClr val="lt1"/>
+          </a:fontRef>
+        </p:style>
+        <p:txBody>
+          <a:bodyPr rot="0" spcFirstLastPara="0" vertOverflow="overflow" horzOverflow="overflow" vert="horz" wrap="square" lIns="91440" tIns="0" rIns="91440" bIns="45720" numCol="1" spcCol="0" rtlCol="0" fromWordArt="0" anchor="t" anchorCtr="0" forceAA="0" compatLnSpc="1">
+            <a:noAutofit/>
+          </a:bodyPr>
+          <a:lstStyle/>
+          <a:p>
+            <a:r>
+              <a:rPr lang="en-US" sz="1100" b="1" dirty="0">
+                <a:solidFill>
+                  <a:schemeClr val="tx1"/>
+                </a:solidFill>
+                <a:latin typeface="Arial" panose="020B0604020202020204" pitchFamily="34" charset="0"/>
+                <a:cs typeface="Arial" panose="020B0604020202020204" pitchFamily="34" charset="0"/>
+              </a:rPr>
+              <a:t>region-1</a:t>
+            </a:r>
+          </a:p>
+        </p:txBody>
+      </p:sp>
+      <p:sp>
+        <p:nvSpPr>
+          <p:cNvPr id="113" name="Rectangle 112">
+            <a:extLst>
+              <a:ext uri="{FF2B5EF4-FFF2-40B4-BE49-F238E27FC236}">
+                <a16:creationId xmlns:a16="http://schemas.microsoft.com/office/drawing/2014/main" id="{5DC19F45-439B-C44B-AC97-AD82BECF5620}"/>
+              </a:ext>
+            </a:extLst>
+          </p:cNvPr>
+          <p:cNvSpPr/>
+          <p:nvPr/>
+        </p:nvSpPr>
+        <p:spPr>
+          <a:xfrm>
+            <a:off x="6504099" y="1503992"/>
+            <a:ext cx="1637540" cy="1514288"/>
+          </a:xfrm>
+          <a:prstGeom prst="rect">
+            <a:avLst/>
+          </a:prstGeom>
+          <a:noFill/>
+          <a:ln w="12700">
+            <a:solidFill>
+              <a:schemeClr val="tx1"/>
+            </a:solidFill>
+            <a:prstDash val="dash"/>
+          </a:ln>
+        </p:spPr>
+        <p:style>
+          <a:lnRef idx="2">
+            <a:schemeClr val="accent1">
+              <a:shade val="50000"/>
+            </a:schemeClr>
+          </a:lnRef>
+          <a:fillRef idx="1">
+            <a:schemeClr val="accent1"/>
+          </a:fillRef>
+          <a:effectRef idx="0">
+            <a:schemeClr val="accent1"/>
+          </a:effectRef>
+          <a:fontRef idx="minor">
+            <a:schemeClr val="lt1"/>
+          </a:fontRef>
+        </p:style>
+        <p:txBody>
+          <a:bodyPr rot="0" spcFirstLastPara="0" vertOverflow="overflow" horzOverflow="overflow" vert="horz" wrap="square" lIns="91440" tIns="0" rIns="91440" bIns="45720" numCol="1" spcCol="0" rtlCol="0" fromWordArt="0" anchor="t" anchorCtr="0" forceAA="0" compatLnSpc="1">
+            <a:noAutofit/>
+          </a:bodyPr>
+          <a:lstStyle/>
+          <a:p>
+            <a:r>
+              <a:rPr lang="en-US" sz="1100" b="1" dirty="0">
+                <a:solidFill>
+                  <a:schemeClr val="tx1"/>
+                </a:solidFill>
+                <a:latin typeface="Arial" panose="020B0604020202020204" pitchFamily="34" charset="0"/>
+                <a:cs typeface="Arial" panose="020B0604020202020204" pitchFamily="34" charset="0"/>
+              </a:rPr>
+              <a:t>region-2</a:t>
+            </a:r>
+          </a:p>
+        </p:txBody>
+      </p:sp>
+      <p:sp>
+        <p:nvSpPr>
+          <p:cNvPr id="114" name="Rectangle 113">
+            <a:extLst>
+              <a:ext uri="{FF2B5EF4-FFF2-40B4-BE49-F238E27FC236}">
+                <a16:creationId xmlns:a16="http://schemas.microsoft.com/office/drawing/2014/main" id="{6E25A730-7E27-1A42-953F-B0FF827FC342}"/>
+              </a:ext>
+            </a:extLst>
+          </p:cNvPr>
+          <p:cNvSpPr/>
+          <p:nvPr/>
+        </p:nvSpPr>
+        <p:spPr>
+          <a:xfrm>
+            <a:off x="6640368" y="1739783"/>
+            <a:ext cx="1501271" cy="1278497"/>
+          </a:xfrm>
+          <a:prstGeom prst="rect">
+            <a:avLst/>
+          </a:prstGeom>
+          <a:noFill/>
+          <a:ln w="12700">
+            <a:solidFill>
+              <a:schemeClr val="tx1"/>
+            </a:solidFill>
+            <a:prstDash val="dash"/>
+          </a:ln>
+        </p:spPr>
+        <p:style>
+          <a:lnRef idx="2">
+            <a:schemeClr val="accent1">
+              <a:shade val="50000"/>
+            </a:schemeClr>
+          </a:lnRef>
+          <a:fillRef idx="1">
+            <a:schemeClr val="accent1"/>
+          </a:fillRef>
+          <a:effectRef idx="0">
+            <a:schemeClr val="accent1"/>
+          </a:effectRef>
+          <a:fontRef idx="minor">
+            <a:schemeClr val="lt1"/>
+          </a:fontRef>
+        </p:style>
+        <p:txBody>
+          <a:bodyPr rot="0" spcFirstLastPara="0" vertOverflow="overflow" horzOverflow="overflow" vert="horz" wrap="square" lIns="91440" tIns="0" rIns="91440" bIns="45720" numCol="1" spcCol="0" rtlCol="0" fromWordArt="0" anchor="t" anchorCtr="0" forceAA="0" compatLnSpc="1">
+            <a:noAutofit/>
+          </a:bodyPr>
+          <a:lstStyle/>
+          <a:p>
+            <a:r>
+              <a:rPr lang="en-US" sz="1100" b="1" dirty="0">
+                <a:solidFill>
+                  <a:schemeClr val="tx1"/>
+                </a:solidFill>
+                <a:latin typeface="Arial" panose="020B0604020202020204" pitchFamily="34" charset="0"/>
+                <a:cs typeface="Arial" panose="020B0604020202020204" pitchFamily="34" charset="0"/>
+              </a:rPr>
+              <a:t>region-n</a:t>
+            </a:r>
+          </a:p>
+        </p:txBody>
+      </p:sp>
+      <p:sp>
+        <p:nvSpPr>
+          <p:cNvPr id="115" name="TextBox 30">
+            <a:extLst>
+              <a:ext uri="{FF2B5EF4-FFF2-40B4-BE49-F238E27FC236}">
+                <a16:creationId xmlns:a16="http://schemas.microsoft.com/office/drawing/2014/main" id="{6D12F8CB-3624-E440-9C06-563A163E9209}"/>
+              </a:ext>
+            </a:extLst>
+          </p:cNvPr>
+          <p:cNvSpPr txBox="1">
+            <a:spLocks noChangeArrowheads="1"/>
+          </p:cNvSpPr>
+          <p:nvPr/>
+        </p:nvSpPr>
+        <p:spPr bwMode="auto">
+          <a:xfrm>
+            <a:off x="6603813" y="2471376"/>
+            <a:ext cx="1554162" cy="430887"/>
+          </a:xfrm>
+          <a:prstGeom prst="rect">
+            <a:avLst/>
+          </a:prstGeom>
+          <a:noFill/>
+          <a:ln>
+            <a:noFill/>
+          </a:ln>
+          <a:extLst>
+            <a:ext uri="{909E8E84-426E-40DD-AFC4-6F175D3DCCD1}">
+              <a14:hiddenFill xmlns:a14="http://schemas.microsoft.com/office/drawing/2010/main">
+                <a:solidFill>
+                  <a:srgbClr val="FFFFFF"/>
+                </a:solidFill>
+              </a14:hiddenFill>
+            </a:ext>
+            <a:ext uri="{91240B29-F687-4F45-9708-019B960494DF}">
+              <a14:hiddenLine xmlns:a14="http://schemas.microsoft.com/office/drawing/2010/main" w="9525">
+                <a:solidFill>
+                  <a:srgbClr val="000000"/>
+                </a:solidFill>
+                <a:miter lim="800000"/>
+                <a:headEnd/>
+                <a:tailEnd/>
+              </a14:hiddenLine>
+            </a:ext>
+          </a:extLst>
+        </p:spPr>
+        <p:txBody>
+          <a:bodyPr wrap="square">
+            <a:spAutoFit/>
+          </a:bodyPr>
+          <a:lstStyle>
+            <a:lvl1pPr>
+              <a:defRPr>
+                <a:solidFill>
+                  <a:schemeClr val="tx1"/>
+                </a:solidFill>
+                <a:latin typeface="Calibri" panose="020F0502020204030204" pitchFamily="34" charset="0"/>
+              </a:defRPr>
+            </a:lvl1pPr>
+            <a:lvl2pPr marL="742950" indent="-285750">
+              <a:defRPr>
+                <a:solidFill>
+                  <a:schemeClr val="tx1"/>
+                </a:solidFill>
+                <a:latin typeface="Calibri" panose="020F0502020204030204" pitchFamily="34" charset="0"/>
+              </a:defRPr>
+            </a:lvl2pPr>
+            <a:lvl3pPr marL="1143000" indent="-228600">
+              <a:defRPr>
+                <a:solidFill>
+                  <a:schemeClr val="tx1"/>
+                </a:solidFill>
+                <a:latin typeface="Calibri" panose="020F0502020204030204" pitchFamily="34" charset="0"/>
+              </a:defRPr>
+            </a:lvl3pPr>
+            <a:lvl4pPr marL="1600200" indent="-228600">
+              <a:defRPr>
+                <a:solidFill>
+                  <a:schemeClr val="tx1"/>
+                </a:solidFill>
+                <a:latin typeface="Calibri" panose="020F0502020204030204" pitchFamily="34" charset="0"/>
+              </a:defRPr>
+            </a:lvl4pPr>
+            <a:lvl5pPr marL="2057400" indent="-228600">
+              <a:defRPr>
+                <a:solidFill>
+                  <a:schemeClr val="tx1"/>
+                </a:solidFill>
+                <a:latin typeface="Calibri" panose="020F0502020204030204" pitchFamily="34" charset="0"/>
+              </a:defRPr>
+            </a:lvl5pPr>
+            <a:lvl6pPr marL="2514600" indent="-228600" eaLnBrk="0" fontAlgn="base" hangingPunct="0">
+              <a:spcBef>
+                <a:spcPct val="0"/>
+              </a:spcBef>
+              <a:spcAft>
+                <a:spcPct val="0"/>
+              </a:spcAft>
+              <a:defRPr>
+                <a:solidFill>
+                  <a:schemeClr val="tx1"/>
+                </a:solidFill>
+                <a:latin typeface="Calibri" panose="020F0502020204030204" pitchFamily="34" charset="0"/>
+              </a:defRPr>
+            </a:lvl6pPr>
+            <a:lvl7pPr marL="2971800" indent="-228600" eaLnBrk="0" fontAlgn="base" hangingPunct="0">
+              <a:spcBef>
+                <a:spcPct val="0"/>
+              </a:spcBef>
+              <a:spcAft>
+                <a:spcPct val="0"/>
+              </a:spcAft>
+              <a:defRPr>
+                <a:solidFill>
+                  <a:schemeClr val="tx1"/>
+                </a:solidFill>
+                <a:latin typeface="Calibri" panose="020F0502020204030204" pitchFamily="34" charset="0"/>
+              </a:defRPr>
+            </a:lvl7pPr>
+            <a:lvl8pPr marL="3429000" indent="-228600" eaLnBrk="0" fontAlgn="base" hangingPunct="0">
+              <a:spcBef>
+                <a:spcPct val="0"/>
+              </a:spcBef>
+              <a:spcAft>
+                <a:spcPct val="0"/>
+              </a:spcAft>
+              <a:defRPr>
+                <a:solidFill>
+                  <a:schemeClr val="tx1"/>
+                </a:solidFill>
+                <a:latin typeface="Calibri" panose="020F0502020204030204" pitchFamily="34" charset="0"/>
+              </a:defRPr>
+            </a:lvl8pPr>
+            <a:lvl9pPr marL="3886200" indent="-228600" eaLnBrk="0" fontAlgn="base" hangingPunct="0">
+              <a:spcBef>
+                <a:spcPct val="0"/>
+              </a:spcBef>
+              <a:spcAft>
+                <a:spcPct val="0"/>
+              </a:spcAft>
+              <a:defRPr>
+                <a:solidFill>
+                  <a:schemeClr val="tx1"/>
+                </a:solidFill>
+                <a:latin typeface="Calibri" panose="020F0502020204030204" pitchFamily="34" charset="0"/>
+              </a:defRPr>
+            </a:lvl9pPr>
+          </a:lstStyle>
+          <a:p>
+            <a:pPr algn="ctr" eaLnBrk="1" hangingPunct="1"/>
+            <a:r>
+              <a:rPr lang="en-US" altLang="en-US" sz="1100" dirty="0">
+                <a:latin typeface="Arial" panose="020B0604020202020204" pitchFamily="34" charset="0"/>
+                <a:ea typeface="Amazon Ember" panose="020B0603020204020204" pitchFamily="34" charset="0"/>
+                <a:cs typeface="Arial" panose="020B0604020202020204" pitchFamily="34" charset="0"/>
+              </a:rPr>
+              <a:t>Account</a:t>
+            </a:r>
+          </a:p>
+          <a:p>
+            <a:pPr algn="ctr" eaLnBrk="1" hangingPunct="1"/>
+            <a:r>
+              <a:rPr lang="en-US" altLang="en-US" sz="1100" dirty="0">
+                <a:latin typeface="Arial" panose="020B0604020202020204" pitchFamily="34" charset="0"/>
+                <a:ea typeface="Amazon Ember" panose="020B0603020204020204" pitchFamily="34" charset="0"/>
+                <a:cs typeface="Arial" panose="020B0604020202020204" pitchFamily="34" charset="0"/>
+              </a:rPr>
+              <a:t>Access Analyzer</a:t>
+            </a:r>
+          </a:p>
+        </p:txBody>
+      </p:sp>
+      <p:pic>
+        <p:nvPicPr>
+          <p:cNvPr id="116" name="Graphic 51">
+            <a:extLst>
+              <a:ext uri="{FF2B5EF4-FFF2-40B4-BE49-F238E27FC236}">
+                <a16:creationId xmlns:a16="http://schemas.microsoft.com/office/drawing/2014/main" id="{5FEF8C89-A8A4-164D-B650-41763908E834}"/>
+              </a:ext>
+            </a:extLst>
+          </p:cNvPr>
+          <p:cNvPicPr>
+            <a:picLocks noChangeAspect="1" noChangeArrowheads="1"/>
+          </p:cNvPicPr>
+          <p:nvPr/>
+        </p:nvPicPr>
+        <p:blipFill>
+          <a:blip r:embed="rId5">
+            <a:extLst>
+              <a:ext uri="{28A0092B-C50C-407E-A947-70E740481C1C}">
+                <a14:useLocalDpi xmlns:a14="http://schemas.microsoft.com/office/drawing/2010/main" val="0"/>
+              </a:ext>
+            </a:extLst>
+          </a:blip>
+          <a:srcRect/>
+          <a:stretch>
+            <a:fillRect/>
+          </a:stretch>
+        </p:blipFill>
+        <p:spPr bwMode="auto">
+          <a:xfrm>
+            <a:off x="7118496" y="2067436"/>
+            <a:ext cx="457200" cy="457200"/>
+          </a:xfrm>
+          <a:prstGeom prst="rect">
+            <a:avLst/>
+          </a:prstGeom>
+          <a:noFill/>
+          <a:ln>
+            <a:noFill/>
+          </a:ln>
+          <a:extLst>
+            <a:ext uri="{909E8E84-426E-40DD-AFC4-6F175D3DCCD1}">
+              <a14:hiddenFill xmlns:a14="http://schemas.microsoft.com/office/drawing/2010/main">
+                <a:solidFill>
+                  <a:srgbClr val="FFFFFF"/>
+                </a:solidFill>
+              </a14:hiddenFill>
+            </a:ext>
+            <a:ext uri="{91240B29-F687-4F45-9708-019B960494DF}">
+              <a14:hiddenLine xmlns:a14="http://schemas.microsoft.com/office/drawing/2010/main" w="9525">
+                <a:solidFill>
+                  <a:srgbClr val="000000"/>
+                </a:solidFill>
+                <a:miter lim="800000"/>
+                <a:headEnd/>
+                <a:tailEnd/>
+              </a14:hiddenLine>
+            </a:ext>
+          </a:extLst>
+        </p:spPr>
+      </p:pic>
+      <p:pic>
+        <p:nvPicPr>
+          <p:cNvPr id="118" name="Graphic 6">
+            <a:extLst>
+              <a:ext uri="{FF2B5EF4-FFF2-40B4-BE49-F238E27FC236}">
+                <a16:creationId xmlns:a16="http://schemas.microsoft.com/office/drawing/2014/main" id="{FDBCA8AC-DC2F-784F-9466-E7A91146666A}"/>
+              </a:ext>
+            </a:extLst>
+          </p:cNvPr>
+          <p:cNvPicPr>
+            <a:picLocks noChangeAspect="1" noChangeArrowheads="1"/>
+          </p:cNvPicPr>
+          <p:nvPr/>
+        </p:nvPicPr>
+        <p:blipFill>
+          <a:blip r:embed="rId6">
+            <a:extLst>
+              <a:ext uri="{28A0092B-C50C-407E-A947-70E740481C1C}">
+                <a14:useLocalDpi xmlns:a14="http://schemas.microsoft.com/office/drawing/2010/main" val="0"/>
+              </a:ext>
+            </a:extLst>
+          </a:blip>
+          <a:srcRect/>
+          <a:stretch>
+            <a:fillRect/>
+          </a:stretch>
+        </p:blipFill>
+        <p:spPr bwMode="auto">
+          <a:xfrm>
+            <a:off x="4779925" y="1748014"/>
+            <a:ext cx="457200" cy="457200"/>
+          </a:xfrm>
+          <a:prstGeom prst="rect">
+            <a:avLst/>
+          </a:prstGeom>
+          <a:noFill/>
+          <a:ln>
+            <a:noFill/>
+          </a:ln>
+          <a:extLst>
+            <a:ext uri="{909E8E84-426E-40DD-AFC4-6F175D3DCCD1}">
+              <a14:hiddenFill xmlns:a14="http://schemas.microsoft.com/office/drawing/2010/main">
+                <a:solidFill>
+                  <a:srgbClr val="FFFFFF"/>
+                </a:solidFill>
+              </a14:hiddenFill>
+            </a:ext>
+            <a:ext uri="{91240B29-F687-4F45-9708-019B960494DF}">
+              <a14:hiddenLine xmlns:a14="http://schemas.microsoft.com/office/drawing/2010/main" w="9525">
+                <a:solidFill>
+                  <a:srgbClr val="000000"/>
+                </a:solidFill>
+                <a:miter lim="800000"/>
+                <a:headEnd/>
+                <a:tailEnd/>
+              </a14:hiddenLine>
+            </a:ext>
+          </a:extLst>
+        </p:spPr>
+      </p:pic>
+      <p:sp>
+        <p:nvSpPr>
+          <p:cNvPr id="119" name="TextBox 9">
+            <a:extLst>
+              <a:ext uri="{FF2B5EF4-FFF2-40B4-BE49-F238E27FC236}">
+                <a16:creationId xmlns:a16="http://schemas.microsoft.com/office/drawing/2014/main" id="{03F35A8E-F973-C640-8117-70E1E19809C6}"/>
+              </a:ext>
+            </a:extLst>
+          </p:cNvPr>
+          <p:cNvSpPr txBox="1">
+            <a:spLocks noChangeArrowheads="1"/>
+          </p:cNvSpPr>
+          <p:nvPr/>
+        </p:nvSpPr>
+        <p:spPr bwMode="auto">
+          <a:xfrm>
+            <a:off x="4335344" y="2200975"/>
+            <a:ext cx="1346361" cy="430887"/>
+          </a:xfrm>
+          <a:prstGeom prst="rect">
+            <a:avLst/>
+          </a:prstGeom>
+          <a:noFill/>
+          <a:ln>
+            <a:noFill/>
+          </a:ln>
+          <a:extLst>
+            <a:ext uri="{909E8E84-426E-40DD-AFC4-6F175D3DCCD1}">
+              <a14:hiddenFill xmlns:a14="http://schemas.microsoft.com/office/drawing/2010/main">
+                <a:solidFill>
+                  <a:srgbClr val="FFFFFF"/>
+                </a:solidFill>
+              </a14:hiddenFill>
+            </a:ext>
+            <a:ext uri="{91240B29-F687-4F45-9708-019B960494DF}">
+              <a14:hiddenLine xmlns:a14="http://schemas.microsoft.com/office/drawing/2010/main" w="9525">
+                <a:solidFill>
+                  <a:srgbClr val="000000"/>
+                </a:solidFill>
+                <a:miter lim="800000"/>
+                <a:headEnd/>
+                <a:tailEnd/>
+              </a14:hiddenLine>
+            </a:ext>
+          </a:extLst>
+        </p:spPr>
+        <p:txBody>
+          <a:bodyPr wrap="square">
+            <a:spAutoFit/>
+          </a:bodyPr>
+          <a:lstStyle>
+            <a:lvl1pPr>
+              <a:defRPr>
+                <a:solidFill>
+                  <a:schemeClr val="tx1"/>
+                </a:solidFill>
+                <a:latin typeface="Calibri" panose="020F0502020204030204" pitchFamily="34" charset="0"/>
+              </a:defRPr>
+            </a:lvl1pPr>
+            <a:lvl2pPr marL="742950" indent="-285750">
+              <a:defRPr>
+                <a:solidFill>
+                  <a:schemeClr val="tx1"/>
+                </a:solidFill>
+                <a:latin typeface="Calibri" panose="020F0502020204030204" pitchFamily="34" charset="0"/>
+              </a:defRPr>
+            </a:lvl2pPr>
+            <a:lvl3pPr marL="1143000" indent="-228600">
+              <a:defRPr>
+                <a:solidFill>
+                  <a:schemeClr val="tx1"/>
+                </a:solidFill>
+                <a:latin typeface="Calibri" panose="020F0502020204030204" pitchFamily="34" charset="0"/>
+              </a:defRPr>
+            </a:lvl3pPr>
+            <a:lvl4pPr marL="1600200" indent="-228600">
+              <a:defRPr>
+                <a:solidFill>
+                  <a:schemeClr val="tx1"/>
+                </a:solidFill>
+                <a:latin typeface="Calibri" panose="020F0502020204030204" pitchFamily="34" charset="0"/>
+              </a:defRPr>
+            </a:lvl4pPr>
+            <a:lvl5pPr marL="2057400" indent="-228600">
+              <a:defRPr>
+                <a:solidFill>
+                  <a:schemeClr val="tx1"/>
+                </a:solidFill>
+                <a:latin typeface="Calibri" panose="020F0502020204030204" pitchFamily="34" charset="0"/>
+              </a:defRPr>
+            </a:lvl5pPr>
+            <a:lvl6pPr marL="2514600" indent="-228600" eaLnBrk="0" fontAlgn="base" hangingPunct="0">
+              <a:spcBef>
+                <a:spcPct val="0"/>
+              </a:spcBef>
+              <a:spcAft>
+                <a:spcPct val="0"/>
+              </a:spcAft>
+              <a:defRPr>
+                <a:solidFill>
+                  <a:schemeClr val="tx1"/>
+                </a:solidFill>
+                <a:latin typeface="Calibri" panose="020F0502020204030204" pitchFamily="34" charset="0"/>
+              </a:defRPr>
+            </a:lvl6pPr>
+            <a:lvl7pPr marL="2971800" indent="-228600" eaLnBrk="0" fontAlgn="base" hangingPunct="0">
+              <a:spcBef>
+                <a:spcPct val="0"/>
+              </a:spcBef>
+              <a:spcAft>
+                <a:spcPct val="0"/>
+              </a:spcAft>
+              <a:defRPr>
+                <a:solidFill>
+                  <a:schemeClr val="tx1"/>
+                </a:solidFill>
+                <a:latin typeface="Calibri" panose="020F0502020204030204" pitchFamily="34" charset="0"/>
+              </a:defRPr>
+            </a:lvl7pPr>
+            <a:lvl8pPr marL="3429000" indent="-228600" eaLnBrk="0" fontAlgn="base" hangingPunct="0">
+              <a:spcBef>
+                <a:spcPct val="0"/>
+              </a:spcBef>
+              <a:spcAft>
+                <a:spcPct val="0"/>
+              </a:spcAft>
+              <a:defRPr>
+                <a:solidFill>
+                  <a:schemeClr val="tx1"/>
+                </a:solidFill>
+                <a:latin typeface="Calibri" panose="020F0502020204030204" pitchFamily="34" charset="0"/>
+              </a:defRPr>
+            </a:lvl8pPr>
+            <a:lvl9pPr marL="3886200" indent="-228600" eaLnBrk="0" fontAlgn="base" hangingPunct="0">
+              <a:spcBef>
+                <a:spcPct val="0"/>
+              </a:spcBef>
+              <a:spcAft>
+                <a:spcPct val="0"/>
+              </a:spcAft>
+              <a:defRPr>
+                <a:solidFill>
+                  <a:schemeClr val="tx1"/>
+                </a:solidFill>
+                <a:latin typeface="Calibri" panose="020F0502020204030204" pitchFamily="34" charset="0"/>
+              </a:defRPr>
+            </a:lvl9pPr>
+          </a:lstStyle>
+          <a:p>
+            <a:pPr algn="ctr" eaLnBrk="1" hangingPunct="1"/>
+            <a:r>
+              <a:rPr lang="en-US" altLang="en-US" sz="1100" dirty="0">
+                <a:latin typeface="Arial" panose="020B0604020202020204" pitchFamily="34" charset="0"/>
+                <a:ea typeface="Amazon Ember" panose="020B0603020204020204" pitchFamily="34" charset="0"/>
+                <a:cs typeface="Arial" panose="020B0604020202020204" pitchFamily="34" charset="0"/>
+              </a:rPr>
+              <a:t>AWS Organizations</a:t>
+            </a:r>
+          </a:p>
+        </p:txBody>
+      </p:sp>
+      <p:sp>
+        <p:nvSpPr>
+          <p:cNvPr id="117" name="Oval 116">
+            <a:extLst>
+              <a:ext uri="{FF2B5EF4-FFF2-40B4-BE49-F238E27FC236}">
+                <a16:creationId xmlns:a16="http://schemas.microsoft.com/office/drawing/2014/main" id="{15590E27-F70B-5645-9001-28E789346685}"/>
+              </a:ext>
+            </a:extLst>
+          </p:cNvPr>
+          <p:cNvSpPr/>
+          <p:nvPr/>
+        </p:nvSpPr>
+        <p:spPr>
+          <a:xfrm>
+            <a:off x="4653207" y="1641562"/>
+            <a:ext cx="253435" cy="212902"/>
+          </a:xfrm>
+          <a:prstGeom prst="ellipse">
+            <a:avLst/>
+          </a:prstGeom>
+          <a:solidFill>
+            <a:schemeClr val="tx1"/>
+          </a:solidFill>
+          <a:ln>
+            <a:solidFill>
+              <a:schemeClr val="tx1"/>
+            </a:solidFill>
+          </a:ln>
+        </p:spPr>
+        <p:style>
+          <a:lnRef idx="2">
+            <a:schemeClr val="accent1">
+              <a:shade val="50000"/>
+            </a:schemeClr>
+          </a:lnRef>
+          <a:fillRef idx="1">
+            <a:schemeClr val="accent1"/>
+          </a:fillRef>
+          <a:effectRef idx="0">
+            <a:schemeClr val="accent1"/>
+          </a:effectRef>
+          <a:fontRef idx="minor">
+            <a:schemeClr val="lt1"/>
+          </a:fontRef>
+        </p:style>
+        <p:txBody>
+          <a:bodyPr lIns="0" tIns="0" rIns="0" bIns="0" rtlCol="0" anchor="ctr"/>
+          <a:lstStyle/>
+          <a:p>
+            <a:pPr algn="ctr"/>
+            <a:r>
+              <a:rPr lang="en-US" sz="800" dirty="0">
+                <a:latin typeface="Arial" panose="020B0604020202020204" pitchFamily="34" charset="0"/>
+                <a:cs typeface="Arial" panose="020B0604020202020204" pitchFamily="34" charset="0"/>
+              </a:rPr>
+              <a:t>1.1</a:t>
+            </a:r>
+          </a:p>
+        </p:txBody>
+      </p:sp>
+      <p:sp>
+        <p:nvSpPr>
+          <p:cNvPr id="120" name="Oval 119">
+            <a:extLst>
+              <a:ext uri="{FF2B5EF4-FFF2-40B4-BE49-F238E27FC236}">
+                <a16:creationId xmlns:a16="http://schemas.microsoft.com/office/drawing/2014/main" id="{DD8FAA04-777E-EE44-9B90-88E0FAB6EFB8}"/>
+              </a:ext>
+            </a:extLst>
+          </p:cNvPr>
+          <p:cNvSpPr/>
+          <p:nvPr/>
+        </p:nvSpPr>
+        <p:spPr>
+          <a:xfrm>
+            <a:off x="6841704" y="2205214"/>
+            <a:ext cx="253435" cy="212902"/>
+          </a:xfrm>
+          <a:prstGeom prst="ellipse">
+            <a:avLst/>
+          </a:prstGeom>
+          <a:solidFill>
+            <a:schemeClr val="tx1"/>
+          </a:solidFill>
+          <a:ln>
+            <a:solidFill>
+              <a:schemeClr val="tx1"/>
+            </a:solidFill>
+          </a:ln>
+        </p:spPr>
+        <p:style>
+          <a:lnRef idx="2">
+            <a:schemeClr val="accent1">
+              <a:shade val="50000"/>
+            </a:schemeClr>
+          </a:lnRef>
+          <a:fillRef idx="1">
+            <a:schemeClr val="accent1"/>
+          </a:fillRef>
+          <a:effectRef idx="0">
+            <a:schemeClr val="accent1"/>
+          </a:effectRef>
+          <a:fontRef idx="minor">
+            <a:schemeClr val="lt1"/>
+          </a:fontRef>
+        </p:style>
+        <p:txBody>
+          <a:bodyPr lIns="0" tIns="0" rIns="0" bIns="0" rtlCol="0" anchor="ctr"/>
+          <a:lstStyle/>
+          <a:p>
+            <a:pPr algn="ctr"/>
+            <a:r>
+              <a:rPr lang="en-US" sz="800" dirty="0">
+                <a:latin typeface="Arial" panose="020B0604020202020204" pitchFamily="34" charset="0"/>
+                <a:cs typeface="Arial" panose="020B0604020202020204" pitchFamily="34" charset="0"/>
+              </a:rPr>
+              <a:t>1.2</a:t>
+            </a:r>
+          </a:p>
+        </p:txBody>
+      </p:sp>
+      <p:sp>
+        <p:nvSpPr>
+          <p:cNvPr id="58" name="Rectangle 57">
+            <a:extLst>
+              <a:ext uri="{FF2B5EF4-FFF2-40B4-BE49-F238E27FC236}">
+                <a16:creationId xmlns:a16="http://schemas.microsoft.com/office/drawing/2014/main" id="{B2FAAFC8-62D5-9A45-859F-58E2740580AB}"/>
+              </a:ext>
+            </a:extLst>
+          </p:cNvPr>
+          <p:cNvSpPr/>
+          <p:nvPr/>
+        </p:nvSpPr>
+        <p:spPr>
+          <a:xfrm>
+            <a:off x="2900409" y="4216709"/>
+            <a:ext cx="1789940" cy="1750079"/>
+          </a:xfrm>
+          <a:prstGeom prst="rect">
+            <a:avLst/>
+          </a:prstGeom>
+          <a:noFill/>
+          <a:ln w="12700">
+            <a:solidFill>
+              <a:schemeClr val="tx1"/>
+            </a:solidFill>
+            <a:prstDash val="dash"/>
+          </a:ln>
+        </p:spPr>
+        <p:style>
+          <a:lnRef idx="2">
+            <a:schemeClr val="accent1">
+              <a:shade val="50000"/>
+            </a:schemeClr>
+          </a:lnRef>
+          <a:fillRef idx="1">
+            <a:schemeClr val="accent1"/>
+          </a:fillRef>
+          <a:effectRef idx="0">
+            <a:schemeClr val="accent1"/>
+          </a:effectRef>
+          <a:fontRef idx="minor">
+            <a:schemeClr val="lt1"/>
+          </a:fontRef>
+        </p:style>
+        <p:txBody>
+          <a:bodyPr rot="0" spcFirstLastPara="0" vertOverflow="overflow" horzOverflow="overflow" vert="horz" wrap="square" lIns="91440" tIns="0" rIns="91440" bIns="45720" numCol="1" spcCol="0" rtlCol="0" fromWordArt="0" anchor="t" anchorCtr="0" forceAA="0" compatLnSpc="1">
+            <a:noAutofit/>
+          </a:bodyPr>
+          <a:lstStyle/>
+          <a:p>
+            <a:r>
+              <a:rPr lang="en-US" sz="1100" b="1" dirty="0">
+                <a:solidFill>
+                  <a:schemeClr val="tx1"/>
+                </a:solidFill>
+                <a:latin typeface="Arial" panose="020B0604020202020204" pitchFamily="34" charset="0"/>
+                <a:cs typeface="Arial" panose="020B0604020202020204" pitchFamily="34" charset="0"/>
+              </a:rPr>
+              <a:t>region-1</a:t>
+            </a:r>
+          </a:p>
+        </p:txBody>
+      </p:sp>
+      <p:sp>
+        <p:nvSpPr>
+          <p:cNvPr id="59" name="Rectangle 58">
+            <a:extLst>
+              <a:ext uri="{FF2B5EF4-FFF2-40B4-BE49-F238E27FC236}">
+                <a16:creationId xmlns:a16="http://schemas.microsoft.com/office/drawing/2014/main" id="{798F097D-7825-3245-90D0-DB8AB7F20F36}"/>
+              </a:ext>
+            </a:extLst>
+          </p:cNvPr>
+          <p:cNvSpPr/>
+          <p:nvPr/>
+        </p:nvSpPr>
+        <p:spPr>
+          <a:xfrm>
+            <a:off x="3052809" y="4452501"/>
+            <a:ext cx="1637540" cy="1514288"/>
+          </a:xfrm>
+          <a:prstGeom prst="rect">
+            <a:avLst/>
+          </a:prstGeom>
+          <a:noFill/>
+          <a:ln w="12700">
+            <a:solidFill>
+              <a:schemeClr val="tx1"/>
+            </a:solidFill>
+            <a:prstDash val="dash"/>
+          </a:ln>
+        </p:spPr>
+        <p:style>
+          <a:lnRef idx="2">
+            <a:schemeClr val="accent1">
+              <a:shade val="50000"/>
+            </a:schemeClr>
+          </a:lnRef>
+          <a:fillRef idx="1">
+            <a:schemeClr val="accent1"/>
+          </a:fillRef>
+          <a:effectRef idx="0">
+            <a:schemeClr val="accent1"/>
+          </a:effectRef>
+          <a:fontRef idx="minor">
+            <a:schemeClr val="lt1"/>
+          </a:fontRef>
+        </p:style>
+        <p:txBody>
+          <a:bodyPr rot="0" spcFirstLastPara="0" vertOverflow="overflow" horzOverflow="overflow" vert="horz" wrap="square" lIns="91440" tIns="0" rIns="91440" bIns="45720" numCol="1" spcCol="0" rtlCol="0" fromWordArt="0" anchor="t" anchorCtr="0" forceAA="0" compatLnSpc="1">
+            <a:noAutofit/>
+          </a:bodyPr>
+          <a:lstStyle/>
+          <a:p>
+            <a:r>
+              <a:rPr lang="en-US" sz="1100" b="1" dirty="0">
+                <a:solidFill>
+                  <a:schemeClr val="tx1"/>
+                </a:solidFill>
+                <a:latin typeface="Arial" panose="020B0604020202020204" pitchFamily="34" charset="0"/>
+                <a:cs typeface="Arial" panose="020B0604020202020204" pitchFamily="34" charset="0"/>
+              </a:rPr>
+              <a:t>region-2</a:t>
+            </a:r>
+          </a:p>
+        </p:txBody>
+      </p:sp>
+      <p:sp>
+        <p:nvSpPr>
+          <p:cNvPr id="60" name="Rectangle 59">
+            <a:extLst>
+              <a:ext uri="{FF2B5EF4-FFF2-40B4-BE49-F238E27FC236}">
+                <a16:creationId xmlns:a16="http://schemas.microsoft.com/office/drawing/2014/main" id="{9122753D-3D5B-7246-9844-3E3DBF659243}"/>
+              </a:ext>
+            </a:extLst>
+          </p:cNvPr>
+          <p:cNvSpPr/>
+          <p:nvPr/>
+        </p:nvSpPr>
+        <p:spPr>
+          <a:xfrm>
+            <a:off x="3189078" y="4688292"/>
+            <a:ext cx="1501271" cy="1278497"/>
+          </a:xfrm>
+          <a:prstGeom prst="rect">
+            <a:avLst/>
+          </a:prstGeom>
+          <a:noFill/>
+          <a:ln w="12700">
+            <a:solidFill>
+              <a:schemeClr val="tx1"/>
+            </a:solidFill>
+            <a:prstDash val="dash"/>
+          </a:ln>
+        </p:spPr>
+        <p:style>
+          <a:lnRef idx="2">
+            <a:schemeClr val="accent1">
+              <a:shade val="50000"/>
+            </a:schemeClr>
+          </a:lnRef>
+          <a:fillRef idx="1">
+            <a:schemeClr val="accent1"/>
+          </a:fillRef>
+          <a:effectRef idx="0">
+            <a:schemeClr val="accent1"/>
+          </a:effectRef>
+          <a:fontRef idx="minor">
+            <a:schemeClr val="lt1"/>
+          </a:fontRef>
+        </p:style>
+        <p:txBody>
+          <a:bodyPr rot="0" spcFirstLastPara="0" vertOverflow="overflow" horzOverflow="overflow" vert="horz" wrap="square" lIns="91440" tIns="0" rIns="91440" bIns="45720" numCol="1" spcCol="0" rtlCol="0" fromWordArt="0" anchor="t" anchorCtr="0" forceAA="0" compatLnSpc="1">
+            <a:noAutofit/>
+          </a:bodyPr>
+          <a:lstStyle/>
+          <a:p>
+            <a:r>
+              <a:rPr lang="en-US" sz="1100" b="1" dirty="0">
+                <a:solidFill>
+                  <a:schemeClr val="tx1"/>
+                </a:solidFill>
+                <a:latin typeface="Arial" panose="020B0604020202020204" pitchFamily="34" charset="0"/>
+                <a:cs typeface="Arial" panose="020B0604020202020204" pitchFamily="34" charset="0"/>
+              </a:rPr>
+              <a:t>region-n</a:t>
+            </a:r>
+          </a:p>
+        </p:txBody>
+      </p:sp>
+      <p:sp>
+        <p:nvSpPr>
+          <p:cNvPr id="61" name="TextBox 30">
+            <a:extLst>
+              <a:ext uri="{FF2B5EF4-FFF2-40B4-BE49-F238E27FC236}">
+                <a16:creationId xmlns:a16="http://schemas.microsoft.com/office/drawing/2014/main" id="{422E484E-9214-744E-ACD6-86B0FEBBD92B}"/>
+              </a:ext>
+            </a:extLst>
+          </p:cNvPr>
+          <p:cNvSpPr txBox="1">
+            <a:spLocks noChangeArrowheads="1"/>
+          </p:cNvSpPr>
+          <p:nvPr/>
+        </p:nvSpPr>
+        <p:spPr bwMode="auto">
+          <a:xfrm>
+            <a:off x="3152523" y="5419885"/>
+            <a:ext cx="1554162" cy="430887"/>
+          </a:xfrm>
+          <a:prstGeom prst="rect">
+            <a:avLst/>
+          </a:prstGeom>
+          <a:noFill/>
+          <a:ln>
+            <a:noFill/>
+          </a:ln>
+          <a:extLst>
+            <a:ext uri="{909E8E84-426E-40DD-AFC4-6F175D3DCCD1}">
+              <a14:hiddenFill xmlns:a14="http://schemas.microsoft.com/office/drawing/2010/main">
+                <a:solidFill>
+                  <a:srgbClr val="FFFFFF"/>
+                </a:solidFill>
+              </a14:hiddenFill>
+            </a:ext>
+            <a:ext uri="{91240B29-F687-4F45-9708-019B960494DF}">
+              <a14:hiddenLine xmlns:a14="http://schemas.microsoft.com/office/drawing/2010/main" w="9525">
+                <a:solidFill>
+                  <a:srgbClr val="000000"/>
+                </a:solidFill>
+                <a:miter lim="800000"/>
+                <a:headEnd/>
+                <a:tailEnd/>
+              </a14:hiddenLine>
+            </a:ext>
+          </a:extLst>
+        </p:spPr>
+        <p:txBody>
+          <a:bodyPr wrap="square">
+            <a:spAutoFit/>
+          </a:bodyPr>
+          <a:lstStyle>
+            <a:lvl1pPr>
+              <a:defRPr>
+                <a:solidFill>
+                  <a:schemeClr val="tx1"/>
+                </a:solidFill>
+                <a:latin typeface="Calibri" panose="020F0502020204030204" pitchFamily="34" charset="0"/>
+              </a:defRPr>
+            </a:lvl1pPr>
+            <a:lvl2pPr marL="742950" indent="-285750">
+              <a:defRPr>
+                <a:solidFill>
+                  <a:schemeClr val="tx1"/>
+                </a:solidFill>
+                <a:latin typeface="Calibri" panose="020F0502020204030204" pitchFamily="34" charset="0"/>
+              </a:defRPr>
+            </a:lvl2pPr>
+            <a:lvl3pPr marL="1143000" indent="-228600">
+              <a:defRPr>
+                <a:solidFill>
+                  <a:schemeClr val="tx1"/>
+                </a:solidFill>
+                <a:latin typeface="Calibri" panose="020F0502020204030204" pitchFamily="34" charset="0"/>
+              </a:defRPr>
+            </a:lvl3pPr>
+            <a:lvl4pPr marL="1600200" indent="-228600">
+              <a:defRPr>
+                <a:solidFill>
+                  <a:schemeClr val="tx1"/>
+                </a:solidFill>
+                <a:latin typeface="Calibri" panose="020F0502020204030204" pitchFamily="34" charset="0"/>
+              </a:defRPr>
+            </a:lvl4pPr>
+            <a:lvl5pPr marL="2057400" indent="-228600">
+              <a:defRPr>
+                <a:solidFill>
+                  <a:schemeClr val="tx1"/>
+                </a:solidFill>
+                <a:latin typeface="Calibri" panose="020F0502020204030204" pitchFamily="34" charset="0"/>
+              </a:defRPr>
+            </a:lvl5pPr>
+            <a:lvl6pPr marL="2514600" indent="-228600" eaLnBrk="0" fontAlgn="base" hangingPunct="0">
+              <a:spcBef>
+                <a:spcPct val="0"/>
+              </a:spcBef>
+              <a:spcAft>
+                <a:spcPct val="0"/>
+              </a:spcAft>
+              <a:defRPr>
+                <a:solidFill>
+                  <a:schemeClr val="tx1"/>
+                </a:solidFill>
+                <a:latin typeface="Calibri" panose="020F0502020204030204" pitchFamily="34" charset="0"/>
+              </a:defRPr>
+            </a:lvl6pPr>
+            <a:lvl7pPr marL="2971800" indent="-228600" eaLnBrk="0" fontAlgn="base" hangingPunct="0">
+              <a:spcBef>
+                <a:spcPct val="0"/>
+              </a:spcBef>
+              <a:spcAft>
+                <a:spcPct val="0"/>
+              </a:spcAft>
+              <a:defRPr>
+                <a:solidFill>
+                  <a:schemeClr val="tx1"/>
+                </a:solidFill>
+                <a:latin typeface="Calibri" panose="020F0502020204030204" pitchFamily="34" charset="0"/>
+              </a:defRPr>
+            </a:lvl7pPr>
+            <a:lvl8pPr marL="3429000" indent="-228600" eaLnBrk="0" fontAlgn="base" hangingPunct="0">
+              <a:spcBef>
+                <a:spcPct val="0"/>
+              </a:spcBef>
+              <a:spcAft>
+                <a:spcPct val="0"/>
+              </a:spcAft>
+              <a:defRPr>
+                <a:solidFill>
+                  <a:schemeClr val="tx1"/>
+                </a:solidFill>
+                <a:latin typeface="Calibri" panose="020F0502020204030204" pitchFamily="34" charset="0"/>
+              </a:defRPr>
+            </a:lvl8pPr>
+            <a:lvl9pPr marL="3886200" indent="-228600" eaLnBrk="0" fontAlgn="base" hangingPunct="0">
+              <a:spcBef>
+                <a:spcPct val="0"/>
+              </a:spcBef>
+              <a:spcAft>
+                <a:spcPct val="0"/>
+              </a:spcAft>
+              <a:defRPr>
+                <a:solidFill>
+                  <a:schemeClr val="tx1"/>
+                </a:solidFill>
+                <a:latin typeface="Calibri" panose="020F0502020204030204" pitchFamily="34" charset="0"/>
+              </a:defRPr>
+            </a:lvl9pPr>
+          </a:lstStyle>
+          <a:p>
+            <a:pPr algn="ctr" eaLnBrk="1" hangingPunct="1"/>
+            <a:r>
+              <a:rPr lang="en-US" altLang="en-US" sz="1100" dirty="0">
+                <a:latin typeface="Arial" panose="020B0604020202020204" pitchFamily="34" charset="0"/>
+                <a:ea typeface="Amazon Ember" panose="020B0603020204020204" pitchFamily="34" charset="0"/>
+                <a:cs typeface="Arial" panose="020B0604020202020204" pitchFamily="34" charset="0"/>
+              </a:rPr>
+              <a:t>Account</a:t>
+            </a:r>
+          </a:p>
+          <a:p>
+            <a:pPr algn="ctr" eaLnBrk="1" hangingPunct="1"/>
+            <a:r>
+              <a:rPr lang="en-US" altLang="en-US" sz="1100" dirty="0">
+                <a:latin typeface="Arial" panose="020B0604020202020204" pitchFamily="34" charset="0"/>
+                <a:ea typeface="Amazon Ember" panose="020B0603020204020204" pitchFamily="34" charset="0"/>
+                <a:cs typeface="Arial" panose="020B0604020202020204" pitchFamily="34" charset="0"/>
+              </a:rPr>
+              <a:t>Access Analyzer</a:t>
+            </a:r>
+          </a:p>
+        </p:txBody>
+      </p:sp>
+      <p:pic>
+        <p:nvPicPr>
+          <p:cNvPr id="62" name="Graphic 51">
+            <a:extLst>
+              <a:ext uri="{FF2B5EF4-FFF2-40B4-BE49-F238E27FC236}">
+                <a16:creationId xmlns:a16="http://schemas.microsoft.com/office/drawing/2014/main" id="{6897F0D9-1D0B-1849-8908-411F05624F60}"/>
+              </a:ext>
+            </a:extLst>
+          </p:cNvPr>
+          <p:cNvPicPr>
+            <a:picLocks noChangeAspect="1" noChangeArrowheads="1"/>
+          </p:cNvPicPr>
+          <p:nvPr/>
+        </p:nvPicPr>
+        <p:blipFill>
+          <a:blip r:embed="rId5">
+            <a:extLst>
+              <a:ext uri="{28A0092B-C50C-407E-A947-70E740481C1C}">
+                <a14:useLocalDpi xmlns:a14="http://schemas.microsoft.com/office/drawing/2010/main" val="0"/>
+              </a:ext>
+            </a:extLst>
+          </a:blip>
+          <a:srcRect/>
+          <a:stretch>
+            <a:fillRect/>
+          </a:stretch>
+        </p:blipFill>
+        <p:spPr bwMode="auto">
+          <a:xfrm>
+            <a:off x="3667206" y="5015945"/>
+            <a:ext cx="457200" cy="457200"/>
+          </a:xfrm>
+          <a:prstGeom prst="rect">
+            <a:avLst/>
+          </a:prstGeom>
+          <a:noFill/>
+          <a:ln>
+            <a:noFill/>
+          </a:ln>
+          <a:extLst>
+            <a:ext uri="{909E8E84-426E-40DD-AFC4-6F175D3DCCD1}">
+              <a14:hiddenFill xmlns:a14="http://schemas.microsoft.com/office/drawing/2010/main">
+                <a:solidFill>
+                  <a:srgbClr val="FFFFFF"/>
+                </a:solidFill>
+              </a14:hiddenFill>
+            </a:ext>
+            <a:ext uri="{91240B29-F687-4F45-9708-019B960494DF}">
+              <a14:hiddenLine xmlns:a14="http://schemas.microsoft.com/office/drawing/2010/main" w="9525">
+                <a:solidFill>
+                  <a:srgbClr val="000000"/>
+                </a:solidFill>
+                <a:miter lim="800000"/>
+                <a:headEnd/>
+                <a:tailEnd/>
+              </a14:hiddenLine>
+            </a:ext>
+          </a:extLst>
+        </p:spPr>
+      </p:pic>
+      <p:sp>
+        <p:nvSpPr>
+          <p:cNvPr id="63" name="Oval 62">
+            <a:extLst>
+              <a:ext uri="{FF2B5EF4-FFF2-40B4-BE49-F238E27FC236}">
+                <a16:creationId xmlns:a16="http://schemas.microsoft.com/office/drawing/2014/main" id="{3A4E898E-4EF3-B547-AA2A-40BD4613DC97}"/>
+              </a:ext>
+            </a:extLst>
+          </p:cNvPr>
+          <p:cNvSpPr/>
+          <p:nvPr/>
+        </p:nvSpPr>
+        <p:spPr>
+          <a:xfrm>
+            <a:off x="3390414" y="5153723"/>
+            <a:ext cx="253435" cy="212902"/>
+          </a:xfrm>
+          <a:prstGeom prst="ellipse">
+            <a:avLst/>
+          </a:prstGeom>
+          <a:solidFill>
+            <a:schemeClr val="tx1"/>
+          </a:solidFill>
+          <a:ln>
+            <a:solidFill>
+              <a:schemeClr val="tx1"/>
+            </a:solidFill>
+          </a:ln>
+        </p:spPr>
+        <p:style>
+          <a:lnRef idx="2">
+            <a:schemeClr val="accent1">
+              <a:shade val="50000"/>
+            </a:schemeClr>
+          </a:lnRef>
+          <a:fillRef idx="1">
+            <a:schemeClr val="accent1"/>
+          </a:fillRef>
+          <a:effectRef idx="0">
+            <a:schemeClr val="accent1"/>
+          </a:effectRef>
+          <a:fontRef idx="minor">
+            <a:schemeClr val="lt1"/>
+          </a:fontRef>
+        </p:style>
+        <p:txBody>
+          <a:bodyPr lIns="0" tIns="0" rIns="0" bIns="0" rtlCol="0" anchor="ctr"/>
+          <a:lstStyle/>
+          <a:p>
+            <a:pPr algn="ctr"/>
+            <a:r>
+              <a:rPr lang="en-US" sz="800" dirty="0">
+                <a:latin typeface="Arial" panose="020B0604020202020204" pitchFamily="34" charset="0"/>
+                <a:cs typeface="Arial" panose="020B0604020202020204" pitchFamily="34" charset="0"/>
+              </a:rPr>
+              <a:t>2.1</a:t>
+            </a:r>
+          </a:p>
+        </p:txBody>
+      </p:sp>
+      <p:sp>
+        <p:nvSpPr>
+          <p:cNvPr id="64" name="Rectangle 63">
+            <a:extLst>
+              <a:ext uri="{FF2B5EF4-FFF2-40B4-BE49-F238E27FC236}">
+                <a16:creationId xmlns:a16="http://schemas.microsoft.com/office/drawing/2014/main" id="{F0F8B0AE-0A2E-B240-A05B-76F8D887C8AD}"/>
+              </a:ext>
+            </a:extLst>
+          </p:cNvPr>
+          <p:cNvSpPr/>
+          <p:nvPr/>
+        </p:nvSpPr>
+        <p:spPr>
+          <a:xfrm>
+            <a:off x="4876374" y="4240341"/>
+            <a:ext cx="1789940" cy="1750079"/>
+          </a:xfrm>
+          <a:prstGeom prst="rect">
+            <a:avLst/>
+          </a:prstGeom>
+          <a:noFill/>
+          <a:ln w="12700">
+            <a:solidFill>
+              <a:schemeClr val="tx1"/>
+            </a:solidFill>
+            <a:prstDash val="dash"/>
+          </a:ln>
+        </p:spPr>
+        <p:style>
+          <a:lnRef idx="2">
+            <a:schemeClr val="accent1">
+              <a:shade val="50000"/>
+            </a:schemeClr>
+          </a:lnRef>
+          <a:fillRef idx="1">
+            <a:schemeClr val="accent1"/>
+          </a:fillRef>
+          <a:effectRef idx="0">
+            <a:schemeClr val="accent1"/>
+          </a:effectRef>
+          <a:fontRef idx="minor">
+            <a:schemeClr val="lt1"/>
+          </a:fontRef>
+        </p:style>
+        <p:txBody>
+          <a:bodyPr rot="0" spcFirstLastPara="0" vertOverflow="overflow" horzOverflow="overflow" vert="horz" wrap="square" lIns="91440" tIns="0" rIns="91440" bIns="45720" numCol="1" spcCol="0" rtlCol="0" fromWordArt="0" anchor="t" anchorCtr="0" forceAA="0" compatLnSpc="1">
+            <a:noAutofit/>
+          </a:bodyPr>
+          <a:lstStyle/>
+          <a:p>
+            <a:r>
+              <a:rPr lang="en-US" sz="1100" b="1" dirty="0">
+                <a:solidFill>
+                  <a:schemeClr val="tx1"/>
+                </a:solidFill>
+                <a:latin typeface="Arial" panose="020B0604020202020204" pitchFamily="34" charset="0"/>
+                <a:cs typeface="Arial" panose="020B0604020202020204" pitchFamily="34" charset="0"/>
+              </a:rPr>
+              <a:t>region-1</a:t>
+            </a:r>
+          </a:p>
+        </p:txBody>
+      </p:sp>
+      <p:sp>
+        <p:nvSpPr>
+          <p:cNvPr id="65" name="Rectangle 64">
+            <a:extLst>
+              <a:ext uri="{FF2B5EF4-FFF2-40B4-BE49-F238E27FC236}">
+                <a16:creationId xmlns:a16="http://schemas.microsoft.com/office/drawing/2014/main" id="{252BEB5A-1857-A74D-9647-40D9260547E3}"/>
+              </a:ext>
+            </a:extLst>
+          </p:cNvPr>
+          <p:cNvSpPr/>
+          <p:nvPr/>
+        </p:nvSpPr>
+        <p:spPr>
+          <a:xfrm>
+            <a:off x="5028774" y="4476133"/>
+            <a:ext cx="1637540" cy="1514288"/>
+          </a:xfrm>
+          <a:prstGeom prst="rect">
+            <a:avLst/>
+          </a:prstGeom>
+          <a:noFill/>
+          <a:ln w="12700">
+            <a:solidFill>
+              <a:schemeClr val="tx1"/>
+            </a:solidFill>
+            <a:prstDash val="dash"/>
+          </a:ln>
+        </p:spPr>
+        <p:style>
+          <a:lnRef idx="2">
+            <a:schemeClr val="accent1">
+              <a:shade val="50000"/>
+            </a:schemeClr>
+          </a:lnRef>
+          <a:fillRef idx="1">
+            <a:schemeClr val="accent1"/>
+          </a:fillRef>
+          <a:effectRef idx="0">
+            <a:schemeClr val="accent1"/>
+          </a:effectRef>
+          <a:fontRef idx="minor">
+            <a:schemeClr val="lt1"/>
+          </a:fontRef>
+        </p:style>
+        <p:txBody>
+          <a:bodyPr rot="0" spcFirstLastPara="0" vertOverflow="overflow" horzOverflow="overflow" vert="horz" wrap="square" lIns="91440" tIns="0" rIns="91440" bIns="45720" numCol="1" spcCol="0" rtlCol="0" fromWordArt="0" anchor="t" anchorCtr="0" forceAA="0" compatLnSpc="1">
+            <a:noAutofit/>
+          </a:bodyPr>
+          <a:lstStyle/>
+          <a:p>
+            <a:r>
+              <a:rPr lang="en-US" sz="1100" b="1" dirty="0">
+                <a:solidFill>
+                  <a:schemeClr val="tx1"/>
+                </a:solidFill>
+                <a:latin typeface="Arial" panose="020B0604020202020204" pitchFamily="34" charset="0"/>
+                <a:cs typeface="Arial" panose="020B0604020202020204" pitchFamily="34" charset="0"/>
+              </a:rPr>
+              <a:t>region-2</a:t>
+            </a:r>
+          </a:p>
+        </p:txBody>
+      </p:sp>
+      <p:sp>
+        <p:nvSpPr>
+          <p:cNvPr id="66" name="Rectangle 65">
+            <a:extLst>
+              <a:ext uri="{FF2B5EF4-FFF2-40B4-BE49-F238E27FC236}">
+                <a16:creationId xmlns:a16="http://schemas.microsoft.com/office/drawing/2014/main" id="{29ACD9B1-F792-6941-87D3-A3B580458DEE}"/>
+              </a:ext>
+            </a:extLst>
+          </p:cNvPr>
+          <p:cNvSpPr/>
+          <p:nvPr/>
+        </p:nvSpPr>
+        <p:spPr>
+          <a:xfrm>
+            <a:off x="5165043" y="4711924"/>
+            <a:ext cx="1501271" cy="1278497"/>
+          </a:xfrm>
+          <a:prstGeom prst="rect">
+            <a:avLst/>
+          </a:prstGeom>
+          <a:noFill/>
+          <a:ln w="12700">
+            <a:solidFill>
+              <a:schemeClr val="tx1"/>
+            </a:solidFill>
+            <a:prstDash val="dash"/>
+          </a:ln>
+        </p:spPr>
+        <p:style>
+          <a:lnRef idx="2">
+            <a:schemeClr val="accent1">
+              <a:shade val="50000"/>
+            </a:schemeClr>
+          </a:lnRef>
+          <a:fillRef idx="1">
+            <a:schemeClr val="accent1"/>
+          </a:fillRef>
+          <a:effectRef idx="0">
+            <a:schemeClr val="accent1"/>
+          </a:effectRef>
+          <a:fontRef idx="minor">
+            <a:schemeClr val="lt1"/>
+          </a:fontRef>
+        </p:style>
+        <p:txBody>
+          <a:bodyPr rot="0" spcFirstLastPara="0" vertOverflow="overflow" horzOverflow="overflow" vert="horz" wrap="square" lIns="91440" tIns="0" rIns="91440" bIns="45720" numCol="1" spcCol="0" rtlCol="0" fromWordArt="0" anchor="t" anchorCtr="0" forceAA="0" compatLnSpc="1">
+            <a:noAutofit/>
+          </a:bodyPr>
+          <a:lstStyle/>
+          <a:p>
+            <a:r>
+              <a:rPr lang="en-US" sz="1100" b="1" dirty="0">
+                <a:solidFill>
+                  <a:schemeClr val="tx1"/>
+                </a:solidFill>
+                <a:latin typeface="Arial" panose="020B0604020202020204" pitchFamily="34" charset="0"/>
+                <a:cs typeface="Arial" panose="020B0604020202020204" pitchFamily="34" charset="0"/>
+              </a:rPr>
+              <a:t>region-n</a:t>
+            </a:r>
+          </a:p>
+        </p:txBody>
+      </p:sp>
+      <p:sp>
+        <p:nvSpPr>
+          <p:cNvPr id="67" name="TextBox 30">
+            <a:extLst>
+              <a:ext uri="{FF2B5EF4-FFF2-40B4-BE49-F238E27FC236}">
+                <a16:creationId xmlns:a16="http://schemas.microsoft.com/office/drawing/2014/main" id="{D2932CE0-613B-F84F-8E1F-892A7CBE9974}"/>
+              </a:ext>
+            </a:extLst>
+          </p:cNvPr>
+          <p:cNvSpPr txBox="1">
+            <a:spLocks noChangeArrowheads="1"/>
+          </p:cNvSpPr>
+          <p:nvPr/>
+        </p:nvSpPr>
+        <p:spPr bwMode="auto">
+          <a:xfrm>
+            <a:off x="5128488" y="5443517"/>
+            <a:ext cx="1554162" cy="430887"/>
+          </a:xfrm>
+          <a:prstGeom prst="rect">
+            <a:avLst/>
+          </a:prstGeom>
+          <a:noFill/>
+          <a:ln>
+            <a:noFill/>
+          </a:ln>
+          <a:extLst>
+            <a:ext uri="{909E8E84-426E-40DD-AFC4-6F175D3DCCD1}">
+              <a14:hiddenFill xmlns:a14="http://schemas.microsoft.com/office/drawing/2010/main">
+                <a:solidFill>
+                  <a:srgbClr val="FFFFFF"/>
+                </a:solidFill>
+              </a14:hiddenFill>
+            </a:ext>
+            <a:ext uri="{91240B29-F687-4F45-9708-019B960494DF}">
+              <a14:hiddenLine xmlns:a14="http://schemas.microsoft.com/office/drawing/2010/main" w="9525">
+                <a:solidFill>
+                  <a:srgbClr val="000000"/>
+                </a:solidFill>
+                <a:miter lim="800000"/>
+                <a:headEnd/>
+                <a:tailEnd/>
+              </a14:hiddenLine>
+            </a:ext>
+          </a:extLst>
+        </p:spPr>
+        <p:txBody>
+          <a:bodyPr wrap="square">
+            <a:spAutoFit/>
+          </a:bodyPr>
+          <a:lstStyle>
+            <a:lvl1pPr>
+              <a:defRPr>
+                <a:solidFill>
+                  <a:schemeClr val="tx1"/>
+                </a:solidFill>
+                <a:latin typeface="Calibri" panose="020F0502020204030204" pitchFamily="34" charset="0"/>
+              </a:defRPr>
+            </a:lvl1pPr>
+            <a:lvl2pPr marL="742950" indent="-285750">
+              <a:defRPr>
+                <a:solidFill>
+                  <a:schemeClr val="tx1"/>
+                </a:solidFill>
+                <a:latin typeface="Calibri" panose="020F0502020204030204" pitchFamily="34" charset="0"/>
+              </a:defRPr>
+            </a:lvl2pPr>
+            <a:lvl3pPr marL="1143000" indent="-228600">
+              <a:defRPr>
+                <a:solidFill>
+                  <a:schemeClr val="tx1"/>
+                </a:solidFill>
+                <a:latin typeface="Calibri" panose="020F0502020204030204" pitchFamily="34" charset="0"/>
+              </a:defRPr>
+            </a:lvl3pPr>
+            <a:lvl4pPr marL="1600200" indent="-228600">
+              <a:defRPr>
+                <a:solidFill>
+                  <a:schemeClr val="tx1"/>
+                </a:solidFill>
+                <a:latin typeface="Calibri" panose="020F0502020204030204" pitchFamily="34" charset="0"/>
+              </a:defRPr>
+            </a:lvl4pPr>
+            <a:lvl5pPr marL="2057400" indent="-228600">
+              <a:defRPr>
+                <a:solidFill>
+                  <a:schemeClr val="tx1"/>
+                </a:solidFill>
+                <a:latin typeface="Calibri" panose="020F0502020204030204" pitchFamily="34" charset="0"/>
+              </a:defRPr>
+            </a:lvl5pPr>
+            <a:lvl6pPr marL="2514600" indent="-228600" eaLnBrk="0" fontAlgn="base" hangingPunct="0">
+              <a:spcBef>
+                <a:spcPct val="0"/>
+              </a:spcBef>
+              <a:spcAft>
+                <a:spcPct val="0"/>
+              </a:spcAft>
+              <a:defRPr>
+                <a:solidFill>
+                  <a:schemeClr val="tx1"/>
+                </a:solidFill>
+                <a:latin typeface="Calibri" panose="020F0502020204030204" pitchFamily="34" charset="0"/>
+              </a:defRPr>
+            </a:lvl6pPr>
+            <a:lvl7pPr marL="2971800" indent="-228600" eaLnBrk="0" fontAlgn="base" hangingPunct="0">
+              <a:spcBef>
+                <a:spcPct val="0"/>
+              </a:spcBef>
+              <a:spcAft>
+                <a:spcPct val="0"/>
+              </a:spcAft>
+              <a:defRPr>
+                <a:solidFill>
+                  <a:schemeClr val="tx1"/>
+                </a:solidFill>
+                <a:latin typeface="Calibri" panose="020F0502020204030204" pitchFamily="34" charset="0"/>
+              </a:defRPr>
+            </a:lvl7pPr>
+            <a:lvl8pPr marL="3429000" indent="-228600" eaLnBrk="0" fontAlgn="base" hangingPunct="0">
+              <a:spcBef>
+                <a:spcPct val="0"/>
+              </a:spcBef>
+              <a:spcAft>
+                <a:spcPct val="0"/>
+              </a:spcAft>
+              <a:defRPr>
+                <a:solidFill>
+                  <a:schemeClr val="tx1"/>
+                </a:solidFill>
+                <a:latin typeface="Calibri" panose="020F0502020204030204" pitchFamily="34" charset="0"/>
+              </a:defRPr>
+            </a:lvl8pPr>
+            <a:lvl9pPr marL="3886200" indent="-228600" eaLnBrk="0" fontAlgn="base" hangingPunct="0">
+              <a:spcBef>
+                <a:spcPct val="0"/>
+              </a:spcBef>
+              <a:spcAft>
+                <a:spcPct val="0"/>
+              </a:spcAft>
+              <a:defRPr>
+                <a:solidFill>
+                  <a:schemeClr val="tx1"/>
+                </a:solidFill>
+                <a:latin typeface="Calibri" panose="020F0502020204030204" pitchFamily="34" charset="0"/>
+              </a:defRPr>
+            </a:lvl9pPr>
+          </a:lstStyle>
+          <a:p>
+            <a:pPr algn="ctr" eaLnBrk="1" hangingPunct="1"/>
+            <a:r>
+              <a:rPr lang="en-US" altLang="en-US" sz="1100" dirty="0">
+                <a:latin typeface="Arial" panose="020B0604020202020204" pitchFamily="34" charset="0"/>
+                <a:ea typeface="Amazon Ember" panose="020B0603020204020204" pitchFamily="34" charset="0"/>
+                <a:cs typeface="Arial" panose="020B0604020202020204" pitchFamily="34" charset="0"/>
+              </a:rPr>
+              <a:t>Organization</a:t>
+            </a:r>
+          </a:p>
+          <a:p>
+            <a:pPr algn="ctr" eaLnBrk="1" hangingPunct="1"/>
+            <a:r>
+              <a:rPr lang="en-US" altLang="en-US" sz="1100" dirty="0">
+                <a:latin typeface="Arial" panose="020B0604020202020204" pitchFamily="34" charset="0"/>
+                <a:ea typeface="Amazon Ember" panose="020B0603020204020204" pitchFamily="34" charset="0"/>
+                <a:cs typeface="Arial" panose="020B0604020202020204" pitchFamily="34" charset="0"/>
+              </a:rPr>
+              <a:t>Access Analyzer</a:t>
+            </a:r>
+          </a:p>
+        </p:txBody>
+      </p:sp>
+      <p:pic>
+        <p:nvPicPr>
+          <p:cNvPr id="68" name="Graphic 51">
+            <a:extLst>
+              <a:ext uri="{FF2B5EF4-FFF2-40B4-BE49-F238E27FC236}">
+                <a16:creationId xmlns:a16="http://schemas.microsoft.com/office/drawing/2014/main" id="{595361BB-D01B-E544-A8CF-0323E52768E6}"/>
+              </a:ext>
+            </a:extLst>
+          </p:cNvPr>
+          <p:cNvPicPr>
+            <a:picLocks noChangeAspect="1" noChangeArrowheads="1"/>
+          </p:cNvPicPr>
+          <p:nvPr/>
+        </p:nvPicPr>
+        <p:blipFill>
+          <a:blip r:embed="rId5">
+            <a:extLst>
+              <a:ext uri="{28A0092B-C50C-407E-A947-70E740481C1C}">
+                <a14:useLocalDpi xmlns:a14="http://schemas.microsoft.com/office/drawing/2010/main" val="0"/>
+              </a:ext>
+            </a:extLst>
+          </a:blip>
+          <a:srcRect/>
+          <a:stretch>
+            <a:fillRect/>
+          </a:stretch>
+        </p:blipFill>
+        <p:spPr bwMode="auto">
+          <a:xfrm>
+            <a:off x="5643171" y="5039577"/>
+            <a:ext cx="457200" cy="457200"/>
+          </a:xfrm>
+          <a:prstGeom prst="rect">
+            <a:avLst/>
+          </a:prstGeom>
+          <a:noFill/>
+          <a:ln>
+            <a:noFill/>
+          </a:ln>
+          <a:extLst>
+            <a:ext uri="{909E8E84-426E-40DD-AFC4-6F175D3DCCD1}">
+              <a14:hiddenFill xmlns:a14="http://schemas.microsoft.com/office/drawing/2010/main">
+                <a:solidFill>
+                  <a:srgbClr val="FFFFFF"/>
+                </a:solidFill>
+              </a14:hiddenFill>
+            </a:ext>
+            <a:ext uri="{91240B29-F687-4F45-9708-019B960494DF}">
+              <a14:hiddenLine xmlns:a14="http://schemas.microsoft.com/office/drawing/2010/main" w="9525">
+                <a:solidFill>
+                  <a:srgbClr val="000000"/>
+                </a:solidFill>
+                <a:miter lim="800000"/>
+                <a:headEnd/>
+                <a:tailEnd/>
+              </a14:hiddenLine>
+            </a:ext>
+          </a:extLst>
+        </p:spPr>
+      </p:pic>
+      <p:sp>
+        <p:nvSpPr>
+          <p:cNvPr id="69" name="Oval 68">
+            <a:extLst>
+              <a:ext uri="{FF2B5EF4-FFF2-40B4-BE49-F238E27FC236}">
+                <a16:creationId xmlns:a16="http://schemas.microsoft.com/office/drawing/2014/main" id="{3C3A8B9D-E5BE-C24C-8D79-5F0CDCD42DC6}"/>
+              </a:ext>
+            </a:extLst>
+          </p:cNvPr>
+          <p:cNvSpPr/>
+          <p:nvPr/>
+        </p:nvSpPr>
+        <p:spPr>
+          <a:xfrm>
+            <a:off x="5366379" y="5177355"/>
+            <a:ext cx="253435" cy="212902"/>
+          </a:xfrm>
+          <a:prstGeom prst="ellipse">
+            <a:avLst/>
+          </a:prstGeom>
+          <a:solidFill>
+            <a:schemeClr val="tx1"/>
+          </a:solidFill>
+          <a:ln>
+            <a:solidFill>
+              <a:schemeClr val="tx1"/>
+            </a:solidFill>
+          </a:ln>
+        </p:spPr>
+        <p:style>
+          <a:lnRef idx="2">
+            <a:schemeClr val="accent1">
+              <a:shade val="50000"/>
+            </a:schemeClr>
+          </a:lnRef>
+          <a:fillRef idx="1">
+            <a:schemeClr val="accent1"/>
+          </a:fillRef>
+          <a:effectRef idx="0">
+            <a:schemeClr val="accent1"/>
+          </a:effectRef>
+          <a:fontRef idx="minor">
+            <a:schemeClr val="lt1"/>
+          </a:fontRef>
+        </p:style>
+        <p:txBody>
+          <a:bodyPr lIns="0" tIns="0" rIns="0" bIns="0" rtlCol="0" anchor="ctr"/>
+          <a:lstStyle/>
+          <a:p>
+            <a:pPr algn="ctr"/>
+            <a:r>
+              <a:rPr lang="en-US" sz="800" dirty="0">
+                <a:latin typeface="Arial" panose="020B0604020202020204" pitchFamily="34" charset="0"/>
+                <a:cs typeface="Arial" panose="020B0604020202020204" pitchFamily="34" charset="0"/>
+              </a:rPr>
+              <a:t>2.2</a:t>
+            </a:r>
+          </a:p>
+        </p:txBody>
+      </p:sp>
+      <p:sp>
+        <p:nvSpPr>
+          <p:cNvPr id="76" name="Rectangle 75">
+            <a:extLst>
+              <a:ext uri="{FF2B5EF4-FFF2-40B4-BE49-F238E27FC236}">
+                <a16:creationId xmlns:a16="http://schemas.microsoft.com/office/drawing/2014/main" id="{E9D39093-54AF-8E47-9874-47C5FBE3E145}"/>
+              </a:ext>
+            </a:extLst>
+          </p:cNvPr>
+          <p:cNvSpPr/>
+          <p:nvPr/>
+        </p:nvSpPr>
+        <p:spPr>
+          <a:xfrm>
+            <a:off x="8580641" y="4240341"/>
+            <a:ext cx="1789940" cy="1750079"/>
+          </a:xfrm>
+          <a:prstGeom prst="rect">
+            <a:avLst/>
+          </a:prstGeom>
+          <a:noFill/>
+          <a:ln w="12700">
+            <a:solidFill>
+              <a:schemeClr val="tx1"/>
+            </a:solidFill>
+            <a:prstDash val="dash"/>
+          </a:ln>
+        </p:spPr>
+        <p:style>
+          <a:lnRef idx="2">
+            <a:schemeClr val="accent1">
+              <a:shade val="50000"/>
+            </a:schemeClr>
+          </a:lnRef>
+          <a:fillRef idx="1">
+            <a:schemeClr val="accent1"/>
+          </a:fillRef>
+          <a:effectRef idx="0">
+            <a:schemeClr val="accent1"/>
+          </a:effectRef>
+          <a:fontRef idx="minor">
+            <a:schemeClr val="lt1"/>
+          </a:fontRef>
+        </p:style>
+        <p:txBody>
+          <a:bodyPr rot="0" spcFirstLastPara="0" vertOverflow="overflow" horzOverflow="overflow" vert="horz" wrap="square" lIns="91440" tIns="0" rIns="91440" bIns="45720" numCol="1" spcCol="0" rtlCol="0" fromWordArt="0" anchor="t" anchorCtr="0" forceAA="0" compatLnSpc="1">
+            <a:noAutofit/>
+          </a:bodyPr>
+          <a:lstStyle/>
+          <a:p>
+            <a:r>
+              <a:rPr lang="en-US" sz="1100" b="1" dirty="0">
+                <a:solidFill>
+                  <a:schemeClr val="tx1"/>
+                </a:solidFill>
+                <a:latin typeface="Arial" panose="020B0604020202020204" pitchFamily="34" charset="0"/>
+                <a:cs typeface="Arial" panose="020B0604020202020204" pitchFamily="34" charset="0"/>
+              </a:rPr>
+              <a:t>region-1</a:t>
+            </a:r>
+          </a:p>
+        </p:txBody>
+      </p:sp>
+      <p:sp>
+        <p:nvSpPr>
+          <p:cNvPr id="77" name="Rectangle 76">
+            <a:extLst>
+              <a:ext uri="{FF2B5EF4-FFF2-40B4-BE49-F238E27FC236}">
+                <a16:creationId xmlns:a16="http://schemas.microsoft.com/office/drawing/2014/main" id="{F8D4F985-E6E9-5549-A25C-5A12494BB983}"/>
+              </a:ext>
+            </a:extLst>
+          </p:cNvPr>
+          <p:cNvSpPr/>
+          <p:nvPr/>
+        </p:nvSpPr>
+        <p:spPr>
+          <a:xfrm>
+            <a:off x="8733041" y="4476133"/>
+            <a:ext cx="1637540" cy="1514288"/>
+          </a:xfrm>
+          <a:prstGeom prst="rect">
+            <a:avLst/>
+          </a:prstGeom>
+          <a:noFill/>
+          <a:ln w="12700">
+            <a:solidFill>
+              <a:schemeClr val="tx1"/>
+            </a:solidFill>
+            <a:prstDash val="dash"/>
+          </a:ln>
+        </p:spPr>
+        <p:style>
+          <a:lnRef idx="2">
+            <a:schemeClr val="accent1">
+              <a:shade val="50000"/>
+            </a:schemeClr>
+          </a:lnRef>
+          <a:fillRef idx="1">
+            <a:schemeClr val="accent1"/>
+          </a:fillRef>
+          <a:effectRef idx="0">
+            <a:schemeClr val="accent1"/>
+          </a:effectRef>
+          <a:fontRef idx="minor">
+            <a:schemeClr val="lt1"/>
+          </a:fontRef>
+        </p:style>
+        <p:txBody>
+          <a:bodyPr rot="0" spcFirstLastPara="0" vertOverflow="overflow" horzOverflow="overflow" vert="horz" wrap="square" lIns="91440" tIns="0" rIns="91440" bIns="45720" numCol="1" spcCol="0" rtlCol="0" fromWordArt="0" anchor="t" anchorCtr="0" forceAA="0" compatLnSpc="1">
+            <a:noAutofit/>
+          </a:bodyPr>
+          <a:lstStyle/>
+          <a:p>
+            <a:r>
+              <a:rPr lang="en-US" sz="1100" b="1" dirty="0">
+                <a:solidFill>
+                  <a:schemeClr val="tx1"/>
+                </a:solidFill>
+                <a:latin typeface="Arial" panose="020B0604020202020204" pitchFamily="34" charset="0"/>
+                <a:cs typeface="Arial" panose="020B0604020202020204" pitchFamily="34" charset="0"/>
+              </a:rPr>
+              <a:t>region-2</a:t>
+            </a:r>
+          </a:p>
+        </p:txBody>
+      </p:sp>
+      <p:sp>
+        <p:nvSpPr>
+          <p:cNvPr id="78" name="Rectangle 77">
+            <a:extLst>
+              <a:ext uri="{FF2B5EF4-FFF2-40B4-BE49-F238E27FC236}">
+                <a16:creationId xmlns:a16="http://schemas.microsoft.com/office/drawing/2014/main" id="{1FB5541E-D00D-344E-87C9-3BC115EAEA59}"/>
+              </a:ext>
+            </a:extLst>
+          </p:cNvPr>
+          <p:cNvSpPr/>
+          <p:nvPr/>
+        </p:nvSpPr>
+        <p:spPr>
+          <a:xfrm>
+            <a:off x="8869310" y="4711924"/>
+            <a:ext cx="1501271" cy="1278497"/>
+          </a:xfrm>
+          <a:prstGeom prst="rect">
+            <a:avLst/>
+          </a:prstGeom>
+          <a:noFill/>
+          <a:ln w="12700">
+            <a:solidFill>
+              <a:schemeClr val="tx1"/>
+            </a:solidFill>
+            <a:prstDash val="dash"/>
+          </a:ln>
+        </p:spPr>
+        <p:style>
+          <a:lnRef idx="2">
+            <a:schemeClr val="accent1">
+              <a:shade val="50000"/>
+            </a:schemeClr>
+          </a:lnRef>
+          <a:fillRef idx="1">
+            <a:schemeClr val="accent1"/>
+          </a:fillRef>
+          <a:effectRef idx="0">
+            <a:schemeClr val="accent1"/>
+          </a:effectRef>
+          <a:fontRef idx="minor">
+            <a:schemeClr val="lt1"/>
+          </a:fontRef>
+        </p:style>
+        <p:txBody>
+          <a:bodyPr rot="0" spcFirstLastPara="0" vertOverflow="overflow" horzOverflow="overflow" vert="horz" wrap="square" lIns="91440" tIns="0" rIns="91440" bIns="45720" numCol="1" spcCol="0" rtlCol="0" fromWordArt="0" anchor="t" anchorCtr="0" forceAA="0" compatLnSpc="1">
+            <a:noAutofit/>
+          </a:bodyPr>
+          <a:lstStyle/>
+          <a:p>
+            <a:r>
+              <a:rPr lang="en-US" sz="1100" b="1" dirty="0">
+                <a:solidFill>
+                  <a:schemeClr val="tx1"/>
+                </a:solidFill>
+                <a:latin typeface="Arial" panose="020B0604020202020204" pitchFamily="34" charset="0"/>
+                <a:cs typeface="Arial" panose="020B0604020202020204" pitchFamily="34" charset="0"/>
+              </a:rPr>
+              <a:t>region-n</a:t>
+            </a:r>
+          </a:p>
+        </p:txBody>
+      </p:sp>
+      <p:sp>
+        <p:nvSpPr>
+          <p:cNvPr id="79" name="TextBox 30">
+            <a:extLst>
+              <a:ext uri="{FF2B5EF4-FFF2-40B4-BE49-F238E27FC236}">
+                <a16:creationId xmlns:a16="http://schemas.microsoft.com/office/drawing/2014/main" id="{3BDD8CC6-7921-294D-B374-F22A339E6145}"/>
+              </a:ext>
+            </a:extLst>
+          </p:cNvPr>
+          <p:cNvSpPr txBox="1">
+            <a:spLocks noChangeArrowheads="1"/>
+          </p:cNvSpPr>
+          <p:nvPr/>
+        </p:nvSpPr>
+        <p:spPr bwMode="auto">
+          <a:xfrm>
+            <a:off x="8832755" y="5443517"/>
+            <a:ext cx="1554162" cy="430887"/>
+          </a:xfrm>
+          <a:prstGeom prst="rect">
+            <a:avLst/>
+          </a:prstGeom>
+          <a:noFill/>
+          <a:ln>
+            <a:noFill/>
+          </a:ln>
+          <a:extLst>
+            <a:ext uri="{909E8E84-426E-40DD-AFC4-6F175D3DCCD1}">
+              <a14:hiddenFill xmlns:a14="http://schemas.microsoft.com/office/drawing/2010/main">
+                <a:solidFill>
+                  <a:srgbClr val="FFFFFF"/>
+                </a:solidFill>
+              </a14:hiddenFill>
+            </a:ext>
+            <a:ext uri="{91240B29-F687-4F45-9708-019B960494DF}">
+              <a14:hiddenLine xmlns:a14="http://schemas.microsoft.com/office/drawing/2010/main" w="9525">
+                <a:solidFill>
+                  <a:srgbClr val="000000"/>
+                </a:solidFill>
+                <a:miter lim="800000"/>
+                <a:headEnd/>
+                <a:tailEnd/>
+              </a14:hiddenLine>
+            </a:ext>
+          </a:extLst>
+        </p:spPr>
+        <p:txBody>
+          <a:bodyPr wrap="square">
+            <a:spAutoFit/>
+          </a:bodyPr>
+          <a:lstStyle>
+            <a:lvl1pPr>
+              <a:defRPr>
+                <a:solidFill>
+                  <a:schemeClr val="tx1"/>
+                </a:solidFill>
+                <a:latin typeface="Calibri" panose="020F0502020204030204" pitchFamily="34" charset="0"/>
+              </a:defRPr>
+            </a:lvl1pPr>
+            <a:lvl2pPr marL="742950" indent="-285750">
+              <a:defRPr>
+                <a:solidFill>
+                  <a:schemeClr val="tx1"/>
+                </a:solidFill>
+                <a:latin typeface="Calibri" panose="020F0502020204030204" pitchFamily="34" charset="0"/>
+              </a:defRPr>
+            </a:lvl2pPr>
+            <a:lvl3pPr marL="1143000" indent="-228600">
+              <a:defRPr>
+                <a:solidFill>
+                  <a:schemeClr val="tx1"/>
+                </a:solidFill>
+                <a:latin typeface="Calibri" panose="020F0502020204030204" pitchFamily="34" charset="0"/>
+              </a:defRPr>
+            </a:lvl3pPr>
+            <a:lvl4pPr marL="1600200" indent="-228600">
+              <a:defRPr>
+                <a:solidFill>
+                  <a:schemeClr val="tx1"/>
+                </a:solidFill>
+                <a:latin typeface="Calibri" panose="020F0502020204030204" pitchFamily="34" charset="0"/>
+              </a:defRPr>
+            </a:lvl4pPr>
+            <a:lvl5pPr marL="2057400" indent="-228600">
+              <a:defRPr>
+                <a:solidFill>
+                  <a:schemeClr val="tx1"/>
+                </a:solidFill>
+                <a:latin typeface="Calibri" panose="020F0502020204030204" pitchFamily="34" charset="0"/>
+              </a:defRPr>
+            </a:lvl5pPr>
+            <a:lvl6pPr marL="2514600" indent="-228600" eaLnBrk="0" fontAlgn="base" hangingPunct="0">
+              <a:spcBef>
+                <a:spcPct val="0"/>
+              </a:spcBef>
+              <a:spcAft>
+                <a:spcPct val="0"/>
+              </a:spcAft>
+              <a:defRPr>
+                <a:solidFill>
+                  <a:schemeClr val="tx1"/>
+                </a:solidFill>
+                <a:latin typeface="Calibri" panose="020F0502020204030204" pitchFamily="34" charset="0"/>
+              </a:defRPr>
+            </a:lvl6pPr>
+            <a:lvl7pPr marL="2971800" indent="-228600" eaLnBrk="0" fontAlgn="base" hangingPunct="0">
+              <a:spcBef>
+                <a:spcPct val="0"/>
+              </a:spcBef>
+              <a:spcAft>
+                <a:spcPct val="0"/>
+              </a:spcAft>
+              <a:defRPr>
+                <a:solidFill>
+                  <a:schemeClr val="tx1"/>
+                </a:solidFill>
+                <a:latin typeface="Calibri" panose="020F0502020204030204" pitchFamily="34" charset="0"/>
+              </a:defRPr>
+            </a:lvl7pPr>
+            <a:lvl8pPr marL="3429000" indent="-228600" eaLnBrk="0" fontAlgn="base" hangingPunct="0">
+              <a:spcBef>
+                <a:spcPct val="0"/>
+              </a:spcBef>
+              <a:spcAft>
+                <a:spcPct val="0"/>
+              </a:spcAft>
+              <a:defRPr>
+                <a:solidFill>
+                  <a:schemeClr val="tx1"/>
+                </a:solidFill>
+                <a:latin typeface="Calibri" panose="020F0502020204030204" pitchFamily="34" charset="0"/>
+              </a:defRPr>
+            </a:lvl8pPr>
+            <a:lvl9pPr marL="3886200" indent="-228600" eaLnBrk="0" fontAlgn="base" hangingPunct="0">
+              <a:spcBef>
+                <a:spcPct val="0"/>
+              </a:spcBef>
+              <a:spcAft>
+                <a:spcPct val="0"/>
+              </a:spcAft>
+              <a:defRPr>
+                <a:solidFill>
+                  <a:schemeClr val="tx1"/>
+                </a:solidFill>
+                <a:latin typeface="Calibri" panose="020F0502020204030204" pitchFamily="34" charset="0"/>
+              </a:defRPr>
+            </a:lvl9pPr>
+          </a:lstStyle>
+          <a:p>
+            <a:pPr algn="ctr" eaLnBrk="1" hangingPunct="1"/>
+            <a:r>
+              <a:rPr lang="en-US" altLang="en-US" sz="1100" dirty="0">
+                <a:latin typeface="Arial" panose="020B0604020202020204" pitchFamily="34" charset="0"/>
+                <a:ea typeface="Amazon Ember" panose="020B0603020204020204" pitchFamily="34" charset="0"/>
+                <a:cs typeface="Arial" panose="020B0604020202020204" pitchFamily="34" charset="0"/>
+              </a:rPr>
+              <a:t>Account</a:t>
+            </a:r>
+          </a:p>
+          <a:p>
+            <a:pPr algn="ctr" eaLnBrk="1" hangingPunct="1"/>
+            <a:r>
+              <a:rPr lang="en-US" altLang="en-US" sz="1100" dirty="0">
+                <a:latin typeface="Arial" panose="020B0604020202020204" pitchFamily="34" charset="0"/>
+                <a:ea typeface="Amazon Ember" panose="020B0603020204020204" pitchFamily="34" charset="0"/>
+                <a:cs typeface="Arial" panose="020B0604020202020204" pitchFamily="34" charset="0"/>
+              </a:rPr>
+              <a:t>Access Analyzer</a:t>
+            </a:r>
+          </a:p>
+        </p:txBody>
+      </p:sp>
+      <p:pic>
+        <p:nvPicPr>
+          <p:cNvPr id="80" name="Graphic 51">
+            <a:extLst>
+              <a:ext uri="{FF2B5EF4-FFF2-40B4-BE49-F238E27FC236}">
+                <a16:creationId xmlns:a16="http://schemas.microsoft.com/office/drawing/2014/main" id="{5F4A0F35-68A9-1F40-B7C8-90539CCB852A}"/>
+              </a:ext>
+            </a:extLst>
+          </p:cNvPr>
+          <p:cNvPicPr>
+            <a:picLocks noChangeAspect="1" noChangeArrowheads="1"/>
+          </p:cNvPicPr>
+          <p:nvPr/>
+        </p:nvPicPr>
+        <p:blipFill>
+          <a:blip r:embed="rId5">
+            <a:extLst>
+              <a:ext uri="{28A0092B-C50C-407E-A947-70E740481C1C}">
+                <a14:useLocalDpi xmlns:a14="http://schemas.microsoft.com/office/drawing/2010/main" val="0"/>
+              </a:ext>
+            </a:extLst>
+          </a:blip>
+          <a:srcRect/>
+          <a:stretch>
+            <a:fillRect/>
+          </a:stretch>
+        </p:blipFill>
+        <p:spPr bwMode="auto">
+          <a:xfrm>
+            <a:off x="9347438" y="5039577"/>
+            <a:ext cx="457200" cy="457200"/>
+          </a:xfrm>
+          <a:prstGeom prst="rect">
+            <a:avLst/>
+          </a:prstGeom>
+          <a:noFill/>
+          <a:ln>
+            <a:noFill/>
+          </a:ln>
+          <a:extLst>
+            <a:ext uri="{909E8E84-426E-40DD-AFC4-6F175D3DCCD1}">
+              <a14:hiddenFill xmlns:a14="http://schemas.microsoft.com/office/drawing/2010/main">
+                <a:solidFill>
+                  <a:srgbClr val="FFFFFF"/>
+                </a:solidFill>
+              </a14:hiddenFill>
+            </a:ext>
+            <a:ext uri="{91240B29-F687-4F45-9708-019B960494DF}">
+              <a14:hiddenLine xmlns:a14="http://schemas.microsoft.com/office/drawing/2010/main" w="9525">
+                <a:solidFill>
+                  <a:srgbClr val="000000"/>
+                </a:solidFill>
+                <a:miter lim="800000"/>
+                <a:headEnd/>
+                <a:tailEnd/>
+              </a14:hiddenLine>
+            </a:ext>
+          </a:extLst>
+        </p:spPr>
+      </p:pic>
+      <p:sp>
+        <p:nvSpPr>
+          <p:cNvPr id="81" name="Oval 80">
+            <a:extLst>
+              <a:ext uri="{FF2B5EF4-FFF2-40B4-BE49-F238E27FC236}">
+                <a16:creationId xmlns:a16="http://schemas.microsoft.com/office/drawing/2014/main" id="{9DC778C3-BE80-274B-9408-65440E202260}"/>
+              </a:ext>
+            </a:extLst>
+          </p:cNvPr>
+          <p:cNvSpPr/>
+          <p:nvPr/>
+        </p:nvSpPr>
+        <p:spPr>
+          <a:xfrm>
+            <a:off x="9070646" y="5177355"/>
+            <a:ext cx="253435" cy="212902"/>
+          </a:xfrm>
+          <a:prstGeom prst="ellipse">
+            <a:avLst/>
+          </a:prstGeom>
+          <a:solidFill>
+            <a:schemeClr val="tx1"/>
+          </a:solidFill>
+          <a:ln>
+            <a:solidFill>
+              <a:schemeClr val="tx1"/>
+            </a:solidFill>
+          </a:ln>
+        </p:spPr>
+        <p:style>
+          <a:lnRef idx="2">
+            <a:schemeClr val="accent1">
+              <a:shade val="50000"/>
+            </a:schemeClr>
+          </a:lnRef>
+          <a:fillRef idx="1">
+            <a:schemeClr val="accent1"/>
+          </a:fillRef>
+          <a:effectRef idx="0">
+            <a:schemeClr val="accent1"/>
+          </a:effectRef>
+          <a:fontRef idx="minor">
+            <a:schemeClr val="lt1"/>
+          </a:fontRef>
+        </p:style>
+        <p:txBody>
+          <a:bodyPr lIns="0" tIns="0" rIns="0" bIns="0" rtlCol="0" anchor="ctr"/>
+          <a:lstStyle/>
+          <a:p>
+            <a:pPr algn="ctr"/>
+            <a:r>
+              <a:rPr lang="en-US" sz="800" dirty="0">
+                <a:latin typeface="Arial" panose="020B0604020202020204" pitchFamily="34" charset="0"/>
+                <a:cs typeface="Arial" panose="020B0604020202020204" pitchFamily="34" charset="0"/>
+              </a:rPr>
+              <a:t>3.1</a:t>
+            </a:r>
+          </a:p>
+        </p:txBody>
+      </p:sp>
+    </p:spTree>
+    <p:extLst>
+      <p:ext uri="{BB962C8B-B14F-4D97-AF65-F5344CB8AC3E}">
+        <p14:creationId xmlns:p14="http://schemas.microsoft.com/office/powerpoint/2010/main" val="3318025566"/>
       </p:ext>
     </p:extLst>
   </p:cSld>
